--- a/Lectures/12 - Intervals for Prediction.pptx
+++ b/Lectures/12 - Intervals for Prediction.pptx
@@ -5,27 +5,22 @@
     <p:sldMasterId id="2147484095" r:id="rId1"/>
   </p:sldMasterIdLst>
   <p:notesMasterIdLst>
-    <p:notesMasterId r:id="rId17"/>
+    <p:notesMasterId r:id="rId12"/>
   </p:notesMasterIdLst>
   <p:handoutMasterIdLst>
-    <p:handoutMasterId r:id="rId18"/>
+    <p:handoutMasterId r:id="rId13"/>
   </p:handoutMasterIdLst>
   <p:sldIdLst>
     <p:sldId id="256" r:id="rId2"/>
     <p:sldId id="389" r:id="rId3"/>
     <p:sldId id="390" r:id="rId4"/>
-    <p:sldId id="388" r:id="rId5"/>
-    <p:sldId id="387" r:id="rId6"/>
-    <p:sldId id="375" r:id="rId7"/>
-    <p:sldId id="380" r:id="rId8"/>
-    <p:sldId id="381" r:id="rId9"/>
-    <p:sldId id="376" r:id="rId10"/>
-    <p:sldId id="382" r:id="rId11"/>
-    <p:sldId id="384" r:id="rId12"/>
-    <p:sldId id="385" r:id="rId13"/>
-    <p:sldId id="383" r:id="rId14"/>
-    <p:sldId id="386" r:id="rId15"/>
-    <p:sldId id="358" r:id="rId16"/>
+    <p:sldId id="391" r:id="rId5"/>
+    <p:sldId id="388" r:id="rId6"/>
+    <p:sldId id="394" r:id="rId7"/>
+    <p:sldId id="387" r:id="rId8"/>
+    <p:sldId id="393" r:id="rId9"/>
+    <p:sldId id="395" r:id="rId10"/>
+    <p:sldId id="358" r:id="rId11"/>
   </p:sldIdLst>
   <p:sldSz cx="12192000" cy="6858000"/>
   <p:notesSz cx="7315200" cy="9601200"/>
@@ -917,7 +912,7 @@
               <a:pPr>
                 <a:defRPr/>
               </a:pPr>
-              <a:t>15</a:t>
+              <a:t>10</a:t>
             </a:fld>
             <a:endParaRPr lang="en-US"/>
           </a:p>
@@ -4949,3642 +4944,6 @@
           <a:chExt cx="0" cy="0"/>
         </a:xfrm>
       </p:grpSpPr>
-      <p:pic>
-        <p:nvPicPr>
-          <p:cNvPr id="2" name="Picture 10" descr="Mario Pattern">
-            <a:extLst>
-              <a:ext uri="{FF2B5EF4-FFF2-40B4-BE49-F238E27FC236}">
-                <a16:creationId xmlns:a16="http://schemas.microsoft.com/office/drawing/2014/main" id="{8F84FFD9-23AF-75F7-6DAA-904525952142}"/>
-              </a:ext>
-            </a:extLst>
-          </p:cNvPr>
-          <p:cNvPicPr>
-            <a:picLocks noChangeAspect="1" noChangeArrowheads="1"/>
-          </p:cNvPicPr>
-          <p:nvPr/>
-        </p:nvPicPr>
-        <p:blipFill rotWithShape="1">
-          <a:blip r:embed="rId2">
-            <a:alphaModFix amt="47000"/>
-            <a:extLst>
-              <a:ext uri="{28A0092B-C50C-407E-A947-70E740481C1C}">
-                <a14:useLocalDpi xmlns:a14="http://schemas.microsoft.com/office/drawing/2010/main" val="0"/>
-              </a:ext>
-            </a:extLst>
-          </a:blip>
-          <a:srcRect l="4595" r="6699"/>
-          <a:stretch/>
-        </p:blipFill>
-        <p:spPr bwMode="auto">
-          <a:xfrm>
-            <a:off x="0" y="-2057400"/>
-            <a:ext cx="12192000" cy="10308201"/>
-          </a:xfrm>
-          <a:prstGeom prst="rect">
-            <a:avLst/>
-          </a:prstGeom>
-          <a:noFill/>
-          <a:extLst>
-            <a:ext uri="{909E8E84-426E-40DD-AFC4-6F175D3DCCD1}">
-              <a14:hiddenFill xmlns:a14="http://schemas.microsoft.com/office/drawing/2010/main">
-                <a:solidFill>
-                  <a:srgbClr val="FFFFFF"/>
-                </a:solidFill>
-              </a14:hiddenFill>
-            </a:ext>
-          </a:extLst>
-        </p:spPr>
-      </p:pic>
-      <p:sp>
-        <p:nvSpPr>
-          <p:cNvPr id="12" name="Line 11"/>
-          <p:cNvSpPr>
-            <a:spLocks noChangeShapeType="1"/>
-          </p:cNvSpPr>
-          <p:nvPr/>
-        </p:nvSpPr>
-        <p:spPr bwMode="auto">
-          <a:xfrm flipV="1">
-            <a:off x="6972300" y="5109836"/>
-            <a:ext cx="609600" cy="533400"/>
-          </a:xfrm>
-          <a:prstGeom prst="line">
-            <a:avLst/>
-          </a:prstGeom>
-          <a:noFill/>
-          <a:ln w="38100">
-            <a:solidFill>
-              <a:srgbClr val="FFFF66"/>
-            </a:solidFill>
-            <a:round/>
-            <a:headEnd/>
-            <a:tailEnd type="triangle" w="med" len="med"/>
-          </a:ln>
-          <a:extLst>
-            <a:ext uri="{909E8E84-426E-40DD-AFC4-6F175D3DCCD1}">
-              <a14:hiddenFill xmlns:a14="http://schemas.microsoft.com/office/drawing/2010/main">
-                <a:noFill/>
-              </a14:hiddenFill>
-            </a:ext>
-          </a:extLst>
-        </p:spPr>
-        <p:txBody>
-          <a:bodyPr wrap="square">
-            <a:spAutoFit/>
-          </a:bodyPr>
-          <a:lstStyle/>
-          <a:p>
-            <a:endParaRPr lang="en-US"/>
-          </a:p>
-        </p:txBody>
-      </p:sp>
-      <p:sp>
-        <p:nvSpPr>
-          <p:cNvPr id="6" name="TextBox 5">
-            <a:extLst>
-              <a:ext uri="{FF2B5EF4-FFF2-40B4-BE49-F238E27FC236}">
-                <a16:creationId xmlns:a16="http://schemas.microsoft.com/office/drawing/2014/main" id="{4F2DA592-D8EB-70BA-2112-6C13A4E7B393}"/>
-              </a:ext>
-            </a:extLst>
-          </p:cNvPr>
-          <p:cNvSpPr txBox="1"/>
-          <p:nvPr/>
-        </p:nvSpPr>
-        <p:spPr>
-          <a:xfrm>
-            <a:off x="495300" y="606817"/>
-            <a:ext cx="11201400" cy="919401"/>
-          </a:xfrm>
-          <a:prstGeom prst="roundRect">
-            <a:avLst/>
-          </a:prstGeom>
-          <a:solidFill>
-            <a:schemeClr val="bg1">
-              <a:alpha val="70000"/>
-            </a:schemeClr>
-          </a:solidFill>
-          <a:ln w="76200">
-            <a:solidFill>
-              <a:srgbClr val="FFC416"/>
-            </a:solidFill>
-          </a:ln>
-        </p:spPr>
-        <p:style>
-          <a:lnRef idx="2">
-            <a:schemeClr val="dk1"/>
-          </a:lnRef>
-          <a:fillRef idx="1">
-            <a:schemeClr val="lt1"/>
-          </a:fillRef>
-          <a:effectRef idx="0">
-            <a:schemeClr val="dk1"/>
-          </a:effectRef>
-          <a:fontRef idx="minor">
-            <a:schemeClr val="dk1"/>
-          </a:fontRef>
-        </p:style>
-        <p:txBody>
-          <a:bodyPr wrap="square" rtlCol="0">
-            <a:spAutoFit/>
-          </a:bodyPr>
-          <a:lstStyle/>
-          <a:p>
-            <a:pPr algn="ctr"/>
-            <a:r>
-              <a:rPr lang="en-US" sz="4800" b="1" dirty="0">
-                <a:solidFill>
-                  <a:srgbClr val="2D3A37"/>
-                </a:solidFill>
-                <a:effectLst/>
-                <a:latin typeface="Adobe Devanagari" panose="02040503050201020203" pitchFamily="18" charset="0"/>
-                <a:cs typeface="Adobe Devanagari" panose="02040503050201020203" pitchFamily="18" charset="0"/>
-              </a:rPr>
-              <a:t>Studentized Residual</a:t>
-            </a:r>
-            <a:endParaRPr lang="en-US" sz="4800" dirty="0">
-              <a:solidFill>
-                <a:srgbClr val="2D3A37"/>
-              </a:solidFill>
-            </a:endParaRPr>
-          </a:p>
-        </p:txBody>
-      </p:sp>
-      <p:sp>
-        <p:nvSpPr>
-          <p:cNvPr id="7" name="TextBox 6">
-            <a:extLst>
-              <a:ext uri="{FF2B5EF4-FFF2-40B4-BE49-F238E27FC236}">
-                <a16:creationId xmlns:a16="http://schemas.microsoft.com/office/drawing/2014/main" id="{D9B238EA-D04E-3255-7509-F990F1A8F309}"/>
-              </a:ext>
-            </a:extLst>
-          </p:cNvPr>
-          <p:cNvSpPr txBox="1"/>
-          <p:nvPr/>
-        </p:nvSpPr>
-        <p:spPr>
-          <a:xfrm>
-            <a:off x="495300" y="1974467"/>
-            <a:ext cx="11201400" cy="4392692"/>
-          </a:xfrm>
-          <a:prstGeom prst="roundRect">
-            <a:avLst/>
-          </a:prstGeom>
-          <a:solidFill>
-            <a:schemeClr val="bg1"/>
-          </a:solidFill>
-          <a:ln w="76200">
-            <a:solidFill>
-              <a:srgbClr val="FFC416"/>
-            </a:solidFill>
-          </a:ln>
-        </p:spPr>
-        <p:style>
-          <a:lnRef idx="2">
-            <a:schemeClr val="dk1"/>
-          </a:lnRef>
-          <a:fillRef idx="1">
-            <a:schemeClr val="lt1"/>
-          </a:fillRef>
-          <a:effectRef idx="0">
-            <a:schemeClr val="dk1"/>
-          </a:effectRef>
-          <a:fontRef idx="minor">
-            <a:schemeClr val="dk1"/>
-          </a:fontRef>
-        </p:style>
-        <p:txBody>
-          <a:bodyPr wrap="square" rtlCol="0">
-            <a:spAutoFit/>
-          </a:bodyPr>
-          <a:lstStyle/>
-          <a:p>
-            <a:pPr marL="457200" indent="-457200">
-              <a:buFont typeface="Arial" panose="020B0604020202020204" pitchFamily="34" charset="0"/>
-              <a:buChar char="•"/>
-            </a:pPr>
-            <a:r>
-              <a:rPr lang="en-US" sz="2800" dirty="0">
-                <a:solidFill>
-                  <a:srgbClr val="660066"/>
-                </a:solidFill>
-              </a:rPr>
-              <a:t>Old Formula: </a:t>
-            </a:r>
-          </a:p>
-          <a:p>
-            <a:pPr marL="457200" indent="-457200">
-              <a:buFont typeface="Arial" panose="020B0604020202020204" pitchFamily="34" charset="0"/>
-              <a:buChar char="•"/>
-            </a:pPr>
-            <a:endParaRPr lang="en-US" sz="2800" dirty="0">
-              <a:solidFill>
-                <a:srgbClr val="660066"/>
-              </a:solidFill>
-            </a:endParaRPr>
-          </a:p>
-          <a:p>
-            <a:pPr marL="457200" indent="-457200">
-              <a:buFont typeface="Arial" panose="020B0604020202020204" pitchFamily="34" charset="0"/>
-              <a:buChar char="•"/>
-            </a:pPr>
-            <a:endParaRPr lang="en-US" sz="2800" dirty="0">
-              <a:solidFill>
-                <a:srgbClr val="660066"/>
-              </a:solidFill>
-            </a:endParaRPr>
-          </a:p>
-          <a:p>
-            <a:pPr marL="457200" indent="-457200">
-              <a:buFont typeface="Arial" panose="020B0604020202020204" pitchFamily="34" charset="0"/>
-              <a:buChar char="•"/>
-            </a:pPr>
-            <a:r>
-              <a:rPr lang="en-US" sz="2800" dirty="0">
-                <a:solidFill>
-                  <a:srgbClr val="660066"/>
-                </a:solidFill>
-              </a:rPr>
-              <a:t>New Formula:</a:t>
-            </a:r>
-          </a:p>
-          <a:p>
-            <a:pPr marL="457200" indent="-457200">
-              <a:buFont typeface="Arial" panose="020B0604020202020204" pitchFamily="34" charset="0"/>
-              <a:buChar char="•"/>
-            </a:pPr>
-            <a:endParaRPr lang="en-US" sz="2800" dirty="0">
-              <a:solidFill>
-                <a:srgbClr val="660066"/>
-              </a:solidFill>
-            </a:endParaRPr>
-          </a:p>
-          <a:p>
-            <a:pPr marL="457200" indent="-457200">
-              <a:buFont typeface="Arial" panose="020B0604020202020204" pitchFamily="34" charset="0"/>
-              <a:buChar char="•"/>
-            </a:pPr>
-            <a:endParaRPr lang="en-US" sz="2800" dirty="0">
-              <a:solidFill>
-                <a:srgbClr val="660066"/>
-              </a:solidFill>
-            </a:endParaRPr>
-          </a:p>
-          <a:p>
-            <a:pPr marL="457200" indent="-457200">
-              <a:buFont typeface="Arial" panose="020B0604020202020204" pitchFamily="34" charset="0"/>
-              <a:buChar char="•"/>
-            </a:pPr>
-            <a:r>
-              <a:rPr lang="en-US" sz="2800" dirty="0">
-                <a:solidFill>
-                  <a:srgbClr val="660066"/>
-                </a:solidFill>
-              </a:rPr>
-              <a:t>We Calculate Standard Error of Regression After Removing Point</a:t>
-            </a:r>
-          </a:p>
-          <a:p>
-            <a:pPr marL="457200" indent="-457200">
-              <a:buFont typeface="Arial" panose="020B0604020202020204" pitchFamily="34" charset="0"/>
-              <a:buChar char="•"/>
-            </a:pPr>
-            <a:endParaRPr lang="en-US" sz="2800" dirty="0">
-              <a:solidFill>
-                <a:srgbClr val="660066"/>
-              </a:solidFill>
-            </a:endParaRPr>
-          </a:p>
-          <a:p>
-            <a:pPr marL="457200" indent="-457200">
-              <a:buFont typeface="Arial" panose="020B0604020202020204" pitchFamily="34" charset="0"/>
-              <a:buChar char="•"/>
-            </a:pPr>
-            <a:r>
-              <a:rPr lang="en-US" sz="2800" dirty="0">
-                <a:solidFill>
-                  <a:srgbClr val="660066"/>
-                </a:solidFill>
-              </a:rPr>
-              <a:t>Line Doesn’t Change, Then Standardized Equals Studentized</a:t>
-            </a:r>
-          </a:p>
-        </p:txBody>
-      </p:sp>
-      <mc:AlternateContent xmlns:mc="http://schemas.openxmlformats.org/markup-compatibility/2006" xmlns:a14="http://schemas.microsoft.com/office/drawing/2010/main">
-        <mc:Choice Requires="a14">
-          <p:sp>
-            <p:nvSpPr>
-              <p:cNvPr id="3" name="TextBox 2">
-                <a:extLst>
-                  <a:ext uri="{FF2B5EF4-FFF2-40B4-BE49-F238E27FC236}">
-                    <a16:creationId xmlns:a16="http://schemas.microsoft.com/office/drawing/2014/main" id="{4F8E225C-8F14-C448-CB6E-3441301C27E0}"/>
-                  </a:ext>
-                </a:extLst>
-              </p:cNvPr>
-              <p:cNvSpPr txBox="1"/>
-              <p:nvPr/>
-            </p:nvSpPr>
-            <p:spPr>
-              <a:xfrm>
-                <a:off x="5791200" y="2439693"/>
-                <a:ext cx="1894108" cy="609782"/>
-              </a:xfrm>
-              <a:prstGeom prst="rect">
-                <a:avLst/>
-              </a:prstGeom>
-              <a:noFill/>
-            </p:spPr>
-            <p:txBody>
-              <a:bodyPr wrap="none" lIns="0" tIns="0" rIns="0" bIns="0" rtlCol="0">
-                <a:spAutoFit/>
-              </a:bodyPr>
-              <a:lstStyle/>
-              <a:p>
-                <a:pPr/>
-                <a14:m>
-                  <m:oMathPara xmlns:m="http://schemas.openxmlformats.org/officeDocument/2006/math">
-                    <m:oMathParaPr>
-                      <m:jc m:val="centerGroup"/>
-                    </m:oMathParaPr>
-                    <m:oMath xmlns:m="http://schemas.openxmlformats.org/officeDocument/2006/math">
-                      <m:r>
-                        <a:rPr lang="en-US" b="0" i="1" smtClean="0">
-                          <a:latin typeface="Cambria Math" panose="02040503050406030204" pitchFamily="18" charset="0"/>
-                        </a:rPr>
-                        <m:t>𝑠𝑡𝑢𝑑𝑟𝑒</m:t>
-                      </m:r>
-                      <m:sSub>
-                        <m:sSubPr>
-                          <m:ctrlPr>
-                            <a:rPr lang="en-US" b="0" i="1" smtClean="0">
-                              <a:latin typeface="Cambria Math" panose="02040503050406030204" pitchFamily="18" charset="0"/>
-                            </a:rPr>
-                          </m:ctrlPr>
-                        </m:sSubPr>
-                        <m:e>
-                          <m:r>
-                            <a:rPr lang="en-US" b="0" i="1" smtClean="0">
-                              <a:latin typeface="Cambria Math" panose="02040503050406030204" pitchFamily="18" charset="0"/>
-                            </a:rPr>
-                            <m:t>𝑠</m:t>
-                          </m:r>
-                        </m:e>
-                        <m:sub>
-                          <m:r>
-                            <a:rPr lang="en-US" b="0" i="1" smtClean="0">
-                              <a:latin typeface="Cambria Math" panose="02040503050406030204" pitchFamily="18" charset="0"/>
-                            </a:rPr>
-                            <m:t>𝑖</m:t>
-                          </m:r>
-                        </m:sub>
-                      </m:sSub>
-                      <m:r>
-                        <a:rPr lang="en-US" b="0" i="1" smtClean="0">
-                          <a:latin typeface="Cambria Math" panose="02040503050406030204" pitchFamily="18" charset="0"/>
-                        </a:rPr>
-                        <m:t>=</m:t>
-                      </m:r>
-                      <m:f>
-                        <m:fPr>
-                          <m:ctrlPr>
-                            <a:rPr lang="en-US" b="0" i="1" smtClean="0">
-                              <a:latin typeface="Cambria Math" panose="02040503050406030204" pitchFamily="18" charset="0"/>
-                            </a:rPr>
-                          </m:ctrlPr>
-                        </m:fPr>
-                        <m:num>
-                          <m:sSub>
-                            <m:sSubPr>
-                              <m:ctrlPr>
-                                <a:rPr lang="en-US" b="0" i="1" smtClean="0">
-                                  <a:latin typeface="Cambria Math" panose="02040503050406030204" pitchFamily="18" charset="0"/>
-                                </a:rPr>
-                              </m:ctrlPr>
-                            </m:sSubPr>
-                            <m:e>
-                              <m:r>
-                                <a:rPr lang="en-US" b="0" i="1" smtClean="0">
-                                  <a:latin typeface="Cambria Math" panose="02040503050406030204" pitchFamily="18" charset="0"/>
-                                </a:rPr>
-                                <m:t>𝑦</m:t>
-                              </m:r>
-                            </m:e>
-                            <m:sub>
-                              <m:r>
-                                <a:rPr lang="en-US" b="0" i="1" smtClean="0">
-                                  <a:latin typeface="Cambria Math" panose="02040503050406030204" pitchFamily="18" charset="0"/>
-                                </a:rPr>
-                                <m:t>𝑖</m:t>
-                              </m:r>
-                            </m:sub>
-                          </m:sSub>
-                          <m:r>
-                            <a:rPr lang="en-US" b="0" i="1" smtClean="0">
-                              <a:latin typeface="Cambria Math" panose="02040503050406030204" pitchFamily="18" charset="0"/>
-                            </a:rPr>
-                            <m:t>−</m:t>
-                          </m:r>
-                          <m:sSub>
-                            <m:sSubPr>
-                              <m:ctrlPr>
-                                <a:rPr lang="en-US" b="0" i="1" smtClean="0">
-                                  <a:latin typeface="Cambria Math" panose="02040503050406030204" pitchFamily="18" charset="0"/>
-                                </a:rPr>
-                              </m:ctrlPr>
-                            </m:sSubPr>
-                            <m:e>
-                              <m:acc>
-                                <m:accPr>
-                                  <m:chr m:val="̂"/>
-                                  <m:ctrlPr>
-                                    <a:rPr lang="en-US" b="0" i="1" smtClean="0">
-                                      <a:latin typeface="Cambria Math" panose="02040503050406030204" pitchFamily="18" charset="0"/>
-                                    </a:rPr>
-                                  </m:ctrlPr>
-                                </m:accPr>
-                                <m:e>
-                                  <m:r>
-                                    <a:rPr lang="en-US" b="0" i="1" smtClean="0">
-                                      <a:latin typeface="Cambria Math" panose="02040503050406030204" pitchFamily="18" charset="0"/>
-                                    </a:rPr>
-                                    <m:t>𝑦</m:t>
-                                  </m:r>
-                                </m:e>
-                              </m:acc>
-                            </m:e>
-                            <m:sub>
-                              <m:r>
-                                <a:rPr lang="en-US" b="0" i="1" smtClean="0">
-                                  <a:latin typeface="Cambria Math" panose="02040503050406030204" pitchFamily="18" charset="0"/>
-                                </a:rPr>
-                                <m:t>𝑖</m:t>
-                              </m:r>
-                            </m:sub>
-                          </m:sSub>
-                        </m:num>
-                        <m:den>
-                          <m:acc>
-                            <m:accPr>
-                              <m:chr m:val="̂"/>
-                              <m:ctrlPr>
-                                <a:rPr lang="en-US" b="0" i="1" smtClean="0">
-                                  <a:latin typeface="Cambria Math" panose="02040503050406030204" pitchFamily="18" charset="0"/>
-                                </a:rPr>
-                              </m:ctrlPr>
-                            </m:accPr>
-                            <m:e>
-                              <m:sSub>
-                                <m:sSubPr>
-                                  <m:ctrlPr>
-                                    <a:rPr lang="en-US" b="0" i="1" smtClean="0">
-                                      <a:latin typeface="Cambria Math" panose="02040503050406030204" pitchFamily="18" charset="0"/>
-                                    </a:rPr>
-                                  </m:ctrlPr>
-                                </m:sSubPr>
-                                <m:e>
-                                  <m:r>
-                                    <a:rPr lang="en-US" b="0" i="1" smtClean="0">
-                                      <a:latin typeface="Cambria Math" panose="02040503050406030204" pitchFamily="18" charset="0"/>
-                                    </a:rPr>
-                                    <m:t>𝜎</m:t>
-                                  </m:r>
-                                </m:e>
-                                <m:sub>
-                                  <m:r>
-                                    <a:rPr lang="en-US" b="0" i="1" smtClean="0">
-                                      <a:latin typeface="Cambria Math" panose="02040503050406030204" pitchFamily="18" charset="0"/>
-                                    </a:rPr>
-                                    <m:t>(</m:t>
-                                  </m:r>
-                                  <m:r>
-                                    <a:rPr lang="en-US" b="0" i="1" smtClean="0">
-                                      <a:latin typeface="Cambria Math" panose="02040503050406030204" pitchFamily="18" charset="0"/>
-                                    </a:rPr>
-                                    <m:t>𝑖</m:t>
-                                  </m:r>
-                                  <m:r>
-                                    <a:rPr lang="en-US" b="0" i="1" smtClean="0">
-                                      <a:latin typeface="Cambria Math" panose="02040503050406030204" pitchFamily="18" charset="0"/>
-                                    </a:rPr>
-                                    <m:t>)</m:t>
-                                  </m:r>
-                                </m:sub>
-                              </m:sSub>
-                            </m:e>
-                          </m:acc>
-                        </m:den>
-                      </m:f>
-                    </m:oMath>
-                  </m:oMathPara>
-                </a14:m>
-                <a:endParaRPr lang="en-US" dirty="0"/>
-              </a:p>
-            </p:txBody>
-          </p:sp>
-        </mc:Choice>
-        <mc:Fallback xmlns="">
-          <p:sp>
-            <p:nvSpPr>
-              <p:cNvPr id="3" name="TextBox 2">
-                <a:extLst>
-                  <a:ext uri="{FF2B5EF4-FFF2-40B4-BE49-F238E27FC236}">
-                    <a16:creationId xmlns:a16="http://schemas.microsoft.com/office/drawing/2014/main" id="{4F8E225C-8F14-C448-CB6E-3441301C27E0}"/>
-                  </a:ext>
-                </a:extLst>
-              </p:cNvPr>
-              <p:cNvSpPr txBox="1">
-                <a:spLocks noRot="1" noChangeAspect="1" noMove="1" noResize="1" noEditPoints="1" noAdjustHandles="1" noChangeArrowheads="1" noChangeShapeType="1" noTextEdit="1"/>
-              </p:cNvSpPr>
-              <p:nvPr/>
-            </p:nvSpPr>
-            <p:spPr>
-              <a:xfrm>
-                <a:off x="5791200" y="2439693"/>
-                <a:ext cx="1894108" cy="609782"/>
-              </a:xfrm>
-              <a:prstGeom prst="rect">
-                <a:avLst/>
-              </a:prstGeom>
-              <a:blipFill>
-                <a:blip r:embed="rId3"/>
-                <a:stretch>
-                  <a:fillRect/>
-                </a:stretch>
-              </a:blipFill>
-            </p:spPr>
-            <p:txBody>
-              <a:bodyPr/>
-              <a:lstStyle/>
-              <a:p>
-                <a:r>
-                  <a:rPr lang="en-US">
-                    <a:noFill/>
-                  </a:rPr>
-                  <a:t> </a:t>
-                </a:r>
-              </a:p>
-            </p:txBody>
-          </p:sp>
-        </mc:Fallback>
-      </mc:AlternateContent>
-      <mc:AlternateContent xmlns:mc="http://schemas.openxmlformats.org/markup-compatibility/2006" xmlns:a14="http://schemas.microsoft.com/office/drawing/2010/main">
-        <mc:Choice Requires="a14">
-          <p:sp>
-            <p:nvSpPr>
-              <p:cNvPr id="5" name="TextBox 4">
-                <a:extLst>
-                  <a:ext uri="{FF2B5EF4-FFF2-40B4-BE49-F238E27FC236}">
-                    <a16:creationId xmlns:a16="http://schemas.microsoft.com/office/drawing/2014/main" id="{B9F5EEF3-1A9F-36BD-4D39-0B230625BB08}"/>
-                  </a:ext>
-                </a:extLst>
-              </p:cNvPr>
-              <p:cNvSpPr txBox="1"/>
-              <p:nvPr/>
-            </p:nvSpPr>
-            <p:spPr>
-              <a:xfrm>
-                <a:off x="5626444" y="3946036"/>
-                <a:ext cx="2336281" cy="655821"/>
-              </a:xfrm>
-              <a:prstGeom prst="rect">
-                <a:avLst/>
-              </a:prstGeom>
-              <a:noFill/>
-            </p:spPr>
-            <p:txBody>
-              <a:bodyPr wrap="none" lIns="0" tIns="0" rIns="0" bIns="0" rtlCol="0">
-                <a:spAutoFit/>
-              </a:bodyPr>
-              <a:lstStyle/>
-              <a:p>
-                <a:pPr/>
-                <a14:m>
-                  <m:oMathPara xmlns:m="http://schemas.openxmlformats.org/officeDocument/2006/math">
-                    <m:oMathParaPr>
-                      <m:jc m:val="centerGroup"/>
-                    </m:oMathParaPr>
-                    <m:oMath xmlns:m="http://schemas.openxmlformats.org/officeDocument/2006/math">
-                      <m:r>
-                        <a:rPr lang="en-US" b="0" i="1" smtClean="0">
-                          <a:latin typeface="Cambria Math" panose="02040503050406030204" pitchFamily="18" charset="0"/>
-                        </a:rPr>
-                        <m:t>𝑠𝑡𝑢𝑑𝑟𝑒</m:t>
-                      </m:r>
-                      <m:sSub>
-                        <m:sSubPr>
-                          <m:ctrlPr>
-                            <a:rPr lang="en-US" b="0" i="1" smtClean="0">
-                              <a:latin typeface="Cambria Math" panose="02040503050406030204" pitchFamily="18" charset="0"/>
-                            </a:rPr>
-                          </m:ctrlPr>
-                        </m:sSubPr>
-                        <m:e>
-                          <m:r>
-                            <a:rPr lang="en-US" b="0" i="1" smtClean="0">
-                              <a:latin typeface="Cambria Math" panose="02040503050406030204" pitchFamily="18" charset="0"/>
-                            </a:rPr>
-                            <m:t>𝑠</m:t>
-                          </m:r>
-                        </m:e>
-                        <m:sub>
-                          <m:r>
-                            <a:rPr lang="en-US" b="0" i="1" smtClean="0">
-                              <a:latin typeface="Cambria Math" panose="02040503050406030204" pitchFamily="18" charset="0"/>
-                            </a:rPr>
-                            <m:t>𝑖</m:t>
-                          </m:r>
-                        </m:sub>
-                      </m:sSub>
-                      <m:r>
-                        <a:rPr lang="en-US" b="0" i="1" smtClean="0">
-                          <a:latin typeface="Cambria Math" panose="02040503050406030204" pitchFamily="18" charset="0"/>
-                        </a:rPr>
-                        <m:t>=</m:t>
-                      </m:r>
-                      <m:f>
-                        <m:fPr>
-                          <m:ctrlPr>
-                            <a:rPr lang="en-US" b="0" i="1" smtClean="0">
-                              <a:latin typeface="Cambria Math" panose="02040503050406030204" pitchFamily="18" charset="0"/>
-                            </a:rPr>
-                          </m:ctrlPr>
-                        </m:fPr>
-                        <m:num>
-                          <m:sSub>
-                            <m:sSubPr>
-                              <m:ctrlPr>
-                                <a:rPr lang="en-US" b="0" i="1" smtClean="0">
-                                  <a:latin typeface="Cambria Math" panose="02040503050406030204" pitchFamily="18" charset="0"/>
-                                </a:rPr>
-                              </m:ctrlPr>
-                            </m:sSubPr>
-                            <m:e>
-                              <m:r>
-                                <a:rPr lang="en-US" b="0" i="1" smtClean="0">
-                                  <a:latin typeface="Cambria Math" panose="02040503050406030204" pitchFamily="18" charset="0"/>
-                                </a:rPr>
-                                <m:t>𝑦</m:t>
-                              </m:r>
-                            </m:e>
-                            <m:sub>
-                              <m:r>
-                                <a:rPr lang="en-US" b="0" i="1" smtClean="0">
-                                  <a:latin typeface="Cambria Math" panose="02040503050406030204" pitchFamily="18" charset="0"/>
-                                </a:rPr>
-                                <m:t>𝑖</m:t>
-                              </m:r>
-                            </m:sub>
-                          </m:sSub>
-                          <m:r>
-                            <a:rPr lang="en-US" b="0" i="1" smtClean="0">
-                              <a:latin typeface="Cambria Math" panose="02040503050406030204" pitchFamily="18" charset="0"/>
-                            </a:rPr>
-                            <m:t>−</m:t>
-                          </m:r>
-                          <m:sSub>
-                            <m:sSubPr>
-                              <m:ctrlPr>
-                                <a:rPr lang="en-US" b="0" i="1" smtClean="0">
-                                  <a:latin typeface="Cambria Math" panose="02040503050406030204" pitchFamily="18" charset="0"/>
-                                </a:rPr>
-                              </m:ctrlPr>
-                            </m:sSubPr>
-                            <m:e>
-                              <m:acc>
-                                <m:accPr>
-                                  <m:chr m:val="̂"/>
-                                  <m:ctrlPr>
-                                    <a:rPr lang="en-US" b="0" i="1" smtClean="0">
-                                      <a:latin typeface="Cambria Math" panose="02040503050406030204" pitchFamily="18" charset="0"/>
-                                    </a:rPr>
-                                  </m:ctrlPr>
-                                </m:accPr>
-                                <m:e>
-                                  <m:r>
-                                    <a:rPr lang="en-US" b="0" i="1" smtClean="0">
-                                      <a:latin typeface="Cambria Math" panose="02040503050406030204" pitchFamily="18" charset="0"/>
-                                    </a:rPr>
-                                    <m:t>𝑦</m:t>
-                                  </m:r>
-                                </m:e>
-                              </m:acc>
-                            </m:e>
-                            <m:sub>
-                              <m:r>
-                                <a:rPr lang="en-US" b="0" i="1" smtClean="0">
-                                  <a:latin typeface="Cambria Math" panose="02040503050406030204" pitchFamily="18" charset="0"/>
-                                </a:rPr>
-                                <m:t>𝑖</m:t>
-                              </m:r>
-                            </m:sub>
-                          </m:sSub>
-                        </m:num>
-                        <m:den>
-                          <m:acc>
-                            <m:accPr>
-                              <m:chr m:val="̂"/>
-                              <m:ctrlPr>
-                                <a:rPr lang="en-US" i="1">
-                                  <a:latin typeface="Cambria Math" panose="02040503050406030204" pitchFamily="18" charset="0"/>
-                                </a:rPr>
-                              </m:ctrlPr>
-                            </m:accPr>
-                            <m:e>
-                              <m:sSub>
-                                <m:sSubPr>
-                                  <m:ctrlPr>
-                                    <a:rPr lang="en-US" i="1">
-                                      <a:latin typeface="Cambria Math" panose="02040503050406030204" pitchFamily="18" charset="0"/>
-                                    </a:rPr>
-                                  </m:ctrlPr>
-                                </m:sSubPr>
-                                <m:e>
-                                  <m:r>
-                                    <a:rPr lang="en-US" i="1">
-                                      <a:latin typeface="Cambria Math" panose="02040503050406030204" pitchFamily="18" charset="0"/>
-                                    </a:rPr>
-                                    <m:t>𝜎</m:t>
-                                  </m:r>
-                                </m:e>
-                                <m:sub>
-                                  <m:r>
-                                    <a:rPr lang="en-US" i="1">
-                                      <a:latin typeface="Cambria Math" panose="02040503050406030204" pitchFamily="18" charset="0"/>
-                                    </a:rPr>
-                                    <m:t>(</m:t>
-                                  </m:r>
-                                  <m:r>
-                                    <a:rPr lang="en-US" i="1">
-                                      <a:latin typeface="Cambria Math" panose="02040503050406030204" pitchFamily="18" charset="0"/>
-                                    </a:rPr>
-                                    <m:t>𝑖</m:t>
-                                  </m:r>
-                                  <m:r>
-                                    <a:rPr lang="en-US" i="1">
-                                      <a:latin typeface="Cambria Math" panose="02040503050406030204" pitchFamily="18" charset="0"/>
-                                    </a:rPr>
-                                    <m:t>)</m:t>
-                                  </m:r>
-                                </m:sub>
-                              </m:sSub>
-                            </m:e>
-                          </m:acc>
-                          <m:rad>
-                            <m:radPr>
-                              <m:degHide m:val="on"/>
-                              <m:ctrlPr>
-                                <a:rPr lang="en-US" b="0" i="1" smtClean="0">
-                                  <a:latin typeface="Cambria Math" panose="02040503050406030204" pitchFamily="18" charset="0"/>
-                                </a:rPr>
-                              </m:ctrlPr>
-                            </m:radPr>
-                            <m:deg/>
-                            <m:e>
-                              <m:r>
-                                <a:rPr lang="en-US" b="0" i="1" smtClean="0">
-                                  <a:latin typeface="Cambria Math" panose="02040503050406030204" pitchFamily="18" charset="0"/>
-                                </a:rPr>
-                                <m:t>1−</m:t>
-                              </m:r>
-                              <m:sSub>
-                                <m:sSubPr>
-                                  <m:ctrlPr>
-                                    <a:rPr lang="en-US" b="0" i="1" smtClean="0">
-                                      <a:latin typeface="Cambria Math" panose="02040503050406030204" pitchFamily="18" charset="0"/>
-                                    </a:rPr>
-                                  </m:ctrlPr>
-                                </m:sSubPr>
-                                <m:e>
-                                  <m:r>
-                                    <a:rPr lang="en-US" b="0" i="1" smtClean="0">
-                                      <a:latin typeface="Cambria Math" panose="02040503050406030204" pitchFamily="18" charset="0"/>
-                                    </a:rPr>
-                                    <m:t>h</m:t>
-                                  </m:r>
-                                </m:e>
-                                <m:sub>
-                                  <m:r>
-                                    <a:rPr lang="en-US" b="0" i="1" smtClean="0">
-                                      <a:latin typeface="Cambria Math" panose="02040503050406030204" pitchFamily="18" charset="0"/>
-                                    </a:rPr>
-                                    <m:t>𝑖</m:t>
-                                  </m:r>
-                                </m:sub>
-                              </m:sSub>
-                            </m:e>
-                          </m:rad>
-                        </m:den>
-                      </m:f>
-                    </m:oMath>
-                  </m:oMathPara>
-                </a14:m>
-                <a:endParaRPr lang="en-US" dirty="0"/>
-              </a:p>
-            </p:txBody>
-          </p:sp>
-        </mc:Choice>
-        <mc:Fallback xmlns="">
-          <p:sp>
-            <p:nvSpPr>
-              <p:cNvPr id="5" name="TextBox 4">
-                <a:extLst>
-                  <a:ext uri="{FF2B5EF4-FFF2-40B4-BE49-F238E27FC236}">
-                    <a16:creationId xmlns:a16="http://schemas.microsoft.com/office/drawing/2014/main" id="{B9F5EEF3-1A9F-36BD-4D39-0B230625BB08}"/>
-                  </a:ext>
-                </a:extLst>
-              </p:cNvPr>
-              <p:cNvSpPr txBox="1">
-                <a:spLocks noRot="1" noChangeAspect="1" noMove="1" noResize="1" noEditPoints="1" noAdjustHandles="1" noChangeArrowheads="1" noChangeShapeType="1" noTextEdit="1"/>
-              </p:cNvSpPr>
-              <p:nvPr/>
-            </p:nvSpPr>
-            <p:spPr>
-              <a:xfrm>
-                <a:off x="5626444" y="3946036"/>
-                <a:ext cx="2336281" cy="655821"/>
-              </a:xfrm>
-              <a:prstGeom prst="rect">
-                <a:avLst/>
-              </a:prstGeom>
-              <a:blipFill>
-                <a:blip r:embed="rId4"/>
-                <a:stretch>
-                  <a:fillRect/>
-                </a:stretch>
-              </a:blipFill>
-            </p:spPr>
-            <p:txBody>
-              <a:bodyPr/>
-              <a:lstStyle/>
-              <a:p>
-                <a:r>
-                  <a:rPr lang="en-US">
-                    <a:noFill/>
-                  </a:rPr>
-                  <a:t> </a:t>
-                </a:r>
-              </a:p>
-            </p:txBody>
-          </p:sp>
-        </mc:Fallback>
-      </mc:AlternateContent>
-    </p:spTree>
-    <p:extLst>
-      <p:ext uri="{BB962C8B-B14F-4D97-AF65-F5344CB8AC3E}">
-        <p14:creationId xmlns:p14="http://schemas.microsoft.com/office/powerpoint/2010/main" val="2951068003"/>
-      </p:ext>
-    </p:extLst>
-  </p:cSld>
-  <p:clrMapOvr>
-    <a:masterClrMapping/>
-  </p:clrMapOvr>
-</p:sld>
-</file>
-
-<file path=ppt/slides/slide11.xml><?xml version="1.0" encoding="utf-8"?>
-<p:sld xmlns:a="http://schemas.openxmlformats.org/drawingml/2006/main" xmlns:r="http://schemas.openxmlformats.org/officeDocument/2006/relationships" xmlns:p="http://schemas.openxmlformats.org/presentationml/2006/main">
-  <p:cSld>
-    <p:spTree>
-      <p:nvGrpSpPr>
-        <p:cNvPr id="1" name=""/>
-        <p:cNvGrpSpPr/>
-        <p:nvPr/>
-      </p:nvGrpSpPr>
-      <p:grpSpPr>
-        <a:xfrm>
-          <a:off x="0" y="0"/>
-          <a:ext cx="0" cy="0"/>
-          <a:chOff x="0" y="0"/>
-          <a:chExt cx="0" cy="0"/>
-        </a:xfrm>
-      </p:grpSpPr>
-      <p:pic>
-        <p:nvPicPr>
-          <p:cNvPr id="2" name="Picture 10" descr="Mario Pattern">
-            <a:extLst>
-              <a:ext uri="{FF2B5EF4-FFF2-40B4-BE49-F238E27FC236}">
-                <a16:creationId xmlns:a16="http://schemas.microsoft.com/office/drawing/2014/main" id="{8F84FFD9-23AF-75F7-6DAA-904525952142}"/>
-              </a:ext>
-            </a:extLst>
-          </p:cNvPr>
-          <p:cNvPicPr>
-            <a:picLocks noChangeAspect="1" noChangeArrowheads="1"/>
-          </p:cNvPicPr>
-          <p:nvPr/>
-        </p:nvPicPr>
-        <p:blipFill rotWithShape="1">
-          <a:blip r:embed="rId2">
-            <a:alphaModFix amt="47000"/>
-            <a:extLst>
-              <a:ext uri="{28A0092B-C50C-407E-A947-70E740481C1C}">
-                <a14:useLocalDpi xmlns:a14="http://schemas.microsoft.com/office/drawing/2010/main" val="0"/>
-              </a:ext>
-            </a:extLst>
-          </a:blip>
-          <a:srcRect l="4595" r="6699"/>
-          <a:stretch/>
-        </p:blipFill>
-        <p:spPr bwMode="auto">
-          <a:xfrm>
-            <a:off x="0" y="-2057400"/>
-            <a:ext cx="12192000" cy="10308201"/>
-          </a:xfrm>
-          <a:prstGeom prst="rect">
-            <a:avLst/>
-          </a:prstGeom>
-          <a:noFill/>
-          <a:extLst>
-            <a:ext uri="{909E8E84-426E-40DD-AFC4-6F175D3DCCD1}">
-              <a14:hiddenFill xmlns:a14="http://schemas.microsoft.com/office/drawing/2010/main">
-                <a:solidFill>
-                  <a:srgbClr val="FFFFFF"/>
-                </a:solidFill>
-              </a14:hiddenFill>
-            </a:ext>
-          </a:extLst>
-        </p:spPr>
-      </p:pic>
-      <p:sp>
-        <p:nvSpPr>
-          <p:cNvPr id="12" name="Line 11"/>
-          <p:cNvSpPr>
-            <a:spLocks noChangeShapeType="1"/>
-          </p:cNvSpPr>
-          <p:nvPr/>
-        </p:nvSpPr>
-        <p:spPr bwMode="auto">
-          <a:xfrm flipV="1">
-            <a:off x="6972300" y="5109836"/>
-            <a:ext cx="609600" cy="533400"/>
-          </a:xfrm>
-          <a:prstGeom prst="line">
-            <a:avLst/>
-          </a:prstGeom>
-          <a:noFill/>
-          <a:ln w="38100">
-            <a:solidFill>
-              <a:srgbClr val="FFFF66"/>
-            </a:solidFill>
-            <a:round/>
-            <a:headEnd/>
-            <a:tailEnd type="triangle" w="med" len="med"/>
-          </a:ln>
-          <a:extLst>
-            <a:ext uri="{909E8E84-426E-40DD-AFC4-6F175D3DCCD1}">
-              <a14:hiddenFill xmlns:a14="http://schemas.microsoft.com/office/drawing/2010/main">
-                <a:noFill/>
-              </a14:hiddenFill>
-            </a:ext>
-          </a:extLst>
-        </p:spPr>
-        <p:txBody>
-          <a:bodyPr wrap="square">
-            <a:spAutoFit/>
-          </a:bodyPr>
-          <a:lstStyle/>
-          <a:p>
-            <a:endParaRPr lang="en-US"/>
-          </a:p>
-        </p:txBody>
-      </p:sp>
-      <p:sp>
-        <p:nvSpPr>
-          <p:cNvPr id="6" name="TextBox 5">
-            <a:extLst>
-              <a:ext uri="{FF2B5EF4-FFF2-40B4-BE49-F238E27FC236}">
-                <a16:creationId xmlns:a16="http://schemas.microsoft.com/office/drawing/2014/main" id="{4F2DA592-D8EB-70BA-2112-6C13A4E7B393}"/>
-              </a:ext>
-            </a:extLst>
-          </p:cNvPr>
-          <p:cNvSpPr txBox="1"/>
-          <p:nvPr/>
-        </p:nvSpPr>
-        <p:spPr>
-          <a:xfrm>
-            <a:off x="495300" y="606817"/>
-            <a:ext cx="11201400" cy="919401"/>
-          </a:xfrm>
-          <a:prstGeom prst="roundRect">
-            <a:avLst/>
-          </a:prstGeom>
-          <a:solidFill>
-            <a:schemeClr val="bg1">
-              <a:alpha val="70000"/>
-            </a:schemeClr>
-          </a:solidFill>
-          <a:ln w="76200">
-            <a:solidFill>
-              <a:srgbClr val="FFC416"/>
-            </a:solidFill>
-          </a:ln>
-        </p:spPr>
-        <p:style>
-          <a:lnRef idx="2">
-            <a:schemeClr val="dk1"/>
-          </a:lnRef>
-          <a:fillRef idx="1">
-            <a:schemeClr val="lt1"/>
-          </a:fillRef>
-          <a:effectRef idx="0">
-            <a:schemeClr val="dk1"/>
-          </a:effectRef>
-          <a:fontRef idx="minor">
-            <a:schemeClr val="dk1"/>
-          </a:fontRef>
-        </p:style>
-        <p:txBody>
-          <a:bodyPr wrap="square" rtlCol="0">
-            <a:spAutoFit/>
-          </a:bodyPr>
-          <a:lstStyle/>
-          <a:p>
-            <a:pPr algn="ctr"/>
-            <a:r>
-              <a:rPr lang="en-US" sz="4800" b="1" dirty="0">
-                <a:solidFill>
-                  <a:srgbClr val="2D3A37"/>
-                </a:solidFill>
-                <a:effectLst/>
-                <a:latin typeface="Adobe Devanagari" panose="02040503050201020203" pitchFamily="18" charset="0"/>
-                <a:cs typeface="Adobe Devanagari" panose="02040503050201020203" pitchFamily="18" charset="0"/>
-              </a:rPr>
-              <a:t>Cook’s Distance</a:t>
-            </a:r>
-            <a:endParaRPr lang="en-US" sz="4800" dirty="0">
-              <a:solidFill>
-                <a:srgbClr val="2D3A37"/>
-              </a:solidFill>
-            </a:endParaRPr>
-          </a:p>
-        </p:txBody>
-      </p:sp>
-      <p:sp>
-        <p:nvSpPr>
-          <p:cNvPr id="7" name="TextBox 6">
-            <a:extLst>
-              <a:ext uri="{FF2B5EF4-FFF2-40B4-BE49-F238E27FC236}">
-                <a16:creationId xmlns:a16="http://schemas.microsoft.com/office/drawing/2014/main" id="{D9B238EA-D04E-3255-7509-F990F1A8F309}"/>
-              </a:ext>
-            </a:extLst>
-          </p:cNvPr>
-          <p:cNvSpPr txBox="1"/>
-          <p:nvPr/>
-        </p:nvSpPr>
-        <p:spPr>
-          <a:xfrm>
-            <a:off x="495300" y="1974467"/>
-            <a:ext cx="11201400" cy="3439239"/>
-          </a:xfrm>
-          <a:prstGeom prst="roundRect">
-            <a:avLst/>
-          </a:prstGeom>
-          <a:solidFill>
-            <a:schemeClr val="bg1"/>
-          </a:solidFill>
-          <a:ln w="76200">
-            <a:solidFill>
-              <a:srgbClr val="FFC416"/>
-            </a:solidFill>
-          </a:ln>
-        </p:spPr>
-        <p:style>
-          <a:lnRef idx="2">
-            <a:schemeClr val="dk1"/>
-          </a:lnRef>
-          <a:fillRef idx="1">
-            <a:schemeClr val="lt1"/>
-          </a:fillRef>
-          <a:effectRef idx="0">
-            <a:schemeClr val="dk1"/>
-          </a:effectRef>
-          <a:fontRef idx="minor">
-            <a:schemeClr val="dk1"/>
-          </a:fontRef>
-        </p:style>
-        <p:txBody>
-          <a:bodyPr wrap="square" rtlCol="0">
-            <a:spAutoFit/>
-          </a:bodyPr>
-          <a:lstStyle/>
-          <a:p>
-            <a:pPr marL="457200" indent="-457200">
-              <a:buFont typeface="Arial" panose="020B0604020202020204" pitchFamily="34" charset="0"/>
-              <a:buChar char="•"/>
-            </a:pPr>
-            <a:r>
-              <a:rPr lang="en-US" sz="2800" dirty="0">
-                <a:solidFill>
-                  <a:srgbClr val="660066"/>
-                </a:solidFill>
-              </a:rPr>
-              <a:t>Formula:</a:t>
-            </a:r>
-          </a:p>
-          <a:p>
-            <a:endParaRPr lang="en-US" sz="2800" dirty="0">
-              <a:solidFill>
-                <a:srgbClr val="660066"/>
-              </a:solidFill>
-            </a:endParaRPr>
-          </a:p>
-          <a:p>
-            <a:pPr marL="457200" indent="-457200">
-              <a:buFont typeface="Arial" panose="020B0604020202020204" pitchFamily="34" charset="0"/>
-              <a:buChar char="•"/>
-            </a:pPr>
-            <a:r>
-              <a:rPr lang="en-US" sz="2800" dirty="0">
-                <a:solidFill>
-                  <a:srgbClr val="660066"/>
-                </a:solidFill>
-              </a:rPr>
-              <a:t>Amount of Influence Depends On:</a:t>
-            </a:r>
-          </a:p>
-          <a:p>
-            <a:pPr marL="914400" lvl="1" indent="-457200">
-              <a:buFont typeface="Arial" panose="020B0604020202020204" pitchFamily="34" charset="0"/>
-              <a:buChar char="•"/>
-            </a:pPr>
-            <a:r>
-              <a:rPr lang="en-US" sz="2800" dirty="0">
-                <a:solidFill>
-                  <a:srgbClr val="660066"/>
-                </a:solidFill>
-              </a:rPr>
-              <a:t>Leverage</a:t>
-            </a:r>
-          </a:p>
-          <a:p>
-            <a:pPr marL="914400" lvl="1" indent="-457200">
-              <a:buFont typeface="Arial" panose="020B0604020202020204" pitchFamily="34" charset="0"/>
-              <a:buChar char="•"/>
-            </a:pPr>
-            <a:r>
-              <a:rPr lang="en-US" sz="2800" dirty="0">
-                <a:solidFill>
-                  <a:srgbClr val="660066"/>
-                </a:solidFill>
-              </a:rPr>
-              <a:t>Distance from Line of “Best” Fit</a:t>
-            </a:r>
-          </a:p>
-          <a:p>
-            <a:pPr marL="914400" lvl="1" indent="-457200">
-              <a:buFont typeface="Arial" panose="020B0604020202020204" pitchFamily="34" charset="0"/>
-              <a:buChar char="•"/>
-            </a:pPr>
-            <a:endParaRPr lang="en-US" sz="2800" dirty="0">
-              <a:solidFill>
-                <a:srgbClr val="660066"/>
-              </a:solidFill>
-            </a:endParaRPr>
-          </a:p>
-          <a:p>
-            <a:pPr marL="457200" indent="-457200">
-              <a:buFont typeface="Arial" panose="020B0604020202020204" pitchFamily="34" charset="0"/>
-              <a:buChar char="•"/>
-            </a:pPr>
-            <a:r>
-              <a:rPr lang="en-US" sz="2800" dirty="0">
-                <a:solidFill>
-                  <a:srgbClr val="660066"/>
-                </a:solidFill>
-              </a:rPr>
-              <a:t>Large Cook’s D Indicates Point Strongly Influences Regression</a:t>
-            </a:r>
-          </a:p>
-        </p:txBody>
-      </p:sp>
-      <mc:AlternateContent xmlns:mc="http://schemas.openxmlformats.org/markup-compatibility/2006" xmlns:a14="http://schemas.microsoft.com/office/drawing/2010/main">
-        <mc:Choice Requires="a14">
-          <p:sp>
-            <p:nvSpPr>
-              <p:cNvPr id="3" name="TextBox 2">
-                <a:extLst>
-                  <a:ext uri="{FF2B5EF4-FFF2-40B4-BE49-F238E27FC236}">
-                    <a16:creationId xmlns:a16="http://schemas.microsoft.com/office/drawing/2014/main" id="{4F8E225C-8F14-C448-CB6E-3441301C27E0}"/>
-                  </a:ext>
-                </a:extLst>
-              </p:cNvPr>
-              <p:cNvSpPr txBox="1"/>
-              <p:nvPr/>
-            </p:nvSpPr>
-            <p:spPr>
-              <a:xfrm>
-                <a:off x="4522397" y="2192774"/>
-                <a:ext cx="4899806" cy="637226"/>
-              </a:xfrm>
-              <a:prstGeom prst="rect">
-                <a:avLst/>
-              </a:prstGeom>
-              <a:noFill/>
-            </p:spPr>
-            <p:txBody>
-              <a:bodyPr wrap="square" lIns="0" tIns="0" rIns="0" bIns="0" rtlCol="0">
-                <a:spAutoFit/>
-              </a:bodyPr>
-              <a:lstStyle/>
-              <a:p>
-                <a:pPr/>
-                <a14:m>
-                  <m:oMathPara xmlns:m="http://schemas.openxmlformats.org/officeDocument/2006/math">
-                    <m:oMathParaPr>
-                      <m:jc m:val="centerGroup"/>
-                    </m:oMathParaPr>
-                    <m:oMath xmlns:m="http://schemas.openxmlformats.org/officeDocument/2006/math">
-                      <m:sSub>
-                        <m:sSubPr>
-                          <m:ctrlPr>
-                            <a:rPr lang="en-US" b="0" i="1" smtClean="0">
-                              <a:latin typeface="Cambria Math" panose="02040503050406030204" pitchFamily="18" charset="0"/>
-                            </a:rPr>
-                          </m:ctrlPr>
-                        </m:sSubPr>
-                        <m:e>
-                          <m:r>
-                            <a:rPr lang="en-US" b="0" i="1" smtClean="0">
-                              <a:latin typeface="Cambria Math" panose="02040503050406030204" pitchFamily="18" charset="0"/>
-                            </a:rPr>
-                            <m:t>𝐷</m:t>
-                          </m:r>
-                        </m:e>
-                        <m:sub>
-                          <m:r>
-                            <a:rPr lang="en-US" b="0" i="1" smtClean="0">
-                              <a:latin typeface="Cambria Math" panose="02040503050406030204" pitchFamily="18" charset="0"/>
-                            </a:rPr>
-                            <m:t>𝑖</m:t>
-                          </m:r>
-                        </m:sub>
-                      </m:sSub>
-                      <m:r>
-                        <a:rPr lang="en-US" b="0" i="1" smtClean="0">
-                          <a:latin typeface="Cambria Math" panose="02040503050406030204" pitchFamily="18" charset="0"/>
-                        </a:rPr>
-                        <m:t>=</m:t>
-                      </m:r>
-                      <m:f>
-                        <m:fPr>
-                          <m:ctrlPr>
-                            <a:rPr lang="en-US" b="0" i="1" smtClean="0">
-                              <a:latin typeface="Cambria Math" panose="02040503050406030204" pitchFamily="18" charset="0"/>
-                            </a:rPr>
-                          </m:ctrlPr>
-                        </m:fPr>
-                        <m:num>
-                          <m:r>
-                            <a:rPr lang="en-US" b="0" i="1" smtClean="0">
-                              <a:latin typeface="Cambria Math" panose="02040503050406030204" pitchFamily="18" charset="0"/>
-                            </a:rPr>
-                            <m:t>𝑠𝑡𝑑𝑟𝑒</m:t>
-                          </m:r>
-                          <m:sSubSup>
-                            <m:sSubSupPr>
-                              <m:ctrlPr>
-                                <a:rPr lang="en-US" b="0" i="1" smtClean="0">
-                                  <a:latin typeface="Cambria Math" panose="02040503050406030204" pitchFamily="18" charset="0"/>
-                                </a:rPr>
-                              </m:ctrlPr>
-                            </m:sSubSupPr>
-                            <m:e>
-                              <m:r>
-                                <a:rPr lang="en-US" b="0" i="1" smtClean="0">
-                                  <a:latin typeface="Cambria Math" panose="02040503050406030204" pitchFamily="18" charset="0"/>
-                                </a:rPr>
-                                <m:t>𝑠</m:t>
-                              </m:r>
-                            </m:e>
-                            <m:sub>
-                              <m:r>
-                                <a:rPr lang="en-US" b="0" i="1" smtClean="0">
-                                  <a:latin typeface="Cambria Math" panose="02040503050406030204" pitchFamily="18" charset="0"/>
-                                </a:rPr>
-                                <m:t>𝑖</m:t>
-                              </m:r>
-                            </m:sub>
-                            <m:sup>
-                              <m:r>
-                                <a:rPr lang="en-US" b="0" i="1" smtClean="0">
-                                  <a:latin typeface="Cambria Math" panose="02040503050406030204" pitchFamily="18" charset="0"/>
-                                </a:rPr>
-                                <m:t>2</m:t>
-                              </m:r>
-                            </m:sup>
-                          </m:sSubSup>
-                        </m:num>
-                        <m:den>
-                          <m:r>
-                            <a:rPr lang="en-US" b="0" i="1" smtClean="0">
-                              <a:latin typeface="Cambria Math" panose="02040503050406030204" pitchFamily="18" charset="0"/>
-                            </a:rPr>
-                            <m:t>𝑘</m:t>
-                          </m:r>
-                          <m:r>
-                            <a:rPr lang="en-US" b="0" i="1" smtClean="0">
-                              <a:latin typeface="Cambria Math" panose="02040503050406030204" pitchFamily="18" charset="0"/>
-                            </a:rPr>
-                            <m:t>+1</m:t>
-                          </m:r>
-                        </m:den>
-                      </m:f>
-                      <m:d>
-                        <m:dPr>
-                          <m:ctrlPr>
-                            <a:rPr lang="en-US" b="0" i="1" smtClean="0">
-                              <a:latin typeface="Cambria Math" panose="02040503050406030204" pitchFamily="18" charset="0"/>
-                            </a:rPr>
-                          </m:ctrlPr>
-                        </m:dPr>
-                        <m:e>
-                          <m:f>
-                            <m:fPr>
-                              <m:ctrlPr>
-                                <a:rPr lang="en-US" b="0" i="1" smtClean="0">
-                                  <a:latin typeface="Cambria Math" panose="02040503050406030204" pitchFamily="18" charset="0"/>
-                                </a:rPr>
-                              </m:ctrlPr>
-                            </m:fPr>
-                            <m:num>
-                              <m:sSub>
-                                <m:sSubPr>
-                                  <m:ctrlPr>
-                                    <a:rPr lang="en-US" b="0" i="1" smtClean="0">
-                                      <a:latin typeface="Cambria Math" panose="02040503050406030204" pitchFamily="18" charset="0"/>
-                                    </a:rPr>
-                                  </m:ctrlPr>
-                                </m:sSubPr>
-                                <m:e>
-                                  <m:r>
-                                    <a:rPr lang="en-US" b="0" i="1" smtClean="0">
-                                      <a:latin typeface="Cambria Math" panose="02040503050406030204" pitchFamily="18" charset="0"/>
-                                    </a:rPr>
-                                    <m:t>h</m:t>
-                                  </m:r>
-                                </m:e>
-                                <m:sub>
-                                  <m:r>
-                                    <a:rPr lang="en-US" b="0" i="1" smtClean="0">
-                                      <a:latin typeface="Cambria Math" panose="02040503050406030204" pitchFamily="18" charset="0"/>
-                                    </a:rPr>
-                                    <m:t>𝑖</m:t>
-                                  </m:r>
-                                </m:sub>
-                              </m:sSub>
-                            </m:num>
-                            <m:den>
-                              <m:r>
-                                <a:rPr lang="en-US" b="0" i="1" smtClean="0">
-                                  <a:latin typeface="Cambria Math" panose="02040503050406030204" pitchFamily="18" charset="0"/>
-                                </a:rPr>
-                                <m:t>1−</m:t>
-                              </m:r>
-                              <m:sSub>
-                                <m:sSubPr>
-                                  <m:ctrlPr>
-                                    <a:rPr lang="en-US" b="0" i="1" smtClean="0">
-                                      <a:latin typeface="Cambria Math" panose="02040503050406030204" pitchFamily="18" charset="0"/>
-                                    </a:rPr>
-                                  </m:ctrlPr>
-                                </m:sSubPr>
-                                <m:e>
-                                  <m:r>
-                                    <a:rPr lang="en-US" b="0" i="1" smtClean="0">
-                                      <a:latin typeface="Cambria Math" panose="02040503050406030204" pitchFamily="18" charset="0"/>
-                                    </a:rPr>
-                                    <m:t>h</m:t>
-                                  </m:r>
-                                </m:e>
-                                <m:sub>
-                                  <m:r>
-                                    <a:rPr lang="en-US" b="0" i="1" smtClean="0">
-                                      <a:latin typeface="Cambria Math" panose="02040503050406030204" pitchFamily="18" charset="0"/>
-                                    </a:rPr>
-                                    <m:t>𝑖</m:t>
-                                  </m:r>
-                                </m:sub>
-                              </m:sSub>
-                            </m:den>
-                          </m:f>
-                        </m:e>
-                      </m:d>
-                      <m:r>
-                        <a:rPr lang="en-US" b="0" i="0" smtClean="0">
-                          <a:latin typeface="Cambria Math" panose="02040503050406030204" pitchFamily="18" charset="0"/>
-                        </a:rPr>
-                        <m:t>         </m:t>
-                      </m:r>
-                      <m:r>
-                        <m:rPr>
-                          <m:sty m:val="p"/>
-                        </m:rPr>
-                        <a:rPr lang="en-US" b="0" i="0" smtClean="0">
-                          <a:latin typeface="Cambria Math" panose="02040503050406030204" pitchFamily="18" charset="0"/>
-                        </a:rPr>
-                        <m:t>for</m:t>
-                      </m:r>
-                      <m:r>
-                        <a:rPr lang="en-US" b="0" i="0" smtClean="0">
-                          <a:latin typeface="Cambria Math" panose="02040503050406030204" pitchFamily="18" charset="0"/>
-                        </a:rPr>
-                        <m:t> </m:t>
-                      </m:r>
-                      <m:r>
-                        <m:rPr>
-                          <m:sty m:val="p"/>
-                        </m:rPr>
-                        <a:rPr lang="en-US" b="0" i="0" smtClean="0">
-                          <a:latin typeface="Cambria Math" panose="02040503050406030204" pitchFamily="18" charset="0"/>
-                        </a:rPr>
-                        <m:t>SLR</m:t>
-                      </m:r>
-                      <m:r>
-                        <a:rPr lang="en-US" b="0" i="1" smtClean="0">
-                          <a:latin typeface="Cambria Math" panose="02040503050406030204" pitchFamily="18" charset="0"/>
-                        </a:rPr>
-                        <m:t> → </m:t>
-                      </m:r>
-                      <m:r>
-                        <a:rPr lang="en-US" b="0" i="1" smtClean="0">
-                          <a:latin typeface="Cambria Math" panose="02040503050406030204" pitchFamily="18" charset="0"/>
-                        </a:rPr>
-                        <m:t>𝑘</m:t>
-                      </m:r>
-                      <m:r>
-                        <a:rPr lang="en-US" b="0" i="1" smtClean="0">
-                          <a:latin typeface="Cambria Math" panose="02040503050406030204" pitchFamily="18" charset="0"/>
-                        </a:rPr>
-                        <m:t>=1</m:t>
-                      </m:r>
-                    </m:oMath>
-                  </m:oMathPara>
-                </a14:m>
-                <a:endParaRPr lang="en-US" i="1" dirty="0"/>
-              </a:p>
-            </p:txBody>
-          </p:sp>
-        </mc:Choice>
-        <mc:Fallback xmlns="">
-          <p:sp>
-            <p:nvSpPr>
-              <p:cNvPr id="3" name="TextBox 2">
-                <a:extLst>
-                  <a:ext uri="{FF2B5EF4-FFF2-40B4-BE49-F238E27FC236}">
-                    <a16:creationId xmlns:a16="http://schemas.microsoft.com/office/drawing/2014/main" id="{4F8E225C-8F14-C448-CB6E-3441301C27E0}"/>
-                  </a:ext>
-                </a:extLst>
-              </p:cNvPr>
-              <p:cNvSpPr txBox="1">
-                <a:spLocks noRot="1" noChangeAspect="1" noMove="1" noResize="1" noEditPoints="1" noAdjustHandles="1" noChangeArrowheads="1" noChangeShapeType="1" noTextEdit="1"/>
-              </p:cNvSpPr>
-              <p:nvPr/>
-            </p:nvSpPr>
-            <p:spPr>
-              <a:xfrm>
-                <a:off x="4522397" y="2192774"/>
-                <a:ext cx="4899806" cy="637226"/>
-              </a:xfrm>
-              <a:prstGeom prst="rect">
-                <a:avLst/>
-              </a:prstGeom>
-              <a:blipFill>
-                <a:blip r:embed="rId3"/>
-                <a:stretch>
-                  <a:fillRect/>
-                </a:stretch>
-              </a:blipFill>
-            </p:spPr>
-            <p:txBody>
-              <a:bodyPr/>
-              <a:lstStyle/>
-              <a:p>
-                <a:r>
-                  <a:rPr lang="en-US">
-                    <a:noFill/>
-                  </a:rPr>
-                  <a:t> </a:t>
-                </a:r>
-              </a:p>
-            </p:txBody>
-          </p:sp>
-        </mc:Fallback>
-      </mc:AlternateContent>
-    </p:spTree>
-    <p:extLst>
-      <p:ext uri="{BB962C8B-B14F-4D97-AF65-F5344CB8AC3E}">
-        <p14:creationId xmlns:p14="http://schemas.microsoft.com/office/powerpoint/2010/main" val="3316432581"/>
-      </p:ext>
-    </p:extLst>
-  </p:cSld>
-  <p:clrMapOvr>
-    <a:masterClrMapping/>
-  </p:clrMapOvr>
-</p:sld>
-</file>
-
-<file path=ppt/slides/slide12.xml><?xml version="1.0" encoding="utf-8"?>
-<p:sld xmlns:a="http://schemas.openxmlformats.org/drawingml/2006/main" xmlns:r="http://schemas.openxmlformats.org/officeDocument/2006/relationships" xmlns:p="http://schemas.openxmlformats.org/presentationml/2006/main">
-  <p:cSld>
-    <p:spTree>
-      <p:nvGrpSpPr>
-        <p:cNvPr id="1" name=""/>
-        <p:cNvGrpSpPr/>
-        <p:nvPr/>
-      </p:nvGrpSpPr>
-      <p:grpSpPr>
-        <a:xfrm>
-          <a:off x="0" y="0"/>
-          <a:ext cx="0" cy="0"/>
-          <a:chOff x="0" y="0"/>
-          <a:chExt cx="0" cy="0"/>
-        </a:xfrm>
-      </p:grpSpPr>
-      <p:pic>
-        <p:nvPicPr>
-          <p:cNvPr id="2" name="Picture 10" descr="Mario Pattern">
-            <a:extLst>
-              <a:ext uri="{FF2B5EF4-FFF2-40B4-BE49-F238E27FC236}">
-                <a16:creationId xmlns:a16="http://schemas.microsoft.com/office/drawing/2014/main" id="{8F84FFD9-23AF-75F7-6DAA-904525952142}"/>
-              </a:ext>
-            </a:extLst>
-          </p:cNvPr>
-          <p:cNvPicPr>
-            <a:picLocks noChangeAspect="1" noChangeArrowheads="1"/>
-          </p:cNvPicPr>
-          <p:nvPr/>
-        </p:nvPicPr>
-        <p:blipFill rotWithShape="1">
-          <a:blip r:embed="rId2">
-            <a:alphaModFix amt="47000"/>
-            <a:extLst>
-              <a:ext uri="{28A0092B-C50C-407E-A947-70E740481C1C}">
-                <a14:useLocalDpi xmlns:a14="http://schemas.microsoft.com/office/drawing/2010/main" val="0"/>
-              </a:ext>
-            </a:extLst>
-          </a:blip>
-          <a:srcRect l="4595" r="6699"/>
-          <a:stretch/>
-        </p:blipFill>
-        <p:spPr bwMode="auto">
-          <a:xfrm>
-            <a:off x="0" y="-2057400"/>
-            <a:ext cx="12192000" cy="10308201"/>
-          </a:xfrm>
-          <a:prstGeom prst="rect">
-            <a:avLst/>
-          </a:prstGeom>
-          <a:noFill/>
-          <a:extLst>
-            <a:ext uri="{909E8E84-426E-40DD-AFC4-6F175D3DCCD1}">
-              <a14:hiddenFill xmlns:a14="http://schemas.microsoft.com/office/drawing/2010/main">
-                <a:solidFill>
-                  <a:srgbClr val="FFFFFF"/>
-                </a:solidFill>
-              </a14:hiddenFill>
-            </a:ext>
-          </a:extLst>
-        </p:spPr>
-      </p:pic>
-      <p:sp>
-        <p:nvSpPr>
-          <p:cNvPr id="12" name="Line 11"/>
-          <p:cNvSpPr>
-            <a:spLocks noChangeShapeType="1"/>
-          </p:cNvSpPr>
-          <p:nvPr/>
-        </p:nvSpPr>
-        <p:spPr bwMode="auto">
-          <a:xfrm flipV="1">
-            <a:off x="6972300" y="5109836"/>
-            <a:ext cx="609600" cy="533400"/>
-          </a:xfrm>
-          <a:prstGeom prst="line">
-            <a:avLst/>
-          </a:prstGeom>
-          <a:noFill/>
-          <a:ln w="38100">
-            <a:solidFill>
-              <a:srgbClr val="FFFF66"/>
-            </a:solidFill>
-            <a:round/>
-            <a:headEnd/>
-            <a:tailEnd type="triangle" w="med" len="med"/>
-          </a:ln>
-          <a:extLst>
-            <a:ext uri="{909E8E84-426E-40DD-AFC4-6F175D3DCCD1}">
-              <a14:hiddenFill xmlns:a14="http://schemas.microsoft.com/office/drawing/2010/main">
-                <a:noFill/>
-              </a14:hiddenFill>
-            </a:ext>
-          </a:extLst>
-        </p:spPr>
-        <p:txBody>
-          <a:bodyPr wrap="square">
-            <a:spAutoFit/>
-          </a:bodyPr>
-          <a:lstStyle/>
-          <a:p>
-            <a:endParaRPr lang="en-US"/>
-          </a:p>
-        </p:txBody>
-      </p:sp>
-      <p:sp>
-        <p:nvSpPr>
-          <p:cNvPr id="6" name="TextBox 5">
-            <a:extLst>
-              <a:ext uri="{FF2B5EF4-FFF2-40B4-BE49-F238E27FC236}">
-                <a16:creationId xmlns:a16="http://schemas.microsoft.com/office/drawing/2014/main" id="{4F2DA592-D8EB-70BA-2112-6C13A4E7B393}"/>
-              </a:ext>
-            </a:extLst>
-          </p:cNvPr>
-          <p:cNvSpPr txBox="1"/>
-          <p:nvPr/>
-        </p:nvSpPr>
-        <p:spPr>
-          <a:xfrm>
-            <a:off x="495300" y="606817"/>
-            <a:ext cx="11201400" cy="919401"/>
-          </a:xfrm>
-          <a:prstGeom prst="roundRect">
-            <a:avLst/>
-          </a:prstGeom>
-          <a:solidFill>
-            <a:schemeClr val="bg1">
-              <a:alpha val="70000"/>
-            </a:schemeClr>
-          </a:solidFill>
-          <a:ln w="76200">
-            <a:solidFill>
-              <a:srgbClr val="FFC416"/>
-            </a:solidFill>
-          </a:ln>
-        </p:spPr>
-        <p:style>
-          <a:lnRef idx="2">
-            <a:schemeClr val="dk1"/>
-          </a:lnRef>
-          <a:fillRef idx="1">
-            <a:schemeClr val="lt1"/>
-          </a:fillRef>
-          <a:effectRef idx="0">
-            <a:schemeClr val="dk1"/>
-          </a:effectRef>
-          <a:fontRef idx="minor">
-            <a:schemeClr val="dk1"/>
-          </a:fontRef>
-        </p:style>
-        <p:txBody>
-          <a:bodyPr wrap="square" rtlCol="0">
-            <a:spAutoFit/>
-          </a:bodyPr>
-          <a:lstStyle/>
-          <a:p>
-            <a:pPr algn="ctr"/>
-            <a:r>
-              <a:rPr lang="en-US" sz="4800" b="1" dirty="0">
-                <a:solidFill>
-                  <a:srgbClr val="2D3A37"/>
-                </a:solidFill>
-                <a:effectLst/>
-                <a:latin typeface="Adobe Devanagari" panose="02040503050201020203" pitchFamily="18" charset="0"/>
-                <a:cs typeface="Adobe Devanagari" panose="02040503050201020203" pitchFamily="18" charset="0"/>
-              </a:rPr>
-              <a:t>Rules of Thumb</a:t>
-            </a:r>
-            <a:endParaRPr lang="en-US" sz="4800" dirty="0">
-              <a:solidFill>
-                <a:srgbClr val="2D3A37"/>
-              </a:solidFill>
-            </a:endParaRPr>
-          </a:p>
-        </p:txBody>
-      </p:sp>
-      <p:sp>
-        <p:nvSpPr>
-          <p:cNvPr id="7" name="TextBox 6">
-            <a:extLst>
-              <a:ext uri="{FF2B5EF4-FFF2-40B4-BE49-F238E27FC236}">
-                <a16:creationId xmlns:a16="http://schemas.microsoft.com/office/drawing/2014/main" id="{D9B238EA-D04E-3255-7509-F990F1A8F309}"/>
-              </a:ext>
-            </a:extLst>
-          </p:cNvPr>
-          <p:cNvSpPr txBox="1"/>
-          <p:nvPr/>
-        </p:nvSpPr>
-        <p:spPr>
-          <a:xfrm>
-            <a:off x="495300" y="1974467"/>
-            <a:ext cx="11201400" cy="4869418"/>
-          </a:xfrm>
-          <a:prstGeom prst="roundRect">
-            <a:avLst/>
-          </a:prstGeom>
-          <a:solidFill>
-            <a:schemeClr val="bg1"/>
-          </a:solidFill>
-          <a:ln w="76200">
-            <a:solidFill>
-              <a:srgbClr val="FFC416"/>
-            </a:solidFill>
-          </a:ln>
-        </p:spPr>
-        <p:style>
-          <a:lnRef idx="2">
-            <a:schemeClr val="dk1"/>
-          </a:lnRef>
-          <a:fillRef idx="1">
-            <a:schemeClr val="lt1"/>
-          </a:fillRef>
-          <a:effectRef idx="0">
-            <a:schemeClr val="dk1"/>
-          </a:effectRef>
-          <a:fontRef idx="minor">
-            <a:schemeClr val="dk1"/>
-          </a:fontRef>
-        </p:style>
-        <p:txBody>
-          <a:bodyPr wrap="square" rtlCol="0">
-            <a:spAutoFit/>
-          </a:bodyPr>
-          <a:lstStyle/>
-          <a:p>
-            <a:pPr marL="457200" indent="-457200">
-              <a:buFont typeface="Arial" panose="020B0604020202020204" pitchFamily="34" charset="0"/>
-              <a:buChar char="•"/>
-            </a:pPr>
-            <a:r>
-              <a:rPr lang="en-US" sz="2800" dirty="0">
-                <a:solidFill>
-                  <a:srgbClr val="660066"/>
-                </a:solidFill>
-              </a:rPr>
-              <a:t>We Can Calculate All Four Measures On Each Observation</a:t>
-            </a:r>
-          </a:p>
-          <a:p>
-            <a:pPr marL="457200" indent="-457200">
-              <a:buFont typeface="Arial" panose="020B0604020202020204" pitchFamily="34" charset="0"/>
-              <a:buChar char="•"/>
-            </a:pPr>
-            <a:endParaRPr lang="en-US" sz="2800" dirty="0">
-              <a:solidFill>
-                <a:srgbClr val="660066"/>
-              </a:solidFill>
-            </a:endParaRPr>
-          </a:p>
-          <a:p>
-            <a:pPr marL="457200" indent="-457200">
-              <a:buFont typeface="Arial" panose="020B0604020202020204" pitchFamily="34" charset="0"/>
-              <a:buChar char="•"/>
-            </a:pPr>
-            <a:r>
-              <a:rPr lang="en-US" sz="2800" dirty="0">
-                <a:solidFill>
-                  <a:srgbClr val="660066"/>
-                </a:solidFill>
-              </a:rPr>
-              <a:t>Table Showing Accepted Definitions of</a:t>
-            </a:r>
-          </a:p>
-          <a:p>
-            <a:pPr marL="914400" lvl="1" indent="-457200">
-              <a:buFont typeface="Arial" panose="020B0604020202020204" pitchFamily="34" charset="0"/>
-              <a:buChar char="•"/>
-            </a:pPr>
-            <a:r>
-              <a:rPr lang="en-US" sz="2800" dirty="0">
-                <a:solidFill>
-                  <a:srgbClr val="660066"/>
-                </a:solidFill>
-              </a:rPr>
-              <a:t>“Moderately Unusual”</a:t>
-            </a:r>
-          </a:p>
-          <a:p>
-            <a:pPr marL="914400" lvl="1" indent="-457200">
-              <a:buFont typeface="Arial" panose="020B0604020202020204" pitchFamily="34" charset="0"/>
-              <a:buChar char="•"/>
-            </a:pPr>
-            <a:r>
-              <a:rPr lang="en-US" sz="2800" dirty="0">
-                <a:solidFill>
-                  <a:srgbClr val="660066"/>
-                </a:solidFill>
-              </a:rPr>
-              <a:t>“Very Unusual”</a:t>
-            </a:r>
-          </a:p>
-          <a:p>
-            <a:pPr marL="457200" indent="-457200">
-              <a:buFont typeface="Arial" panose="020B0604020202020204" pitchFamily="34" charset="0"/>
-              <a:buChar char="•"/>
-            </a:pPr>
-            <a:endParaRPr lang="en-US" sz="2800" dirty="0">
-              <a:solidFill>
-                <a:srgbClr val="660066"/>
-              </a:solidFill>
-            </a:endParaRPr>
-          </a:p>
-          <a:p>
-            <a:pPr marL="457200" indent="-457200">
-              <a:buFont typeface="Arial" panose="020B0604020202020204" pitchFamily="34" charset="0"/>
-              <a:buChar char="•"/>
-            </a:pPr>
-            <a:endParaRPr lang="en-US" sz="2800" dirty="0">
-              <a:solidFill>
-                <a:srgbClr val="660066"/>
-              </a:solidFill>
-            </a:endParaRPr>
-          </a:p>
-          <a:p>
-            <a:pPr marL="457200" indent="-457200">
-              <a:buFont typeface="Arial" panose="020B0604020202020204" pitchFamily="34" charset="0"/>
-              <a:buChar char="•"/>
-            </a:pPr>
-            <a:endParaRPr lang="en-US" sz="2800" dirty="0">
-              <a:solidFill>
-                <a:srgbClr val="660066"/>
-              </a:solidFill>
-            </a:endParaRPr>
-          </a:p>
-          <a:p>
-            <a:pPr marL="457200" indent="-457200">
-              <a:buFont typeface="Arial" panose="020B0604020202020204" pitchFamily="34" charset="0"/>
-              <a:buChar char="•"/>
-            </a:pPr>
-            <a:endParaRPr lang="en-US" sz="2800" dirty="0">
-              <a:solidFill>
-                <a:srgbClr val="660066"/>
-              </a:solidFill>
-            </a:endParaRPr>
-          </a:p>
-          <a:p>
-            <a:pPr marL="457200" indent="-457200">
-              <a:buFont typeface="Arial" panose="020B0604020202020204" pitchFamily="34" charset="0"/>
-              <a:buChar char="•"/>
-            </a:pPr>
-            <a:endParaRPr lang="en-US" sz="2800" dirty="0">
-              <a:solidFill>
-                <a:srgbClr val="660066"/>
-              </a:solidFill>
-            </a:endParaRPr>
-          </a:p>
-        </p:txBody>
-      </p:sp>
-      <mc:AlternateContent xmlns:mc="http://schemas.openxmlformats.org/markup-compatibility/2006" xmlns:a14="http://schemas.microsoft.com/office/drawing/2010/main">
-        <mc:Choice Requires="a14">
-          <p:graphicFrame>
-            <p:nvGraphicFramePr>
-              <p:cNvPr id="4" name="Table 4">
-                <a:extLst>
-                  <a:ext uri="{FF2B5EF4-FFF2-40B4-BE49-F238E27FC236}">
-                    <a16:creationId xmlns:a16="http://schemas.microsoft.com/office/drawing/2014/main" id="{B61F45BD-C460-4948-02B0-A43EB8367611}"/>
-                  </a:ext>
-                </a:extLst>
-              </p:cNvPr>
-              <p:cNvGraphicFramePr>
-                <a:graphicFrameLocks noGrp="1"/>
-              </p:cNvGraphicFramePr>
-              <p:nvPr>
-                <p:extLst>
-                  <p:ext uri="{D42A27DB-BD31-4B8C-83A1-F6EECF244321}">
-                    <p14:modId xmlns:p14="http://schemas.microsoft.com/office/powerpoint/2010/main" val="325847905"/>
-                  </p:ext>
-                </p:extLst>
-              </p:nvPr>
-            </p:nvGraphicFramePr>
-            <p:xfrm>
-              <a:off x="2032000" y="4648200"/>
-              <a:ext cx="8127999" cy="1849120"/>
-            </p:xfrm>
-            <a:graphic>
-              <a:graphicData uri="http://schemas.openxmlformats.org/drawingml/2006/table">
-                <a:tbl>
-                  <a:tblPr firstRow="1" bandRow="1">
-                    <a:tableStyleId>{5C22544A-7EE6-4342-B048-85BDC9FD1C3A}</a:tableStyleId>
-                  </a:tblPr>
-                  <a:tblGrid>
-                    <a:gridCol w="2709333">
-                      <a:extLst>
-                        <a:ext uri="{9D8B030D-6E8A-4147-A177-3AD203B41FA5}">
-                          <a16:colId xmlns:a16="http://schemas.microsoft.com/office/drawing/2014/main" val="338470458"/>
-                        </a:ext>
-                      </a:extLst>
-                    </a:gridCol>
-                    <a:gridCol w="2709333">
-                      <a:extLst>
-                        <a:ext uri="{9D8B030D-6E8A-4147-A177-3AD203B41FA5}">
-                          <a16:colId xmlns:a16="http://schemas.microsoft.com/office/drawing/2014/main" val="227772161"/>
-                        </a:ext>
-                      </a:extLst>
-                    </a:gridCol>
-                    <a:gridCol w="2709333">
-                      <a:extLst>
-                        <a:ext uri="{9D8B030D-6E8A-4147-A177-3AD203B41FA5}">
-                          <a16:colId xmlns:a16="http://schemas.microsoft.com/office/drawing/2014/main" val="1255326563"/>
-                        </a:ext>
-                      </a:extLst>
-                    </a:gridCol>
-                  </a:tblGrid>
-                  <a:tr h="370840">
-                    <a:tc>
-                      <a:txBody>
-                        <a:bodyPr/>
-                        <a:lstStyle/>
-                        <a:p>
-                          <a:r>
-                            <a:rPr lang="en-US" dirty="0"/>
-                            <a:t>Statistic</a:t>
-                          </a:r>
-                        </a:p>
-                      </a:txBody>
-                      <a:tcPr>
-                        <a:solidFill>
-                          <a:srgbClr val="660066"/>
-                        </a:solidFill>
-                      </a:tcPr>
-                    </a:tc>
-                    <a:tc>
-                      <a:txBody>
-                        <a:bodyPr/>
-                        <a:lstStyle/>
-                        <a:p>
-                          <a:r>
-                            <a:rPr lang="en-US" dirty="0"/>
-                            <a:t>Moderately Unusual</a:t>
-                          </a:r>
-                        </a:p>
-                      </a:txBody>
-                      <a:tcPr>
-                        <a:solidFill>
-                          <a:srgbClr val="660066"/>
-                        </a:solidFill>
-                      </a:tcPr>
-                    </a:tc>
-                    <a:tc>
-                      <a:txBody>
-                        <a:bodyPr/>
-                        <a:lstStyle/>
-                        <a:p>
-                          <a:r>
-                            <a:rPr lang="en-US" dirty="0"/>
-                            <a:t>Very Unusual</a:t>
-                          </a:r>
-                        </a:p>
-                      </a:txBody>
-                      <a:tcPr>
-                        <a:solidFill>
-                          <a:srgbClr val="660066"/>
-                        </a:solidFill>
-                      </a:tcPr>
-                    </a:tc>
-                    <a:extLst>
-                      <a:ext uri="{0D108BD9-81ED-4DB2-BD59-A6C34878D82A}">
-                        <a16:rowId xmlns:a16="http://schemas.microsoft.com/office/drawing/2014/main" val="3257950970"/>
-                      </a:ext>
-                    </a:extLst>
-                  </a:tr>
-                  <a:tr h="170202">
-                    <a:tc>
-                      <a:txBody>
-                        <a:bodyPr/>
-                        <a:lstStyle/>
-                        <a:p>
-                          <a:r>
-                            <a:rPr lang="en-US" dirty="0"/>
-                            <a:t>Leverage</a:t>
-                          </a:r>
-                        </a:p>
-                      </a:txBody>
-                      <a:tcPr>
-                        <a:solidFill>
-                          <a:srgbClr val="FFC416"/>
-                        </a:solidFill>
-                      </a:tcPr>
-                    </a:tc>
-                    <a:tc>
-                      <a:txBody>
-                        <a:bodyPr/>
-                        <a:lstStyle/>
-                        <a:p>
-                          <a:r>
-                            <a:rPr lang="en-US" dirty="0"/>
-                            <a:t>Above </a:t>
-                          </a:r>
-                          <a14:m>
-                            <m:oMath xmlns:m="http://schemas.openxmlformats.org/officeDocument/2006/math">
-                              <m:r>
-                                <a:rPr lang="en-US" b="0" i="1" smtClean="0">
-                                  <a:latin typeface="Cambria Math" panose="02040503050406030204" pitchFamily="18" charset="0"/>
-                                </a:rPr>
-                                <m:t>2</m:t>
-                              </m:r>
-                              <m:d>
-                                <m:dPr>
-                                  <m:ctrlPr>
-                                    <a:rPr lang="en-US" b="0" i="1" smtClean="0">
-                                      <a:latin typeface="Cambria Math" panose="02040503050406030204" pitchFamily="18" charset="0"/>
-                                    </a:rPr>
-                                  </m:ctrlPr>
-                                </m:dPr>
-                                <m:e>
-                                  <m:f>
-                                    <m:fPr>
-                                      <m:type m:val="skw"/>
-                                      <m:ctrlPr>
-                                        <a:rPr lang="en-US" b="0" i="1" smtClean="0">
-                                          <a:latin typeface="Cambria Math" panose="02040503050406030204" pitchFamily="18" charset="0"/>
-                                        </a:rPr>
-                                      </m:ctrlPr>
-                                    </m:fPr>
-                                    <m:num>
-                                      <m:r>
-                                        <a:rPr lang="en-US" b="0" i="1" smtClean="0">
-                                          <a:latin typeface="Cambria Math" panose="02040503050406030204" pitchFamily="18" charset="0"/>
-                                        </a:rPr>
-                                        <m:t>2</m:t>
-                                      </m:r>
-                                    </m:num>
-                                    <m:den>
-                                      <m:r>
-                                        <a:rPr lang="en-US" b="0" i="1" smtClean="0">
-                                          <a:latin typeface="Cambria Math" panose="02040503050406030204" pitchFamily="18" charset="0"/>
-                                        </a:rPr>
-                                        <m:t>𝑛</m:t>
-                                      </m:r>
-                                    </m:den>
-                                  </m:f>
-                                </m:e>
-                              </m:d>
-                            </m:oMath>
-                          </a14:m>
-                          <a:endParaRPr lang="en-US" dirty="0"/>
-                        </a:p>
-                      </a:txBody>
-                      <a:tcPr>
-                        <a:solidFill>
-                          <a:srgbClr val="FFC416"/>
-                        </a:solidFill>
-                      </a:tcPr>
-                    </a:tc>
-                    <a:tc>
-                      <a:txBody>
-                        <a:bodyPr/>
-                        <a:lstStyle/>
-                        <a:p>
-                          <a:pPr marL="0" marR="0" lvl="0" indent="0" algn="l" defTabSz="914400" rtl="0" eaLnBrk="1" fontAlgn="auto" latinLnBrk="0" hangingPunct="1">
-                            <a:lnSpc>
-                              <a:spcPct val="100000"/>
-                            </a:lnSpc>
-                            <a:spcBef>
-                              <a:spcPts val="0"/>
-                            </a:spcBef>
-                            <a:spcAft>
-                              <a:spcPts val="0"/>
-                            </a:spcAft>
-                            <a:buClrTx/>
-                            <a:buSzTx/>
-                            <a:buFontTx/>
-                            <a:buNone/>
-                            <a:tabLst/>
-                            <a:defRPr/>
-                          </a:pPr>
-                          <a:r>
-                            <a:rPr lang="en-US" dirty="0"/>
-                            <a:t>Above </a:t>
-                          </a:r>
-                          <a14:m>
-                            <m:oMath xmlns:m="http://schemas.openxmlformats.org/officeDocument/2006/math">
-                              <m:r>
-                                <a:rPr lang="en-US" b="0" i="1" smtClean="0">
-                                  <a:latin typeface="Cambria Math" panose="02040503050406030204" pitchFamily="18" charset="0"/>
-                                </a:rPr>
-                                <m:t>3</m:t>
-                              </m:r>
-                              <m:d>
-                                <m:dPr>
-                                  <m:ctrlPr>
-                                    <a:rPr lang="en-US" b="0" i="1" smtClean="0">
-                                      <a:latin typeface="Cambria Math" panose="02040503050406030204" pitchFamily="18" charset="0"/>
-                                    </a:rPr>
-                                  </m:ctrlPr>
-                                </m:dPr>
-                                <m:e>
-                                  <m:f>
-                                    <m:fPr>
-                                      <m:type m:val="skw"/>
-                                      <m:ctrlPr>
-                                        <a:rPr lang="en-US" b="0" i="1" smtClean="0">
-                                          <a:latin typeface="Cambria Math" panose="02040503050406030204" pitchFamily="18" charset="0"/>
-                                        </a:rPr>
-                                      </m:ctrlPr>
-                                    </m:fPr>
-                                    <m:num>
-                                      <m:r>
-                                        <a:rPr lang="en-US" b="0" i="1" smtClean="0">
-                                          <a:latin typeface="Cambria Math" panose="02040503050406030204" pitchFamily="18" charset="0"/>
-                                        </a:rPr>
-                                        <m:t>2</m:t>
-                                      </m:r>
-                                    </m:num>
-                                    <m:den>
-                                      <m:r>
-                                        <a:rPr lang="en-US" b="0" i="1" smtClean="0">
-                                          <a:latin typeface="Cambria Math" panose="02040503050406030204" pitchFamily="18" charset="0"/>
-                                        </a:rPr>
-                                        <m:t>𝑛</m:t>
-                                      </m:r>
-                                    </m:den>
-                                  </m:f>
-                                </m:e>
-                              </m:d>
-                            </m:oMath>
-                          </a14:m>
-                          <a:endParaRPr lang="en-US" dirty="0"/>
-                        </a:p>
-                      </a:txBody>
-                      <a:tcPr>
-                        <a:solidFill>
-                          <a:srgbClr val="FFC416"/>
-                        </a:solidFill>
-                      </a:tcPr>
-                    </a:tc>
-                    <a:extLst>
-                      <a:ext uri="{0D108BD9-81ED-4DB2-BD59-A6C34878D82A}">
-                        <a16:rowId xmlns:a16="http://schemas.microsoft.com/office/drawing/2014/main" val="1927814422"/>
-                      </a:ext>
-                    </a:extLst>
-                  </a:tr>
-                  <a:tr h="370840">
-                    <a:tc>
-                      <a:txBody>
-                        <a:bodyPr/>
-                        <a:lstStyle/>
-                        <a:p>
-                          <a:r>
-                            <a:rPr lang="en-US" dirty="0"/>
-                            <a:t>Standardized Residual</a:t>
-                          </a:r>
-                        </a:p>
-                      </a:txBody>
-                      <a:tcPr>
-                        <a:solidFill>
-                          <a:srgbClr val="FFC416"/>
-                        </a:solidFill>
-                      </a:tcPr>
-                    </a:tc>
-                    <a:tc>
-                      <a:txBody>
-                        <a:bodyPr/>
-                        <a:lstStyle/>
-                        <a:p>
-                          <a:r>
-                            <a:rPr lang="en-US" dirty="0"/>
-                            <a:t>Beyond </a:t>
-                          </a:r>
-                          <a14:m>
-                            <m:oMath xmlns:m="http://schemas.openxmlformats.org/officeDocument/2006/math">
-                              <m:r>
-                                <a:rPr lang="en-US" b="0" i="1" smtClean="0">
-                                  <a:latin typeface="Cambria Math" panose="02040503050406030204" pitchFamily="18" charset="0"/>
-                                </a:rPr>
-                                <m:t>±2</m:t>
-                              </m:r>
-                            </m:oMath>
-                          </a14:m>
-                          <a:endParaRPr lang="en-US" dirty="0"/>
-                        </a:p>
-                      </a:txBody>
-                      <a:tcPr>
-                        <a:solidFill>
-                          <a:srgbClr val="FFC416"/>
-                        </a:solidFill>
-                      </a:tcPr>
-                    </a:tc>
-                    <a:tc>
-                      <a:txBody>
-                        <a:bodyPr/>
-                        <a:lstStyle/>
-                        <a:p>
-                          <a:pPr marL="0" marR="0" lvl="0" indent="0" algn="l" defTabSz="914400" rtl="0" eaLnBrk="1" fontAlgn="auto" latinLnBrk="0" hangingPunct="1">
-                            <a:lnSpc>
-                              <a:spcPct val="100000"/>
-                            </a:lnSpc>
-                            <a:spcBef>
-                              <a:spcPts val="0"/>
-                            </a:spcBef>
-                            <a:spcAft>
-                              <a:spcPts val="0"/>
-                            </a:spcAft>
-                            <a:buClrTx/>
-                            <a:buSzTx/>
-                            <a:buFontTx/>
-                            <a:buNone/>
-                            <a:tabLst/>
-                            <a:defRPr/>
-                          </a:pPr>
-                          <a:r>
-                            <a:rPr lang="en-US" dirty="0"/>
-                            <a:t>Beyond </a:t>
-                          </a:r>
-                          <a14:m>
-                            <m:oMath xmlns:m="http://schemas.openxmlformats.org/officeDocument/2006/math">
-                              <m:r>
-                                <a:rPr lang="en-US" b="0" i="1" smtClean="0">
-                                  <a:latin typeface="Cambria Math" panose="02040503050406030204" pitchFamily="18" charset="0"/>
-                                </a:rPr>
-                                <m:t>±3</m:t>
-                              </m:r>
-                            </m:oMath>
-                          </a14:m>
-                          <a:endParaRPr lang="en-US" dirty="0"/>
-                        </a:p>
-                      </a:txBody>
-                      <a:tcPr>
-                        <a:solidFill>
-                          <a:srgbClr val="FFC416"/>
-                        </a:solidFill>
-                      </a:tcPr>
-                    </a:tc>
-                    <a:extLst>
-                      <a:ext uri="{0D108BD9-81ED-4DB2-BD59-A6C34878D82A}">
-                        <a16:rowId xmlns:a16="http://schemas.microsoft.com/office/drawing/2014/main" val="3943821309"/>
-                      </a:ext>
-                    </a:extLst>
-                  </a:tr>
-                  <a:tr h="370840">
-                    <a:tc>
-                      <a:txBody>
-                        <a:bodyPr/>
-                        <a:lstStyle/>
-                        <a:p>
-                          <a:r>
-                            <a:rPr lang="en-US" dirty="0"/>
-                            <a:t>Studentized Residual</a:t>
-                          </a:r>
-                        </a:p>
-                      </a:txBody>
-                      <a:tcPr>
-                        <a:solidFill>
-                          <a:srgbClr val="FFC416"/>
-                        </a:solidFill>
-                      </a:tcPr>
-                    </a:tc>
-                    <a:tc>
-                      <a:txBody>
-                        <a:bodyPr/>
-                        <a:lstStyle/>
-                        <a:p>
-                          <a:pPr marL="0" marR="0" lvl="0" indent="0" algn="l" defTabSz="914400" rtl="0" eaLnBrk="1" fontAlgn="auto" latinLnBrk="0" hangingPunct="1">
-                            <a:lnSpc>
-                              <a:spcPct val="100000"/>
-                            </a:lnSpc>
-                            <a:spcBef>
-                              <a:spcPts val="0"/>
-                            </a:spcBef>
-                            <a:spcAft>
-                              <a:spcPts val="0"/>
-                            </a:spcAft>
-                            <a:buClrTx/>
-                            <a:buSzTx/>
-                            <a:buFontTx/>
-                            <a:buNone/>
-                            <a:tabLst/>
-                            <a:defRPr/>
-                          </a:pPr>
-                          <a:r>
-                            <a:rPr lang="en-US" dirty="0"/>
-                            <a:t>Beyond </a:t>
-                          </a:r>
-                          <a14:m>
-                            <m:oMath xmlns:m="http://schemas.openxmlformats.org/officeDocument/2006/math">
-                              <m:r>
-                                <a:rPr lang="en-US" b="0" i="1" smtClean="0">
-                                  <a:latin typeface="Cambria Math" panose="02040503050406030204" pitchFamily="18" charset="0"/>
-                                </a:rPr>
-                                <m:t>±2</m:t>
-                              </m:r>
-                            </m:oMath>
-                          </a14:m>
-                          <a:endParaRPr lang="en-US" dirty="0"/>
-                        </a:p>
-                      </a:txBody>
-                      <a:tcPr>
-                        <a:solidFill>
-                          <a:srgbClr val="FFC416"/>
-                        </a:solidFill>
-                      </a:tcPr>
-                    </a:tc>
-                    <a:tc>
-                      <a:txBody>
-                        <a:bodyPr/>
-                        <a:lstStyle/>
-                        <a:p>
-                          <a:pPr marL="0" marR="0" lvl="0" indent="0" algn="l" defTabSz="914400" rtl="0" eaLnBrk="1" fontAlgn="auto" latinLnBrk="0" hangingPunct="1">
-                            <a:lnSpc>
-                              <a:spcPct val="100000"/>
-                            </a:lnSpc>
-                            <a:spcBef>
-                              <a:spcPts val="0"/>
-                            </a:spcBef>
-                            <a:spcAft>
-                              <a:spcPts val="0"/>
-                            </a:spcAft>
-                            <a:buClrTx/>
-                            <a:buSzTx/>
-                            <a:buFontTx/>
-                            <a:buNone/>
-                            <a:tabLst/>
-                            <a:defRPr/>
-                          </a:pPr>
-                          <a:r>
-                            <a:rPr lang="en-US" dirty="0"/>
-                            <a:t>Beyond </a:t>
-                          </a:r>
-                          <a14:m>
-                            <m:oMath xmlns:m="http://schemas.openxmlformats.org/officeDocument/2006/math">
-                              <m:r>
-                                <a:rPr lang="en-US" b="0" i="1" smtClean="0">
-                                  <a:latin typeface="Cambria Math" panose="02040503050406030204" pitchFamily="18" charset="0"/>
-                                </a:rPr>
-                                <m:t>±3</m:t>
-                              </m:r>
-                            </m:oMath>
-                          </a14:m>
-                          <a:endParaRPr lang="en-US" dirty="0"/>
-                        </a:p>
-                      </a:txBody>
-                      <a:tcPr>
-                        <a:solidFill>
-                          <a:srgbClr val="FFC416"/>
-                        </a:solidFill>
-                      </a:tcPr>
-                    </a:tc>
-                    <a:extLst>
-                      <a:ext uri="{0D108BD9-81ED-4DB2-BD59-A6C34878D82A}">
-                        <a16:rowId xmlns:a16="http://schemas.microsoft.com/office/drawing/2014/main" val="3111781839"/>
-                      </a:ext>
-                    </a:extLst>
-                  </a:tr>
-                  <a:tr h="370840">
-                    <a:tc>
-                      <a:txBody>
-                        <a:bodyPr/>
-                        <a:lstStyle/>
-                        <a:p>
-                          <a:r>
-                            <a:rPr lang="en-US" dirty="0"/>
-                            <a:t>Cook’s D</a:t>
-                          </a:r>
-                        </a:p>
-                      </a:txBody>
-                      <a:tcPr>
-                        <a:solidFill>
-                          <a:srgbClr val="FFC416"/>
-                        </a:solidFill>
-                      </a:tcPr>
-                    </a:tc>
-                    <a:tc>
-                      <a:txBody>
-                        <a:bodyPr/>
-                        <a:lstStyle/>
-                        <a:p>
-                          <a:r>
-                            <a:rPr lang="en-US" dirty="0"/>
-                            <a:t>Above 0.5</a:t>
-                          </a:r>
-                        </a:p>
-                      </a:txBody>
-                      <a:tcPr>
-                        <a:solidFill>
-                          <a:srgbClr val="FFC416"/>
-                        </a:solidFill>
-                      </a:tcPr>
-                    </a:tc>
-                    <a:tc>
-                      <a:txBody>
-                        <a:bodyPr/>
-                        <a:lstStyle/>
-                        <a:p>
-                          <a:r>
-                            <a:rPr lang="en-US" dirty="0"/>
-                            <a:t>Above 1</a:t>
-                          </a:r>
-                        </a:p>
-                      </a:txBody>
-                      <a:tcPr>
-                        <a:solidFill>
-                          <a:srgbClr val="FFC416"/>
-                        </a:solidFill>
-                      </a:tcPr>
-                    </a:tc>
-                    <a:extLst>
-                      <a:ext uri="{0D108BD9-81ED-4DB2-BD59-A6C34878D82A}">
-                        <a16:rowId xmlns:a16="http://schemas.microsoft.com/office/drawing/2014/main" val="1850526099"/>
-                      </a:ext>
-                    </a:extLst>
-                  </a:tr>
-                </a:tbl>
-              </a:graphicData>
-            </a:graphic>
-          </p:graphicFrame>
-        </mc:Choice>
-        <mc:Fallback xmlns="">
-          <p:graphicFrame>
-            <p:nvGraphicFramePr>
-              <p:cNvPr id="4" name="Table 4">
-                <a:extLst>
-                  <a:ext uri="{FF2B5EF4-FFF2-40B4-BE49-F238E27FC236}">
-                    <a16:creationId xmlns:a16="http://schemas.microsoft.com/office/drawing/2014/main" id="{B61F45BD-C460-4948-02B0-A43EB8367611}"/>
-                  </a:ext>
-                </a:extLst>
-              </p:cNvPr>
-              <p:cNvGraphicFramePr>
-                <a:graphicFrameLocks noGrp="1"/>
-              </p:cNvGraphicFramePr>
-              <p:nvPr>
-                <p:extLst>
-                  <p:ext uri="{D42A27DB-BD31-4B8C-83A1-F6EECF244321}">
-                    <p14:modId xmlns:p14="http://schemas.microsoft.com/office/powerpoint/2010/main" val="325847905"/>
-                  </p:ext>
-                </p:extLst>
-              </p:nvPr>
-            </p:nvGraphicFramePr>
-            <p:xfrm>
-              <a:off x="2032000" y="4648200"/>
-              <a:ext cx="8127999" cy="1849120"/>
-            </p:xfrm>
-            <a:graphic>
-              <a:graphicData uri="http://schemas.openxmlformats.org/drawingml/2006/table">
-                <a:tbl>
-                  <a:tblPr firstRow="1" bandRow="1">
-                    <a:tableStyleId>{5C22544A-7EE6-4342-B048-85BDC9FD1C3A}</a:tableStyleId>
-                  </a:tblPr>
-                  <a:tblGrid>
-                    <a:gridCol w="2709333">
-                      <a:extLst>
-                        <a:ext uri="{9D8B030D-6E8A-4147-A177-3AD203B41FA5}">
-                          <a16:colId xmlns:a16="http://schemas.microsoft.com/office/drawing/2014/main" val="338470458"/>
-                        </a:ext>
-                      </a:extLst>
-                    </a:gridCol>
-                    <a:gridCol w="2709333">
-                      <a:extLst>
-                        <a:ext uri="{9D8B030D-6E8A-4147-A177-3AD203B41FA5}">
-                          <a16:colId xmlns:a16="http://schemas.microsoft.com/office/drawing/2014/main" val="227772161"/>
-                        </a:ext>
-                      </a:extLst>
-                    </a:gridCol>
-                    <a:gridCol w="2709333">
-                      <a:extLst>
-                        <a:ext uri="{9D8B030D-6E8A-4147-A177-3AD203B41FA5}">
-                          <a16:colId xmlns:a16="http://schemas.microsoft.com/office/drawing/2014/main" val="1255326563"/>
-                        </a:ext>
-                      </a:extLst>
-                    </a:gridCol>
-                  </a:tblGrid>
-                  <a:tr h="370840">
-                    <a:tc>
-                      <a:txBody>
-                        <a:bodyPr/>
-                        <a:lstStyle/>
-                        <a:p>
-                          <a:r>
-                            <a:rPr lang="en-US" dirty="0"/>
-                            <a:t>Statistic</a:t>
-                          </a:r>
-                        </a:p>
-                      </a:txBody>
-                      <a:tcPr>
-                        <a:solidFill>
-                          <a:srgbClr val="660066"/>
-                        </a:solidFill>
-                      </a:tcPr>
-                    </a:tc>
-                    <a:tc>
-                      <a:txBody>
-                        <a:bodyPr/>
-                        <a:lstStyle/>
-                        <a:p>
-                          <a:r>
-                            <a:rPr lang="en-US" dirty="0"/>
-                            <a:t>Moderately Unusual</a:t>
-                          </a:r>
-                        </a:p>
-                      </a:txBody>
-                      <a:tcPr>
-                        <a:solidFill>
-                          <a:srgbClr val="660066"/>
-                        </a:solidFill>
-                      </a:tcPr>
-                    </a:tc>
-                    <a:tc>
-                      <a:txBody>
-                        <a:bodyPr/>
-                        <a:lstStyle/>
-                        <a:p>
-                          <a:r>
-                            <a:rPr lang="en-US" dirty="0"/>
-                            <a:t>Very Unusual</a:t>
-                          </a:r>
-                        </a:p>
-                      </a:txBody>
-                      <a:tcPr>
-                        <a:solidFill>
-                          <a:srgbClr val="660066"/>
-                        </a:solidFill>
-                      </a:tcPr>
-                    </a:tc>
-                    <a:extLst>
-                      <a:ext uri="{0D108BD9-81ED-4DB2-BD59-A6C34878D82A}">
-                        <a16:rowId xmlns:a16="http://schemas.microsoft.com/office/drawing/2014/main" val="3257950970"/>
-                      </a:ext>
-                    </a:extLst>
-                  </a:tr>
-                  <a:tr h="365760">
-                    <a:tc>
-                      <a:txBody>
-                        <a:bodyPr/>
-                        <a:lstStyle/>
-                        <a:p>
-                          <a:r>
-                            <a:rPr lang="en-US" dirty="0"/>
-                            <a:t>Leverage</a:t>
-                          </a:r>
-                        </a:p>
-                      </a:txBody>
-                      <a:tcPr>
-                        <a:solidFill>
-                          <a:srgbClr val="FFC416"/>
-                        </a:solidFill>
-                      </a:tcPr>
-                    </a:tc>
-                    <a:tc>
-                      <a:txBody>
-                        <a:bodyPr/>
-                        <a:lstStyle/>
-                        <a:p>
-                          <a:endParaRPr lang="en-US"/>
-                        </a:p>
-                      </a:txBody>
-                      <a:tcPr>
-                        <a:blipFill>
-                          <a:blip r:embed="rId3"/>
-                          <a:stretch>
-                            <a:fillRect l="-100450" t="-120000" r="-101126" b="-330000"/>
-                          </a:stretch>
-                        </a:blipFill>
-                      </a:tcPr>
-                    </a:tc>
-                    <a:tc>
-                      <a:txBody>
-                        <a:bodyPr/>
-                        <a:lstStyle/>
-                        <a:p>
-                          <a:endParaRPr lang="en-US"/>
-                        </a:p>
-                      </a:txBody>
-                      <a:tcPr>
-                        <a:blipFill>
-                          <a:blip r:embed="rId3"/>
-                          <a:stretch>
-                            <a:fillRect l="-200000" t="-120000" r="-899" b="-330000"/>
-                          </a:stretch>
-                        </a:blipFill>
-                      </a:tcPr>
-                    </a:tc>
-                    <a:extLst>
-                      <a:ext uri="{0D108BD9-81ED-4DB2-BD59-A6C34878D82A}">
-                        <a16:rowId xmlns:a16="http://schemas.microsoft.com/office/drawing/2014/main" val="1927814422"/>
-                      </a:ext>
-                    </a:extLst>
-                  </a:tr>
-                  <a:tr h="370840">
-                    <a:tc>
-                      <a:txBody>
-                        <a:bodyPr/>
-                        <a:lstStyle/>
-                        <a:p>
-                          <a:r>
-                            <a:rPr lang="en-US" dirty="0"/>
-                            <a:t>Standardized Residual</a:t>
-                          </a:r>
-                        </a:p>
-                      </a:txBody>
-                      <a:tcPr>
-                        <a:solidFill>
-                          <a:srgbClr val="FFC416"/>
-                        </a:solidFill>
-                      </a:tcPr>
-                    </a:tc>
-                    <a:tc>
-                      <a:txBody>
-                        <a:bodyPr/>
-                        <a:lstStyle/>
-                        <a:p>
-                          <a:endParaRPr lang="en-US"/>
-                        </a:p>
-                      </a:txBody>
-                      <a:tcPr>
-                        <a:blipFill>
-                          <a:blip r:embed="rId3"/>
-                          <a:stretch>
-                            <a:fillRect l="-100450" t="-216393" r="-101126" b="-224590"/>
-                          </a:stretch>
-                        </a:blipFill>
-                      </a:tcPr>
-                    </a:tc>
-                    <a:tc>
-                      <a:txBody>
-                        <a:bodyPr/>
-                        <a:lstStyle/>
-                        <a:p>
-                          <a:endParaRPr lang="en-US"/>
-                        </a:p>
-                      </a:txBody>
-                      <a:tcPr>
-                        <a:blipFill>
-                          <a:blip r:embed="rId3"/>
-                          <a:stretch>
-                            <a:fillRect l="-200000" t="-216393" r="-899" b="-224590"/>
-                          </a:stretch>
-                        </a:blipFill>
-                      </a:tcPr>
-                    </a:tc>
-                    <a:extLst>
-                      <a:ext uri="{0D108BD9-81ED-4DB2-BD59-A6C34878D82A}">
-                        <a16:rowId xmlns:a16="http://schemas.microsoft.com/office/drawing/2014/main" val="3943821309"/>
-                      </a:ext>
-                    </a:extLst>
-                  </a:tr>
-                  <a:tr h="370840">
-                    <a:tc>
-                      <a:txBody>
-                        <a:bodyPr/>
-                        <a:lstStyle/>
-                        <a:p>
-                          <a:r>
-                            <a:rPr lang="en-US" dirty="0"/>
-                            <a:t>Studentized Residual</a:t>
-                          </a:r>
-                        </a:p>
-                      </a:txBody>
-                      <a:tcPr>
-                        <a:solidFill>
-                          <a:srgbClr val="FFC416"/>
-                        </a:solidFill>
-                      </a:tcPr>
-                    </a:tc>
-                    <a:tc>
-                      <a:txBody>
-                        <a:bodyPr/>
-                        <a:lstStyle/>
-                        <a:p>
-                          <a:endParaRPr lang="en-US"/>
-                        </a:p>
-                      </a:txBody>
-                      <a:tcPr>
-                        <a:blipFill>
-                          <a:blip r:embed="rId3"/>
-                          <a:stretch>
-                            <a:fillRect l="-100450" t="-316393" r="-101126" b="-124590"/>
-                          </a:stretch>
-                        </a:blipFill>
-                      </a:tcPr>
-                    </a:tc>
-                    <a:tc>
-                      <a:txBody>
-                        <a:bodyPr/>
-                        <a:lstStyle/>
-                        <a:p>
-                          <a:endParaRPr lang="en-US"/>
-                        </a:p>
-                      </a:txBody>
-                      <a:tcPr>
-                        <a:blipFill>
-                          <a:blip r:embed="rId3"/>
-                          <a:stretch>
-                            <a:fillRect l="-200000" t="-316393" r="-899" b="-124590"/>
-                          </a:stretch>
-                        </a:blipFill>
-                      </a:tcPr>
-                    </a:tc>
-                    <a:extLst>
-                      <a:ext uri="{0D108BD9-81ED-4DB2-BD59-A6C34878D82A}">
-                        <a16:rowId xmlns:a16="http://schemas.microsoft.com/office/drawing/2014/main" val="3111781839"/>
-                      </a:ext>
-                    </a:extLst>
-                  </a:tr>
-                  <a:tr h="370840">
-                    <a:tc>
-                      <a:txBody>
-                        <a:bodyPr/>
-                        <a:lstStyle/>
-                        <a:p>
-                          <a:r>
-                            <a:rPr lang="en-US" dirty="0"/>
-                            <a:t>Cook’s D</a:t>
-                          </a:r>
-                        </a:p>
-                      </a:txBody>
-                      <a:tcPr>
-                        <a:solidFill>
-                          <a:srgbClr val="FFC416"/>
-                        </a:solidFill>
-                      </a:tcPr>
-                    </a:tc>
-                    <a:tc>
-                      <a:txBody>
-                        <a:bodyPr/>
-                        <a:lstStyle/>
-                        <a:p>
-                          <a:r>
-                            <a:rPr lang="en-US" dirty="0"/>
-                            <a:t>Above 0.5</a:t>
-                          </a:r>
-                        </a:p>
-                      </a:txBody>
-                      <a:tcPr>
-                        <a:solidFill>
-                          <a:srgbClr val="FFC416"/>
-                        </a:solidFill>
-                      </a:tcPr>
-                    </a:tc>
-                    <a:tc>
-                      <a:txBody>
-                        <a:bodyPr/>
-                        <a:lstStyle/>
-                        <a:p>
-                          <a:r>
-                            <a:rPr lang="en-US" dirty="0"/>
-                            <a:t>Above 1</a:t>
-                          </a:r>
-                        </a:p>
-                      </a:txBody>
-                      <a:tcPr>
-                        <a:solidFill>
-                          <a:srgbClr val="FFC416"/>
-                        </a:solidFill>
-                      </a:tcPr>
-                    </a:tc>
-                    <a:extLst>
-                      <a:ext uri="{0D108BD9-81ED-4DB2-BD59-A6C34878D82A}">
-                        <a16:rowId xmlns:a16="http://schemas.microsoft.com/office/drawing/2014/main" val="1850526099"/>
-                      </a:ext>
-                    </a:extLst>
-                  </a:tr>
-                </a:tbl>
-              </a:graphicData>
-            </a:graphic>
-          </p:graphicFrame>
-        </mc:Fallback>
-      </mc:AlternateContent>
-    </p:spTree>
-    <p:extLst>
-      <p:ext uri="{BB962C8B-B14F-4D97-AF65-F5344CB8AC3E}">
-        <p14:creationId xmlns:p14="http://schemas.microsoft.com/office/powerpoint/2010/main" val="3129017294"/>
-      </p:ext>
-    </p:extLst>
-  </p:cSld>
-  <p:clrMapOvr>
-    <a:masterClrMapping/>
-  </p:clrMapOvr>
-</p:sld>
-</file>
-
-<file path=ppt/slides/slide13.xml><?xml version="1.0" encoding="utf-8"?>
-<p:sld xmlns:a="http://schemas.openxmlformats.org/drawingml/2006/main" xmlns:r="http://schemas.openxmlformats.org/officeDocument/2006/relationships" xmlns:p="http://schemas.openxmlformats.org/presentationml/2006/main">
-  <p:cSld>
-    <p:spTree>
-      <p:nvGrpSpPr>
-        <p:cNvPr id="1" name=""/>
-        <p:cNvGrpSpPr/>
-        <p:nvPr/>
-      </p:nvGrpSpPr>
-      <p:grpSpPr>
-        <a:xfrm>
-          <a:off x="0" y="0"/>
-          <a:ext cx="0" cy="0"/>
-          <a:chOff x="0" y="0"/>
-          <a:chExt cx="0" cy="0"/>
-        </a:xfrm>
-      </p:grpSpPr>
-      <p:pic>
-        <p:nvPicPr>
-          <p:cNvPr id="2" name="Picture 10" descr="Mario Pattern">
-            <a:extLst>
-              <a:ext uri="{FF2B5EF4-FFF2-40B4-BE49-F238E27FC236}">
-                <a16:creationId xmlns:a16="http://schemas.microsoft.com/office/drawing/2014/main" id="{8F84FFD9-23AF-75F7-6DAA-904525952142}"/>
-              </a:ext>
-            </a:extLst>
-          </p:cNvPr>
-          <p:cNvPicPr>
-            <a:picLocks noChangeAspect="1" noChangeArrowheads="1"/>
-          </p:cNvPicPr>
-          <p:nvPr/>
-        </p:nvPicPr>
-        <p:blipFill rotWithShape="1">
-          <a:blip r:embed="rId2">
-            <a:alphaModFix amt="47000"/>
-            <a:extLst>
-              <a:ext uri="{28A0092B-C50C-407E-A947-70E740481C1C}">
-                <a14:useLocalDpi xmlns:a14="http://schemas.microsoft.com/office/drawing/2010/main" val="0"/>
-              </a:ext>
-            </a:extLst>
-          </a:blip>
-          <a:srcRect l="4595" r="6699"/>
-          <a:stretch/>
-        </p:blipFill>
-        <p:spPr bwMode="auto">
-          <a:xfrm>
-            <a:off x="0" y="-2057400"/>
-            <a:ext cx="12192000" cy="10308201"/>
-          </a:xfrm>
-          <a:prstGeom prst="rect">
-            <a:avLst/>
-          </a:prstGeom>
-          <a:noFill/>
-          <a:extLst>
-            <a:ext uri="{909E8E84-426E-40DD-AFC4-6F175D3DCCD1}">
-              <a14:hiddenFill xmlns:a14="http://schemas.microsoft.com/office/drawing/2010/main">
-                <a:solidFill>
-                  <a:srgbClr val="FFFFFF"/>
-                </a:solidFill>
-              </a14:hiddenFill>
-            </a:ext>
-          </a:extLst>
-        </p:spPr>
-      </p:pic>
-      <p:sp>
-        <p:nvSpPr>
-          <p:cNvPr id="12" name="Line 11"/>
-          <p:cNvSpPr>
-            <a:spLocks noChangeShapeType="1"/>
-          </p:cNvSpPr>
-          <p:nvPr/>
-        </p:nvSpPr>
-        <p:spPr bwMode="auto">
-          <a:xfrm flipV="1">
-            <a:off x="6972300" y="5109836"/>
-            <a:ext cx="609600" cy="533400"/>
-          </a:xfrm>
-          <a:prstGeom prst="line">
-            <a:avLst/>
-          </a:prstGeom>
-          <a:noFill/>
-          <a:ln w="38100">
-            <a:solidFill>
-              <a:srgbClr val="FFFF66"/>
-            </a:solidFill>
-            <a:round/>
-            <a:headEnd/>
-            <a:tailEnd type="triangle" w="med" len="med"/>
-          </a:ln>
-          <a:extLst>
-            <a:ext uri="{909E8E84-426E-40DD-AFC4-6F175D3DCCD1}">
-              <a14:hiddenFill xmlns:a14="http://schemas.microsoft.com/office/drawing/2010/main">
-                <a:noFill/>
-              </a14:hiddenFill>
-            </a:ext>
-          </a:extLst>
-        </p:spPr>
-        <p:txBody>
-          <a:bodyPr wrap="square">
-            <a:spAutoFit/>
-          </a:bodyPr>
-          <a:lstStyle/>
-          <a:p>
-            <a:endParaRPr lang="en-US"/>
-          </a:p>
-        </p:txBody>
-      </p:sp>
-      <p:sp>
-        <p:nvSpPr>
-          <p:cNvPr id="6" name="TextBox 5">
-            <a:extLst>
-              <a:ext uri="{FF2B5EF4-FFF2-40B4-BE49-F238E27FC236}">
-                <a16:creationId xmlns:a16="http://schemas.microsoft.com/office/drawing/2014/main" id="{4F2DA592-D8EB-70BA-2112-6C13A4E7B393}"/>
-              </a:ext>
-            </a:extLst>
-          </p:cNvPr>
-          <p:cNvSpPr txBox="1"/>
-          <p:nvPr/>
-        </p:nvSpPr>
-        <p:spPr>
-          <a:xfrm>
-            <a:off x="495300" y="606817"/>
-            <a:ext cx="11201400" cy="919401"/>
-          </a:xfrm>
-          <a:prstGeom prst="roundRect">
-            <a:avLst/>
-          </a:prstGeom>
-          <a:solidFill>
-            <a:schemeClr val="bg1">
-              <a:alpha val="70000"/>
-            </a:schemeClr>
-          </a:solidFill>
-          <a:ln w="76200">
-            <a:solidFill>
-              <a:srgbClr val="FFC416"/>
-            </a:solidFill>
-          </a:ln>
-        </p:spPr>
-        <p:style>
-          <a:lnRef idx="2">
-            <a:schemeClr val="dk1"/>
-          </a:lnRef>
-          <a:fillRef idx="1">
-            <a:schemeClr val="lt1"/>
-          </a:fillRef>
-          <a:effectRef idx="0">
-            <a:schemeClr val="dk1"/>
-          </a:effectRef>
-          <a:fontRef idx="minor">
-            <a:schemeClr val="dk1"/>
-          </a:fontRef>
-        </p:style>
-        <p:txBody>
-          <a:bodyPr wrap="square" rtlCol="0">
-            <a:spAutoFit/>
-          </a:bodyPr>
-          <a:lstStyle/>
-          <a:p>
-            <a:pPr algn="ctr"/>
-            <a:r>
-              <a:rPr lang="en-US" sz="4800" b="1" dirty="0">
-                <a:solidFill>
-                  <a:srgbClr val="2D3A37"/>
-                </a:solidFill>
-                <a:effectLst/>
-                <a:latin typeface="Adobe Devanagari" panose="02040503050201020203" pitchFamily="18" charset="0"/>
-                <a:cs typeface="Adobe Devanagari" panose="02040503050201020203" pitchFamily="18" charset="0"/>
-              </a:rPr>
-              <a:t>Example: Butterfly Ballots</a:t>
-            </a:r>
-            <a:endParaRPr lang="en-US" sz="4800" dirty="0">
-              <a:solidFill>
-                <a:srgbClr val="2D3A37"/>
-              </a:solidFill>
-            </a:endParaRPr>
-          </a:p>
-        </p:txBody>
-      </p:sp>
-      <p:sp>
-        <p:nvSpPr>
-          <p:cNvPr id="7" name="TextBox 6">
-            <a:extLst>
-              <a:ext uri="{FF2B5EF4-FFF2-40B4-BE49-F238E27FC236}">
-                <a16:creationId xmlns:a16="http://schemas.microsoft.com/office/drawing/2014/main" id="{D9B238EA-D04E-3255-7509-F990F1A8F309}"/>
-              </a:ext>
-            </a:extLst>
-          </p:cNvPr>
-          <p:cNvSpPr txBox="1"/>
-          <p:nvPr/>
-        </p:nvSpPr>
-        <p:spPr>
-          <a:xfrm>
-            <a:off x="495300" y="1974467"/>
-            <a:ext cx="11201400" cy="4665107"/>
-          </a:xfrm>
-          <a:prstGeom prst="roundRect">
-            <a:avLst/>
-          </a:prstGeom>
-          <a:solidFill>
-            <a:schemeClr val="bg1"/>
-          </a:solidFill>
-          <a:ln w="76200">
-            <a:solidFill>
-              <a:srgbClr val="FFC416"/>
-            </a:solidFill>
-          </a:ln>
-        </p:spPr>
-        <p:style>
-          <a:lnRef idx="2">
-            <a:schemeClr val="dk1"/>
-          </a:lnRef>
-          <a:fillRef idx="1">
-            <a:schemeClr val="lt1"/>
-          </a:fillRef>
-          <a:effectRef idx="0">
-            <a:schemeClr val="dk1"/>
-          </a:effectRef>
-          <a:fontRef idx="minor">
-            <a:schemeClr val="dk1"/>
-          </a:fontRef>
-        </p:style>
-        <p:txBody>
-          <a:bodyPr wrap="square" rtlCol="0">
-            <a:spAutoFit/>
-          </a:bodyPr>
-          <a:lstStyle/>
-          <a:p>
-            <a:pPr marL="914400" lvl="1" indent="-457200">
-              <a:buFont typeface="Arial" panose="020B0604020202020204" pitchFamily="34" charset="0"/>
-              <a:buChar char="•"/>
-            </a:pPr>
-            <a:endParaRPr lang="en-US" sz="2400" b="1" dirty="0">
-              <a:solidFill>
-                <a:srgbClr val="660066"/>
-              </a:solidFill>
-            </a:endParaRPr>
-          </a:p>
-          <a:p>
-            <a:pPr marL="914400" lvl="1" indent="-457200">
-              <a:buFont typeface="Arial" panose="020B0604020202020204" pitchFamily="34" charset="0"/>
-              <a:buChar char="•"/>
-            </a:pPr>
-            <a:endParaRPr lang="en-US" sz="2400" b="1" dirty="0">
-              <a:solidFill>
-                <a:srgbClr val="660066"/>
-              </a:solidFill>
-            </a:endParaRPr>
-          </a:p>
-          <a:p>
-            <a:pPr marL="914400" lvl="1" indent="-457200">
-              <a:buFont typeface="Arial" panose="020B0604020202020204" pitchFamily="34" charset="0"/>
-              <a:buChar char="•"/>
-            </a:pPr>
-            <a:endParaRPr lang="en-US" sz="2400" b="1" dirty="0">
-              <a:solidFill>
-                <a:srgbClr val="660066"/>
-              </a:solidFill>
-            </a:endParaRPr>
-          </a:p>
-          <a:p>
-            <a:pPr marL="914400" lvl="1" indent="-457200">
-              <a:buFont typeface="Arial" panose="020B0604020202020204" pitchFamily="34" charset="0"/>
-              <a:buChar char="•"/>
-            </a:pPr>
-            <a:endParaRPr lang="en-US" sz="2400" b="1" dirty="0">
-              <a:solidFill>
-                <a:srgbClr val="660066"/>
-              </a:solidFill>
-            </a:endParaRPr>
-          </a:p>
-          <a:p>
-            <a:pPr marL="914400" lvl="1" indent="-457200">
-              <a:buFont typeface="Arial" panose="020B0604020202020204" pitchFamily="34" charset="0"/>
-              <a:buChar char="•"/>
-            </a:pPr>
-            <a:endParaRPr lang="en-US" sz="2400" b="1" dirty="0">
-              <a:solidFill>
-                <a:srgbClr val="660066"/>
-              </a:solidFill>
-            </a:endParaRPr>
-          </a:p>
-          <a:p>
-            <a:pPr marL="914400" lvl="1" indent="-457200">
-              <a:buFont typeface="Arial" panose="020B0604020202020204" pitchFamily="34" charset="0"/>
-              <a:buChar char="•"/>
-            </a:pPr>
-            <a:endParaRPr lang="en-US" sz="2400" b="1" dirty="0">
-              <a:solidFill>
-                <a:srgbClr val="660066"/>
-              </a:solidFill>
-            </a:endParaRPr>
-          </a:p>
-          <a:p>
-            <a:pPr marL="914400" lvl="1" indent="-457200">
-              <a:buFont typeface="Arial" panose="020B0604020202020204" pitchFamily="34" charset="0"/>
-              <a:buChar char="•"/>
-            </a:pPr>
-            <a:endParaRPr lang="en-US" sz="2400" b="1" dirty="0">
-              <a:solidFill>
-                <a:srgbClr val="660066"/>
-              </a:solidFill>
-            </a:endParaRPr>
-          </a:p>
-          <a:p>
-            <a:pPr marL="914400" lvl="1" indent="-457200">
-              <a:buFont typeface="Arial" panose="020B0604020202020204" pitchFamily="34" charset="0"/>
-              <a:buChar char="•"/>
-            </a:pPr>
-            <a:endParaRPr lang="en-US" sz="2400" b="1" dirty="0">
-              <a:solidFill>
-                <a:srgbClr val="660066"/>
-              </a:solidFill>
-            </a:endParaRPr>
-          </a:p>
-          <a:p>
-            <a:pPr marL="914400" lvl="1" indent="-457200">
-              <a:buFont typeface="Arial" panose="020B0604020202020204" pitchFamily="34" charset="0"/>
-              <a:buChar char="•"/>
-            </a:pPr>
-            <a:endParaRPr lang="en-US" sz="2400" b="1" dirty="0">
-              <a:solidFill>
-                <a:srgbClr val="660066"/>
-              </a:solidFill>
-            </a:endParaRPr>
-          </a:p>
-          <a:p>
-            <a:pPr marL="914400" lvl="1" indent="-457200">
-              <a:buFont typeface="Arial" panose="020B0604020202020204" pitchFamily="34" charset="0"/>
-              <a:buChar char="•"/>
-            </a:pPr>
-            <a:endParaRPr lang="en-US" sz="2400" b="1" dirty="0">
-              <a:solidFill>
-                <a:srgbClr val="660066"/>
-              </a:solidFill>
-            </a:endParaRPr>
-          </a:p>
-          <a:p>
-            <a:pPr lvl="1"/>
-            <a:endParaRPr lang="en-US" sz="2800" b="1" dirty="0">
-              <a:solidFill>
-                <a:srgbClr val="660066"/>
-              </a:solidFill>
-            </a:endParaRPr>
-          </a:p>
-        </p:txBody>
-      </p:sp>
-      <p:pic>
-        <p:nvPicPr>
-          <p:cNvPr id="4" name="Picture 3">
-            <a:extLst>
-              <a:ext uri="{FF2B5EF4-FFF2-40B4-BE49-F238E27FC236}">
-                <a16:creationId xmlns:a16="http://schemas.microsoft.com/office/drawing/2014/main" id="{6C56F4FB-F9C6-0C8A-3A26-FD61D7330DBE}"/>
-              </a:ext>
-            </a:extLst>
-          </p:cNvPr>
-          <p:cNvPicPr>
-            <a:picLocks noChangeAspect="1"/>
-          </p:cNvPicPr>
-          <p:nvPr/>
-        </p:nvPicPr>
-        <p:blipFill>
-          <a:blip r:embed="rId3"/>
-          <a:stretch>
-            <a:fillRect/>
-          </a:stretch>
-        </p:blipFill>
-        <p:spPr>
-          <a:xfrm>
-            <a:off x="1790700" y="2057400"/>
-            <a:ext cx="8610600" cy="4487485"/>
-          </a:xfrm>
-          <a:prstGeom prst="rect">
-            <a:avLst/>
-          </a:prstGeom>
-          <a:ln w="28575">
-            <a:solidFill>
-              <a:srgbClr val="660066"/>
-            </a:solidFill>
-          </a:ln>
-        </p:spPr>
-      </p:pic>
-    </p:spTree>
-    <p:extLst>
-      <p:ext uri="{BB962C8B-B14F-4D97-AF65-F5344CB8AC3E}">
-        <p14:creationId xmlns:p14="http://schemas.microsoft.com/office/powerpoint/2010/main" val="13339191"/>
-      </p:ext>
-    </p:extLst>
-  </p:cSld>
-  <p:clrMapOvr>
-    <a:masterClrMapping/>
-  </p:clrMapOvr>
-</p:sld>
-</file>
-
-<file path=ppt/slides/slide14.xml><?xml version="1.0" encoding="utf-8"?>
-<p:sld xmlns:a="http://schemas.openxmlformats.org/drawingml/2006/main" xmlns:r="http://schemas.openxmlformats.org/officeDocument/2006/relationships" xmlns:p="http://schemas.openxmlformats.org/presentationml/2006/main">
-  <p:cSld>
-    <p:spTree>
-      <p:nvGrpSpPr>
-        <p:cNvPr id="1" name=""/>
-        <p:cNvGrpSpPr/>
-        <p:nvPr/>
-      </p:nvGrpSpPr>
-      <p:grpSpPr>
-        <a:xfrm>
-          <a:off x="0" y="0"/>
-          <a:ext cx="0" cy="0"/>
-          <a:chOff x="0" y="0"/>
-          <a:chExt cx="0" cy="0"/>
-        </a:xfrm>
-      </p:grpSpPr>
-      <p:pic>
-        <p:nvPicPr>
-          <p:cNvPr id="2" name="Picture 10" descr="Mario Pattern">
-            <a:extLst>
-              <a:ext uri="{FF2B5EF4-FFF2-40B4-BE49-F238E27FC236}">
-                <a16:creationId xmlns:a16="http://schemas.microsoft.com/office/drawing/2014/main" id="{8F84FFD9-23AF-75F7-6DAA-904525952142}"/>
-              </a:ext>
-            </a:extLst>
-          </p:cNvPr>
-          <p:cNvPicPr>
-            <a:picLocks noChangeAspect="1" noChangeArrowheads="1"/>
-          </p:cNvPicPr>
-          <p:nvPr/>
-        </p:nvPicPr>
-        <p:blipFill rotWithShape="1">
-          <a:blip r:embed="rId2">
-            <a:alphaModFix amt="47000"/>
-            <a:extLst>
-              <a:ext uri="{28A0092B-C50C-407E-A947-70E740481C1C}">
-                <a14:useLocalDpi xmlns:a14="http://schemas.microsoft.com/office/drawing/2010/main" val="0"/>
-              </a:ext>
-            </a:extLst>
-          </a:blip>
-          <a:srcRect l="4595" r="6699"/>
-          <a:stretch/>
-        </p:blipFill>
-        <p:spPr bwMode="auto">
-          <a:xfrm>
-            <a:off x="0" y="-2057400"/>
-            <a:ext cx="12192000" cy="10308201"/>
-          </a:xfrm>
-          <a:prstGeom prst="rect">
-            <a:avLst/>
-          </a:prstGeom>
-          <a:noFill/>
-          <a:extLst>
-            <a:ext uri="{909E8E84-426E-40DD-AFC4-6F175D3DCCD1}">
-              <a14:hiddenFill xmlns:a14="http://schemas.microsoft.com/office/drawing/2010/main">
-                <a:solidFill>
-                  <a:srgbClr val="FFFFFF"/>
-                </a:solidFill>
-              </a14:hiddenFill>
-            </a:ext>
-          </a:extLst>
-        </p:spPr>
-      </p:pic>
-      <p:sp>
-        <p:nvSpPr>
-          <p:cNvPr id="12" name="Line 11"/>
-          <p:cNvSpPr>
-            <a:spLocks noChangeShapeType="1"/>
-          </p:cNvSpPr>
-          <p:nvPr/>
-        </p:nvSpPr>
-        <p:spPr bwMode="auto">
-          <a:xfrm flipV="1">
-            <a:off x="6972300" y="5109836"/>
-            <a:ext cx="609600" cy="533400"/>
-          </a:xfrm>
-          <a:prstGeom prst="line">
-            <a:avLst/>
-          </a:prstGeom>
-          <a:noFill/>
-          <a:ln w="38100">
-            <a:solidFill>
-              <a:srgbClr val="FFFF66"/>
-            </a:solidFill>
-            <a:round/>
-            <a:headEnd/>
-            <a:tailEnd type="triangle" w="med" len="med"/>
-          </a:ln>
-          <a:extLst>
-            <a:ext uri="{909E8E84-426E-40DD-AFC4-6F175D3DCCD1}">
-              <a14:hiddenFill xmlns:a14="http://schemas.microsoft.com/office/drawing/2010/main">
-                <a:noFill/>
-              </a14:hiddenFill>
-            </a:ext>
-          </a:extLst>
-        </p:spPr>
-        <p:txBody>
-          <a:bodyPr wrap="square">
-            <a:spAutoFit/>
-          </a:bodyPr>
-          <a:lstStyle/>
-          <a:p>
-            <a:endParaRPr lang="en-US"/>
-          </a:p>
-        </p:txBody>
-      </p:sp>
-      <p:sp>
-        <p:nvSpPr>
-          <p:cNvPr id="6" name="TextBox 5">
-            <a:extLst>
-              <a:ext uri="{FF2B5EF4-FFF2-40B4-BE49-F238E27FC236}">
-                <a16:creationId xmlns:a16="http://schemas.microsoft.com/office/drawing/2014/main" id="{4F2DA592-D8EB-70BA-2112-6C13A4E7B393}"/>
-              </a:ext>
-            </a:extLst>
-          </p:cNvPr>
-          <p:cNvSpPr txBox="1"/>
-          <p:nvPr/>
-        </p:nvSpPr>
-        <p:spPr>
-          <a:xfrm>
-            <a:off x="495300" y="606817"/>
-            <a:ext cx="11201400" cy="919401"/>
-          </a:xfrm>
-          <a:prstGeom prst="roundRect">
-            <a:avLst/>
-          </a:prstGeom>
-          <a:solidFill>
-            <a:schemeClr val="bg1">
-              <a:alpha val="70000"/>
-            </a:schemeClr>
-          </a:solidFill>
-          <a:ln w="76200">
-            <a:solidFill>
-              <a:srgbClr val="FFC416"/>
-            </a:solidFill>
-          </a:ln>
-        </p:spPr>
-        <p:style>
-          <a:lnRef idx="2">
-            <a:schemeClr val="dk1"/>
-          </a:lnRef>
-          <a:fillRef idx="1">
-            <a:schemeClr val="lt1"/>
-          </a:fillRef>
-          <a:effectRef idx="0">
-            <a:schemeClr val="dk1"/>
-          </a:effectRef>
-          <a:fontRef idx="minor">
-            <a:schemeClr val="dk1"/>
-          </a:fontRef>
-        </p:style>
-        <p:txBody>
-          <a:bodyPr wrap="square" rtlCol="0">
-            <a:spAutoFit/>
-          </a:bodyPr>
-          <a:lstStyle/>
-          <a:p>
-            <a:pPr algn="ctr"/>
-            <a:r>
-              <a:rPr lang="en-US" sz="4800" b="1" dirty="0">
-                <a:solidFill>
-                  <a:srgbClr val="2D3A37"/>
-                </a:solidFill>
-                <a:effectLst/>
-                <a:latin typeface="Adobe Devanagari" panose="02040503050201020203" pitchFamily="18" charset="0"/>
-                <a:cs typeface="Adobe Devanagari" panose="02040503050201020203" pitchFamily="18" charset="0"/>
-              </a:rPr>
-              <a:t>Example: Butterfly Ballots</a:t>
-            </a:r>
-            <a:endParaRPr lang="en-US" sz="4800" dirty="0">
-              <a:solidFill>
-                <a:srgbClr val="2D3A37"/>
-              </a:solidFill>
-            </a:endParaRPr>
-          </a:p>
-        </p:txBody>
-      </p:sp>
-      <p:sp>
-        <p:nvSpPr>
-          <p:cNvPr id="7" name="TextBox 6">
-            <a:extLst>
-              <a:ext uri="{FF2B5EF4-FFF2-40B4-BE49-F238E27FC236}">
-                <a16:creationId xmlns:a16="http://schemas.microsoft.com/office/drawing/2014/main" id="{D9B238EA-D04E-3255-7509-F990F1A8F309}"/>
-              </a:ext>
-            </a:extLst>
-          </p:cNvPr>
-          <p:cNvSpPr txBox="1"/>
-          <p:nvPr/>
-        </p:nvSpPr>
-        <p:spPr>
-          <a:xfrm>
-            <a:off x="495300" y="1974467"/>
-            <a:ext cx="11201400" cy="4665107"/>
-          </a:xfrm>
-          <a:prstGeom prst="roundRect">
-            <a:avLst/>
-          </a:prstGeom>
-          <a:solidFill>
-            <a:schemeClr val="bg1"/>
-          </a:solidFill>
-          <a:ln w="76200">
-            <a:solidFill>
-              <a:srgbClr val="FFC416"/>
-            </a:solidFill>
-          </a:ln>
-        </p:spPr>
-        <p:style>
-          <a:lnRef idx="2">
-            <a:schemeClr val="dk1"/>
-          </a:lnRef>
-          <a:fillRef idx="1">
-            <a:schemeClr val="lt1"/>
-          </a:fillRef>
-          <a:effectRef idx="0">
-            <a:schemeClr val="dk1"/>
-          </a:effectRef>
-          <a:fontRef idx="minor">
-            <a:schemeClr val="dk1"/>
-          </a:fontRef>
-        </p:style>
-        <p:txBody>
-          <a:bodyPr wrap="square" rtlCol="0">
-            <a:spAutoFit/>
-          </a:bodyPr>
-          <a:lstStyle/>
-          <a:p>
-            <a:pPr marL="914400" lvl="1" indent="-457200">
-              <a:buFont typeface="Arial" panose="020B0604020202020204" pitchFamily="34" charset="0"/>
-              <a:buChar char="•"/>
-            </a:pPr>
-            <a:endParaRPr lang="en-US" sz="2400" b="1" dirty="0">
-              <a:solidFill>
-                <a:srgbClr val="660066"/>
-              </a:solidFill>
-            </a:endParaRPr>
-          </a:p>
-          <a:p>
-            <a:pPr marL="914400" lvl="1" indent="-457200">
-              <a:buFont typeface="Arial" panose="020B0604020202020204" pitchFamily="34" charset="0"/>
-              <a:buChar char="•"/>
-            </a:pPr>
-            <a:endParaRPr lang="en-US" sz="2400" b="1" dirty="0">
-              <a:solidFill>
-                <a:srgbClr val="660066"/>
-              </a:solidFill>
-            </a:endParaRPr>
-          </a:p>
-          <a:p>
-            <a:pPr marL="914400" lvl="1" indent="-457200">
-              <a:buFont typeface="Arial" panose="020B0604020202020204" pitchFamily="34" charset="0"/>
-              <a:buChar char="•"/>
-            </a:pPr>
-            <a:endParaRPr lang="en-US" sz="2400" b="1" dirty="0">
-              <a:solidFill>
-                <a:srgbClr val="660066"/>
-              </a:solidFill>
-            </a:endParaRPr>
-          </a:p>
-          <a:p>
-            <a:pPr marL="914400" lvl="1" indent="-457200">
-              <a:buFont typeface="Arial" panose="020B0604020202020204" pitchFamily="34" charset="0"/>
-              <a:buChar char="•"/>
-            </a:pPr>
-            <a:endParaRPr lang="en-US" sz="2400" b="1" dirty="0">
-              <a:solidFill>
-                <a:srgbClr val="660066"/>
-              </a:solidFill>
-            </a:endParaRPr>
-          </a:p>
-          <a:p>
-            <a:pPr marL="914400" lvl="1" indent="-457200">
-              <a:buFont typeface="Arial" panose="020B0604020202020204" pitchFamily="34" charset="0"/>
-              <a:buChar char="•"/>
-            </a:pPr>
-            <a:endParaRPr lang="en-US" sz="2400" b="1" dirty="0">
-              <a:solidFill>
-                <a:srgbClr val="660066"/>
-              </a:solidFill>
-            </a:endParaRPr>
-          </a:p>
-          <a:p>
-            <a:pPr marL="914400" lvl="1" indent="-457200">
-              <a:buFont typeface="Arial" panose="020B0604020202020204" pitchFamily="34" charset="0"/>
-              <a:buChar char="•"/>
-            </a:pPr>
-            <a:endParaRPr lang="en-US" sz="2400" b="1" dirty="0">
-              <a:solidFill>
-                <a:srgbClr val="660066"/>
-              </a:solidFill>
-            </a:endParaRPr>
-          </a:p>
-          <a:p>
-            <a:pPr marL="914400" lvl="1" indent="-457200">
-              <a:buFont typeface="Arial" panose="020B0604020202020204" pitchFamily="34" charset="0"/>
-              <a:buChar char="•"/>
-            </a:pPr>
-            <a:endParaRPr lang="en-US" sz="2400" b="1" dirty="0">
-              <a:solidFill>
-                <a:srgbClr val="660066"/>
-              </a:solidFill>
-            </a:endParaRPr>
-          </a:p>
-          <a:p>
-            <a:pPr marL="914400" lvl="1" indent="-457200">
-              <a:buFont typeface="Arial" panose="020B0604020202020204" pitchFamily="34" charset="0"/>
-              <a:buChar char="•"/>
-            </a:pPr>
-            <a:endParaRPr lang="en-US" sz="2400" b="1" dirty="0">
-              <a:solidFill>
-                <a:srgbClr val="660066"/>
-              </a:solidFill>
-            </a:endParaRPr>
-          </a:p>
-          <a:p>
-            <a:pPr marL="914400" lvl="1" indent="-457200">
-              <a:buFont typeface="Arial" panose="020B0604020202020204" pitchFamily="34" charset="0"/>
-              <a:buChar char="•"/>
-            </a:pPr>
-            <a:endParaRPr lang="en-US" sz="2400" b="1" dirty="0">
-              <a:solidFill>
-                <a:srgbClr val="660066"/>
-              </a:solidFill>
-            </a:endParaRPr>
-          </a:p>
-          <a:p>
-            <a:pPr marL="914400" lvl="1" indent="-457200">
-              <a:buFont typeface="Arial" panose="020B0604020202020204" pitchFamily="34" charset="0"/>
-              <a:buChar char="•"/>
-            </a:pPr>
-            <a:endParaRPr lang="en-US" sz="2400" b="1" dirty="0">
-              <a:solidFill>
-                <a:srgbClr val="660066"/>
-              </a:solidFill>
-            </a:endParaRPr>
-          </a:p>
-          <a:p>
-            <a:pPr lvl="1"/>
-            <a:endParaRPr lang="en-US" sz="2800" b="1" dirty="0">
-              <a:solidFill>
-                <a:srgbClr val="660066"/>
-              </a:solidFill>
-            </a:endParaRPr>
-          </a:p>
-        </p:txBody>
-      </p:sp>
-      <p:pic>
-        <p:nvPicPr>
-          <p:cNvPr id="11" name="Picture 10">
-            <a:extLst>
-              <a:ext uri="{FF2B5EF4-FFF2-40B4-BE49-F238E27FC236}">
-                <a16:creationId xmlns:a16="http://schemas.microsoft.com/office/drawing/2014/main" id="{6CFD6B67-4685-0925-F225-0C3AD156F548}"/>
-              </a:ext>
-            </a:extLst>
-          </p:cNvPr>
-          <p:cNvPicPr>
-            <a:picLocks noChangeAspect="1"/>
-          </p:cNvPicPr>
-          <p:nvPr/>
-        </p:nvPicPr>
-        <p:blipFill>
-          <a:blip r:embed="rId3"/>
-          <a:stretch>
-            <a:fillRect/>
-          </a:stretch>
-        </p:blipFill>
-        <p:spPr>
-          <a:xfrm>
-            <a:off x="609600" y="2764306"/>
-            <a:ext cx="5303292" cy="2878930"/>
-          </a:xfrm>
-          <a:prstGeom prst="rect">
-            <a:avLst/>
-          </a:prstGeom>
-          <a:ln w="28575">
-            <a:solidFill>
-              <a:srgbClr val="660066"/>
-            </a:solidFill>
-          </a:ln>
-        </p:spPr>
-      </p:pic>
-      <p:pic>
-        <p:nvPicPr>
-          <p:cNvPr id="14" name="Picture 13">
-            <a:extLst>
-              <a:ext uri="{FF2B5EF4-FFF2-40B4-BE49-F238E27FC236}">
-                <a16:creationId xmlns:a16="http://schemas.microsoft.com/office/drawing/2014/main" id="{2AFE77E8-757A-DF4F-EDA7-1FC5B38230ED}"/>
-              </a:ext>
-            </a:extLst>
-          </p:cNvPr>
-          <p:cNvPicPr>
-            <a:picLocks noChangeAspect="1"/>
-          </p:cNvPicPr>
-          <p:nvPr/>
-        </p:nvPicPr>
-        <p:blipFill>
-          <a:blip r:embed="rId4"/>
-          <a:stretch>
-            <a:fillRect/>
-          </a:stretch>
-        </p:blipFill>
-        <p:spPr>
-          <a:xfrm>
-            <a:off x="6027192" y="2725937"/>
-            <a:ext cx="5479008" cy="3326145"/>
-          </a:xfrm>
-          <a:prstGeom prst="rect">
-            <a:avLst/>
-          </a:prstGeom>
-        </p:spPr>
-      </p:pic>
-    </p:spTree>
-    <p:extLst>
-      <p:ext uri="{BB962C8B-B14F-4D97-AF65-F5344CB8AC3E}">
-        <p14:creationId xmlns:p14="http://schemas.microsoft.com/office/powerpoint/2010/main" val="3646822764"/>
-      </p:ext>
-    </p:extLst>
-  </p:cSld>
-  <p:clrMapOvr>
-    <a:masterClrMapping/>
-  </p:clrMapOvr>
-</p:sld>
-</file>
-
-<file path=ppt/slides/slide15.xml><?xml version="1.0" encoding="utf-8"?>
-<p:sld xmlns:a="http://schemas.openxmlformats.org/drawingml/2006/main" xmlns:r="http://schemas.openxmlformats.org/officeDocument/2006/relationships" xmlns:p="http://schemas.openxmlformats.org/presentationml/2006/main">
-  <p:cSld>
-    <p:spTree>
-      <p:nvGrpSpPr>
-        <p:cNvPr id="1" name=""/>
-        <p:cNvGrpSpPr/>
-        <p:nvPr/>
-      </p:nvGrpSpPr>
-      <p:grpSpPr>
-        <a:xfrm>
-          <a:off x="0" y="0"/>
-          <a:ext cx="0" cy="0"/>
-          <a:chOff x="0" y="0"/>
-          <a:chExt cx="0" cy="0"/>
-        </a:xfrm>
-      </p:grpSpPr>
       <p:sp>
         <p:nvSpPr>
           <p:cNvPr id="10" name="Rectangle: Rounded Corners 9">
@@ -9502,7 +5861,7 @@
             <p:spPr>
               <a:xfrm>
                 <a:off x="457200" y="1981200"/>
-                <a:ext cx="11201400" cy="3915966"/>
+                <a:ext cx="11201400" cy="4869418"/>
               </a:xfrm>
               <a:prstGeom prst="roundRect">
                 <a:avLst/>
@@ -9547,6 +5906,56 @@
                     </a:solidFill>
                   </a:rPr>
                   <a:t>Estimate Linear Regression Model</a:t>
+                </a:r>
+              </a:p>
+              <a:p>
+                <a:pPr marL="457200" indent="-457200">
+                  <a:buFont typeface="Arial" panose="020B0604020202020204" pitchFamily="34" charset="0"/>
+                  <a:buChar char="•"/>
+                </a:pPr>
+                <a:endParaRPr lang="en-US" sz="2800" dirty="0">
+                  <a:solidFill>
+                    <a:srgbClr val="660066"/>
+                  </a:solidFill>
+                </a:endParaRPr>
+              </a:p>
+              <a:p>
+                <a:pPr marL="457200" indent="-457200">
+                  <a:buFont typeface="Arial" panose="020B0604020202020204" pitchFamily="34" charset="0"/>
+                  <a:buChar char="•"/>
+                </a:pPr>
+                <a:r>
+                  <a:rPr lang="en-US" sz="2800" dirty="0">
+                    <a:solidFill>
+                      <a:srgbClr val="660066"/>
+                    </a:solidFill>
+                  </a:rPr>
+                  <a:t>Correlation test</a:t>
+                </a:r>
+              </a:p>
+              <a:p>
+                <a:pPr marL="457200" indent="-457200">
+                  <a:buFont typeface="Arial" panose="020B0604020202020204" pitchFamily="34" charset="0"/>
+                  <a:buChar char="•"/>
+                </a:pPr>
+                <a:endParaRPr lang="en-US" sz="2800" dirty="0">
+                  <a:solidFill>
+                    <a:srgbClr val="660066"/>
+                  </a:solidFill>
+                </a:endParaRPr>
+              </a:p>
+              <a:p>
+                <a:pPr marL="457200" indent="-457200">
+                  <a:buFont typeface="Arial" panose="020B0604020202020204" pitchFamily="34" charset="0"/>
+                  <a:buChar char="•"/>
+                </a:pPr>
+                <a:r>
+                  <a:rPr lang="en-US" sz="2800" dirty="0">
+                    <a:solidFill>
+                      <a:srgbClr val="660066"/>
+                    </a:solidFill>
+                  </a:rPr>
+                  <a:t>Extract R^2 and Interpret</a:t>
                 </a:r>
               </a:p>
               <a:p>
@@ -9616,7 +6025,16 @@
                         </a:solidFill>
                         <a:latin typeface="Cambria Math" panose="02040503050406030204" pitchFamily="18" charset="0"/>
                       </a:rPr>
-                      <m:t>=0.2</m:t>
+                      <m:t>=</m:t>
+                    </m:r>
+                    <m:r>
+                      <a:rPr lang="en-US" sz="2800" b="0" i="1" smtClean="0">
+                        <a:solidFill>
+                          <a:srgbClr val="660066"/>
+                        </a:solidFill>
+                        <a:latin typeface="Cambria Math" panose="02040503050406030204" pitchFamily="18" charset="0"/>
+                      </a:rPr>
+                      <m:t>20</m:t>
                     </m:r>
                   </m:oMath>
                 </a14:m>
@@ -9627,10 +6045,6 @@
                 </a:endParaRPr>
               </a:p>
               <a:p>
-                <a:pPr marL="457200" indent="-457200">
-                  <a:buFont typeface="Arial" panose="020B0604020202020204" pitchFamily="34" charset="0"/>
-                  <a:buChar char="•"/>
-                </a:pPr>
                 <a:endParaRPr lang="en-US" sz="2800" dirty="0">
                   <a:solidFill>
                     <a:srgbClr val="660066"/>
@@ -9648,25 +6062,64 @@
                       <a:srgbClr val="660066"/>
                     </a:solidFill>
                   </a:rPr>
-                  <a:t>Interpretation: </a:t>
+                  <a:t>Interpretation of Prediction when </a:t>
                 </a:r>
-              </a:p>
-              <a:p>
-                <a:pPr marL="457200" indent="-457200">
-                  <a:buFont typeface="Arial" panose="020B0604020202020204" pitchFamily="34" charset="0"/>
-                  <a:buChar char="•"/>
-                </a:pPr>
-                <a:endParaRPr lang="en-US" sz="2800" dirty="0">
-                  <a:solidFill>
-                    <a:srgbClr val="660066"/>
-                  </a:solidFill>
-                </a:endParaRPr>
-              </a:p>
-              <a:p>
-                <a:pPr marL="457200" indent="-457200">
-                  <a:buFont typeface="Arial" panose="020B0604020202020204" pitchFamily="34" charset="0"/>
-                  <a:buChar char="•"/>
-                </a:pPr>
+                <a14:m>
+                  <m:oMath xmlns:m="http://schemas.openxmlformats.org/officeDocument/2006/math">
+                    <m:sSup>
+                      <m:sSupPr>
+                        <m:ctrlPr>
+                          <a:rPr lang="en-US" sz="2800" b="0" i="1" smtClean="0">
+                            <a:solidFill>
+                              <a:srgbClr val="660066"/>
+                            </a:solidFill>
+                            <a:latin typeface="Cambria Math" panose="02040503050406030204" pitchFamily="18" charset="0"/>
+                          </a:rPr>
+                        </m:ctrlPr>
+                      </m:sSupPr>
+                      <m:e>
+                        <m:r>
+                          <a:rPr lang="en-US" sz="2800" b="0" i="1" smtClean="0">
+                            <a:solidFill>
+                              <a:srgbClr val="660066"/>
+                            </a:solidFill>
+                            <a:latin typeface="Cambria Math" panose="02040503050406030204" pitchFamily="18" charset="0"/>
+                          </a:rPr>
+                          <m:t>𝑥</m:t>
+                        </m:r>
+                      </m:e>
+                      <m:sup>
+                        <m:r>
+                          <a:rPr lang="en-US" sz="2800" b="0" i="1" smtClean="0">
+                            <a:solidFill>
+                              <a:srgbClr val="660066"/>
+                            </a:solidFill>
+                            <a:latin typeface="Cambria Math" panose="02040503050406030204" pitchFamily="18" charset="0"/>
+                          </a:rPr>
+                          <m:t>∗</m:t>
+                        </m:r>
+                      </m:sup>
+                    </m:sSup>
+                    <m:r>
+                      <a:rPr lang="en-US" sz="2800" b="0" i="1" smtClean="0">
+                        <a:solidFill>
+                          <a:srgbClr val="660066"/>
+                        </a:solidFill>
+                        <a:latin typeface="Cambria Math" panose="02040503050406030204" pitchFamily="18" charset="0"/>
+                      </a:rPr>
+                      <m:t>=</m:t>
+                    </m:r>
+                    <m:r>
+                      <a:rPr lang="en-US" sz="2800" b="0" i="1" smtClean="0">
+                        <a:solidFill>
+                          <a:srgbClr val="660066"/>
+                        </a:solidFill>
+                        <a:latin typeface="Cambria Math" panose="02040503050406030204" pitchFamily="18" charset="0"/>
+                      </a:rPr>
+                      <m:t>20</m:t>
+                    </m:r>
+                  </m:oMath>
+                </a14:m>
                 <a:endParaRPr lang="en-US" sz="2800" dirty="0">
                   <a:solidFill>
                     <a:srgbClr val="660066"/>
@@ -9705,7 +6158,7 @@
             <p:spPr>
               <a:xfrm>
                 <a:off x="457200" y="1981200"/>
-                <a:ext cx="11201400" cy="3915966"/>
+                <a:ext cx="11201400" cy="4869418"/>
               </a:xfrm>
               <a:prstGeom prst="roundRect">
                 <a:avLst/>
@@ -9916,7 +6369,7 @@
                 <a:latin typeface="Adobe Devanagari" panose="02040503050201020203" pitchFamily="18" charset="0"/>
                 <a:cs typeface="Adobe Devanagari" panose="02040503050201020203" pitchFamily="18" charset="0"/>
               </a:rPr>
-              <a:t>Confidence Interval for Mean Response</a:t>
+              <a:t>Truth About The Fitted Line</a:t>
             </a:r>
             <a:endParaRPr lang="en-US" sz="4800" dirty="0">
               <a:solidFill>
@@ -9926,6 +6379,911 @@
           </a:p>
         </p:txBody>
       </p:sp>
+      <mc:AlternateContent xmlns:mc="http://schemas.openxmlformats.org/markup-compatibility/2006">
+        <mc:Choice xmlns:a14="http://schemas.microsoft.com/office/drawing/2010/main" Requires="a14">
+          <p:sp>
+            <p:nvSpPr>
+              <p:cNvPr id="7" name="TextBox 6">
+                <a:extLst>
+                  <a:ext uri="{FF2B5EF4-FFF2-40B4-BE49-F238E27FC236}">
+                    <a16:creationId xmlns:a16="http://schemas.microsoft.com/office/drawing/2014/main" id="{D9B238EA-D04E-3255-7509-F990F1A8F309}"/>
+                  </a:ext>
+                </a:extLst>
+              </p:cNvPr>
+              <p:cNvSpPr txBox="1"/>
+              <p:nvPr/>
+            </p:nvSpPr>
+            <p:spPr>
+              <a:xfrm>
+                <a:off x="457200" y="1981200"/>
+                <a:ext cx="11201400" cy="4869418"/>
+              </a:xfrm>
+              <a:prstGeom prst="roundRect">
+                <a:avLst/>
+              </a:prstGeom>
+              <a:solidFill>
+                <a:schemeClr val="bg1"/>
+              </a:solidFill>
+              <a:ln w="76200">
+                <a:solidFill>
+                  <a:srgbClr val="FFC416"/>
+                </a:solidFill>
+              </a:ln>
+            </p:spPr>
+            <p:style>
+              <a:lnRef idx="2">
+                <a:schemeClr val="dk1"/>
+              </a:lnRef>
+              <a:fillRef idx="1">
+                <a:schemeClr val="lt1"/>
+              </a:fillRef>
+              <a:effectRef idx="0">
+                <a:schemeClr val="dk1"/>
+              </a:effectRef>
+              <a:fontRef idx="minor">
+                <a:schemeClr val="dk1"/>
+              </a:fontRef>
+            </p:style>
+            <p:txBody>
+              <a:bodyPr wrap="square" rtlCol="0">
+                <a:spAutoFit/>
+              </a:bodyPr>
+              <a:lstStyle/>
+              <a:p>
+                <a:pPr marL="457200" indent="-457200">
+                  <a:buFont typeface="Arial" panose="020B0604020202020204" pitchFamily="34" charset="0"/>
+                  <a:buChar char="•"/>
+                </a:pPr>
+                <a:r>
+                  <a:rPr lang="en-US" sz="2800" dirty="0">
+                    <a:solidFill>
+                      <a:srgbClr val="660066"/>
+                    </a:solidFill>
+                  </a:rPr>
+                  <a:t>Line Represents the </a:t>
+                </a:r>
+                <a:r>
+                  <a:rPr lang="en-US" sz="2800" b="1" dirty="0">
+                    <a:solidFill>
+                      <a:srgbClr val="660066"/>
+                    </a:solidFill>
+                  </a:rPr>
+                  <a:t>Average Value</a:t>
+                </a:r>
+                <a:r>
+                  <a:rPr lang="en-US" sz="2800" dirty="0">
+                    <a:solidFill>
+                      <a:srgbClr val="660066"/>
+                    </a:solidFill>
+                  </a:rPr>
+                  <a:t> of </a:t>
+                </a:r>
+                <a:r>
+                  <a:rPr lang="en-US" sz="2800" i="1" dirty="0">
+                    <a:solidFill>
+                      <a:srgbClr val="660066"/>
+                    </a:solidFill>
+                  </a:rPr>
+                  <a:t>Y</a:t>
+                </a:r>
+                <a:r>
+                  <a:rPr lang="en-US" sz="2800" dirty="0">
+                    <a:solidFill>
+                      <a:srgbClr val="660066"/>
+                    </a:solidFill>
+                  </a:rPr>
+                  <a:t> (</a:t>
+                </a:r>
+                <a14:m>
+                  <m:oMath xmlns:m="http://schemas.openxmlformats.org/officeDocument/2006/math">
+                    <m:sSub>
+                      <m:sSubPr>
+                        <m:ctrlPr>
+                          <a:rPr lang="en-US" sz="2800" b="0" i="1" smtClean="0">
+                            <a:solidFill>
+                              <a:srgbClr val="660066"/>
+                            </a:solidFill>
+                            <a:latin typeface="Cambria Math" panose="02040503050406030204" pitchFamily="18" charset="0"/>
+                          </a:rPr>
+                        </m:ctrlPr>
+                      </m:sSubPr>
+                      <m:e>
+                        <m:r>
+                          <a:rPr lang="en-US" sz="2800" b="0" i="1" smtClean="0">
+                            <a:solidFill>
+                              <a:srgbClr val="660066"/>
+                            </a:solidFill>
+                            <a:latin typeface="Cambria Math" panose="02040503050406030204" pitchFamily="18" charset="0"/>
+                          </a:rPr>
+                          <m:t>𝜇</m:t>
+                        </m:r>
+                      </m:e>
+                      <m:sub>
+                        <m:r>
+                          <a:rPr lang="en-US" sz="2800" b="0" i="1" smtClean="0">
+                            <a:solidFill>
+                              <a:srgbClr val="660066"/>
+                            </a:solidFill>
+                            <a:latin typeface="Cambria Math" panose="02040503050406030204" pitchFamily="18" charset="0"/>
+                          </a:rPr>
+                          <m:t>𝑌</m:t>
+                        </m:r>
+                      </m:sub>
+                    </m:sSub>
+                  </m:oMath>
+                </a14:m>
+                <a:r>
+                  <a:rPr lang="en-US" sz="2800" dirty="0">
+                    <a:solidFill>
+                      <a:srgbClr val="660066"/>
+                    </a:solidFill>
+                  </a:rPr>
+                  <a:t>) for a Given Value of </a:t>
+                </a:r>
+                <a:r>
+                  <a:rPr lang="en-US" sz="2800" i="1" dirty="0">
+                    <a:solidFill>
+                      <a:srgbClr val="660066"/>
+                    </a:solidFill>
+                  </a:rPr>
+                  <a:t>X</a:t>
+                </a:r>
+              </a:p>
+              <a:p>
+                <a:pPr marL="457200" indent="-457200">
+                  <a:buFont typeface="Arial" panose="020B0604020202020204" pitchFamily="34" charset="0"/>
+                  <a:buChar char="•"/>
+                </a:pPr>
+                <a:endParaRPr lang="en-US" sz="2800" dirty="0">
+                  <a:solidFill>
+                    <a:srgbClr val="660066"/>
+                  </a:solidFill>
+                </a:endParaRPr>
+              </a:p>
+              <a:p>
+                <a:pPr marL="457200" indent="-457200">
+                  <a:buFont typeface="Arial" panose="020B0604020202020204" pitchFamily="34" charset="0"/>
+                  <a:buChar char="•"/>
+                </a:pPr>
+                <a:r>
+                  <a:rPr lang="en-US" sz="2800" dirty="0">
+                    <a:solidFill>
+                      <a:srgbClr val="660066"/>
+                    </a:solidFill>
+                  </a:rPr>
+                  <a:t>CI’s for </a:t>
+                </a:r>
+                <a14:m>
+                  <m:oMath xmlns:m="http://schemas.openxmlformats.org/officeDocument/2006/math">
+                    <m:sSub>
+                      <m:sSubPr>
+                        <m:ctrlPr>
+                          <a:rPr lang="en-US" sz="2800" b="0" i="1" smtClean="0">
+                            <a:solidFill>
+                              <a:srgbClr val="660066"/>
+                            </a:solidFill>
+                            <a:latin typeface="Cambria Math" panose="02040503050406030204" pitchFamily="18" charset="0"/>
+                          </a:rPr>
+                        </m:ctrlPr>
+                      </m:sSubPr>
+                      <m:e>
+                        <m:r>
+                          <a:rPr lang="en-US" sz="2800" b="0" i="1" smtClean="0">
+                            <a:solidFill>
+                              <a:srgbClr val="660066"/>
+                            </a:solidFill>
+                            <a:latin typeface="Cambria Math" panose="02040503050406030204" pitchFamily="18" charset="0"/>
+                          </a:rPr>
+                          <m:t>𝛽</m:t>
+                        </m:r>
+                      </m:e>
+                      <m:sub>
+                        <m:r>
+                          <a:rPr lang="en-US" sz="2800" b="0" i="1" smtClean="0">
+                            <a:solidFill>
+                              <a:srgbClr val="660066"/>
+                            </a:solidFill>
+                            <a:latin typeface="Cambria Math" panose="02040503050406030204" pitchFamily="18" charset="0"/>
+                          </a:rPr>
+                          <m:t>0</m:t>
+                        </m:r>
+                      </m:sub>
+                    </m:sSub>
+                  </m:oMath>
+                </a14:m>
+                <a:r>
+                  <a:rPr lang="en-US" sz="2800" dirty="0">
+                    <a:solidFill>
+                      <a:srgbClr val="660066"/>
+                    </a:solidFill>
+                  </a:rPr>
+                  <a:t> and </a:t>
+                </a:r>
+                <a14:m>
+                  <m:oMath xmlns:m="http://schemas.openxmlformats.org/officeDocument/2006/math">
+                    <m:sSub>
+                      <m:sSubPr>
+                        <m:ctrlPr>
+                          <a:rPr lang="en-US" sz="2800" i="1">
+                            <a:solidFill>
+                              <a:srgbClr val="660066"/>
+                            </a:solidFill>
+                            <a:latin typeface="Cambria Math" panose="02040503050406030204" pitchFamily="18" charset="0"/>
+                          </a:rPr>
+                        </m:ctrlPr>
+                      </m:sSubPr>
+                      <m:e>
+                        <m:r>
+                          <a:rPr lang="en-US" sz="2800" i="1">
+                            <a:solidFill>
+                              <a:srgbClr val="660066"/>
+                            </a:solidFill>
+                            <a:latin typeface="Cambria Math" panose="02040503050406030204" pitchFamily="18" charset="0"/>
+                          </a:rPr>
+                          <m:t>𝛽</m:t>
+                        </m:r>
+                      </m:e>
+                      <m:sub>
+                        <m:r>
+                          <a:rPr lang="en-US" sz="2800" b="0" i="1" smtClean="0">
+                            <a:solidFill>
+                              <a:srgbClr val="660066"/>
+                            </a:solidFill>
+                            <a:latin typeface="Cambria Math" panose="02040503050406030204" pitchFamily="18" charset="0"/>
+                          </a:rPr>
+                          <m:t>1</m:t>
+                        </m:r>
+                      </m:sub>
+                    </m:sSub>
+                  </m:oMath>
+                </a14:m>
+                <a:r>
+                  <a:rPr lang="en-US" sz="2800" dirty="0">
+                    <a:solidFill>
+                      <a:srgbClr val="660066"/>
+                    </a:solidFill>
+                  </a:rPr>
+                  <a:t> Indicate </a:t>
+                </a:r>
+                <a:r>
+                  <a:rPr lang="en-US" sz="2800" b="1" dirty="0">
+                    <a:solidFill>
+                      <a:srgbClr val="660066"/>
+                    </a:solidFill>
+                  </a:rPr>
+                  <a:t>Uncertainty</a:t>
+                </a:r>
+                <a:r>
+                  <a:rPr lang="en-US" sz="2800" dirty="0">
+                    <a:solidFill>
+                      <a:srgbClr val="660066"/>
+                    </a:solidFill>
+                  </a:rPr>
+                  <a:t> in the Fit of the Line</a:t>
+                </a:r>
+              </a:p>
+              <a:p>
+                <a:pPr marL="457200" indent="-457200">
+                  <a:buFont typeface="Arial" panose="020B0604020202020204" pitchFamily="34" charset="0"/>
+                  <a:buChar char="•"/>
+                </a:pPr>
+                <a:endParaRPr lang="en-US" sz="2800" dirty="0">
+                  <a:solidFill>
+                    <a:srgbClr val="660066"/>
+                  </a:solidFill>
+                </a:endParaRPr>
+              </a:p>
+              <a:p>
+                <a:pPr marL="457200" indent="-457200">
+                  <a:buFont typeface="Arial" panose="020B0604020202020204" pitchFamily="34" charset="0"/>
+                  <a:buChar char="•"/>
+                </a:pPr>
+                <a:r>
+                  <a:rPr lang="en-US" sz="2800" dirty="0">
+                    <a:solidFill>
+                      <a:srgbClr val="660066"/>
+                    </a:solidFill>
+                  </a:rPr>
+                  <a:t>Therefore, We Have Uncertainty about </a:t>
+                </a:r>
+                <a14:m>
+                  <m:oMath xmlns:m="http://schemas.openxmlformats.org/officeDocument/2006/math">
+                    <m:sSub>
+                      <m:sSubPr>
+                        <m:ctrlPr>
+                          <a:rPr lang="en-US" sz="2800" b="0" i="1" smtClean="0">
+                            <a:solidFill>
+                              <a:srgbClr val="660066"/>
+                            </a:solidFill>
+                            <a:latin typeface="Cambria Math" panose="02040503050406030204" pitchFamily="18" charset="0"/>
+                          </a:rPr>
+                        </m:ctrlPr>
+                      </m:sSubPr>
+                      <m:e>
+                        <m:r>
+                          <a:rPr lang="en-US" sz="2800" b="0" i="1" smtClean="0">
+                            <a:solidFill>
+                              <a:srgbClr val="660066"/>
+                            </a:solidFill>
+                            <a:latin typeface="Cambria Math" panose="02040503050406030204" pitchFamily="18" charset="0"/>
+                          </a:rPr>
+                          <m:t>𝜇</m:t>
+                        </m:r>
+                      </m:e>
+                      <m:sub>
+                        <m:r>
+                          <a:rPr lang="en-US" sz="2800" b="0" i="1" smtClean="0">
+                            <a:solidFill>
+                              <a:srgbClr val="660066"/>
+                            </a:solidFill>
+                            <a:latin typeface="Cambria Math" panose="02040503050406030204" pitchFamily="18" charset="0"/>
+                          </a:rPr>
+                          <m:t>𝑌</m:t>
+                        </m:r>
+                      </m:sub>
+                    </m:sSub>
+                  </m:oMath>
+                </a14:m>
+                <a:r>
+                  <a:rPr lang="en-US" sz="2800" dirty="0">
+                    <a:solidFill>
+                      <a:srgbClr val="660066"/>
+                    </a:solidFill>
+                  </a:rPr>
+                  <a:t> for a Given Value of </a:t>
+                </a:r>
+                <a:r>
+                  <a:rPr lang="en-US" sz="2800" i="1" dirty="0">
+                    <a:solidFill>
+                      <a:srgbClr val="660066"/>
+                    </a:solidFill>
+                  </a:rPr>
+                  <a:t>X</a:t>
+                </a:r>
+              </a:p>
+              <a:p>
+                <a:pPr marL="457200" indent="-457200">
+                  <a:buFont typeface="Arial" panose="020B0604020202020204" pitchFamily="34" charset="0"/>
+                  <a:buChar char="•"/>
+                </a:pPr>
+                <a:endParaRPr lang="en-US" sz="2800" i="1" dirty="0">
+                  <a:solidFill>
+                    <a:srgbClr val="660066"/>
+                  </a:solidFill>
+                </a:endParaRPr>
+              </a:p>
+              <a:p>
+                <a:pPr marL="457200" indent="-457200">
+                  <a:buFont typeface="Arial" panose="020B0604020202020204" pitchFamily="34" charset="0"/>
+                  <a:buChar char="•"/>
+                </a:pPr>
+                <a:r>
+                  <a:rPr lang="en-US" sz="2800" dirty="0">
+                    <a:solidFill>
+                      <a:srgbClr val="660066"/>
+                    </a:solidFill>
+                  </a:rPr>
+                  <a:t>Standard Error of Regression </a:t>
+                </a:r>
+                <a14:m>
+                  <m:oMath xmlns:m="http://schemas.openxmlformats.org/officeDocument/2006/math">
+                    <m:sSub>
+                      <m:sSubPr>
+                        <m:ctrlPr>
+                          <a:rPr lang="en-US" sz="2800" b="0" i="1" smtClean="0">
+                            <a:solidFill>
+                              <a:srgbClr val="660066"/>
+                            </a:solidFill>
+                            <a:latin typeface="Cambria Math" panose="02040503050406030204" pitchFamily="18" charset="0"/>
+                          </a:rPr>
+                        </m:ctrlPr>
+                      </m:sSubPr>
+                      <m:e>
+                        <m:acc>
+                          <m:accPr>
+                            <m:chr m:val="̂"/>
+                            <m:ctrlPr>
+                              <a:rPr lang="en-US" sz="2800" b="0" i="1" smtClean="0">
+                                <a:solidFill>
+                                  <a:srgbClr val="660066"/>
+                                </a:solidFill>
+                                <a:latin typeface="Cambria Math" panose="02040503050406030204" pitchFamily="18" charset="0"/>
+                              </a:rPr>
+                            </m:ctrlPr>
+                          </m:accPr>
+                          <m:e>
+                            <m:r>
+                              <a:rPr lang="en-US" sz="2800" b="0" i="1" smtClean="0">
+                                <a:solidFill>
+                                  <a:srgbClr val="660066"/>
+                                </a:solidFill>
+                                <a:latin typeface="Cambria Math" panose="02040503050406030204" pitchFamily="18" charset="0"/>
+                              </a:rPr>
+                              <m:t>𝜎</m:t>
+                            </m:r>
+                          </m:e>
+                        </m:acc>
+                      </m:e>
+                      <m:sub>
+                        <m:r>
+                          <a:rPr lang="en-US" sz="2800" b="0" i="1" smtClean="0">
+                            <a:solidFill>
+                              <a:srgbClr val="660066"/>
+                            </a:solidFill>
+                            <a:latin typeface="Cambria Math" panose="02040503050406030204" pitchFamily="18" charset="0"/>
+                          </a:rPr>
+                          <m:t>𝜖</m:t>
+                        </m:r>
+                      </m:sub>
+                    </m:sSub>
+                  </m:oMath>
+                </a14:m>
+                <a:r>
+                  <a:rPr lang="en-US" sz="2800" dirty="0">
+                    <a:solidFill>
+                      <a:srgbClr val="660066"/>
+                    </a:solidFill>
+                  </a:rPr>
+                  <a:t> Measures Are Uncertainty a </a:t>
+                </a:r>
+                <a:r>
+                  <a:rPr lang="en-US" sz="2800" b="1" dirty="0">
+                    <a:solidFill>
+                      <a:srgbClr val="660066"/>
+                    </a:solidFill>
+                  </a:rPr>
+                  <a:t>Little</a:t>
+                </a:r>
+              </a:p>
+              <a:p>
+                <a:pPr marL="457200" indent="-457200">
+                  <a:buFont typeface="Arial" panose="020B0604020202020204" pitchFamily="34" charset="0"/>
+                  <a:buChar char="•"/>
+                </a:pPr>
+                <a:endParaRPr lang="en-US" sz="2800" dirty="0">
+                  <a:solidFill>
+                    <a:srgbClr val="660066"/>
+                  </a:solidFill>
+                </a:endParaRPr>
+              </a:p>
+              <a:p>
+                <a:pPr marL="457200" indent="-457200">
+                  <a:buFont typeface="Arial" panose="020B0604020202020204" pitchFamily="34" charset="0"/>
+                  <a:buChar char="•"/>
+                </a:pPr>
+                <a:r>
+                  <a:rPr lang="en-US" sz="2800" dirty="0">
+                    <a:solidFill>
+                      <a:srgbClr val="660066"/>
+                    </a:solidFill>
+                  </a:rPr>
+                  <a:t>We Would Be </a:t>
+                </a:r>
+                <a:r>
+                  <a:rPr lang="en-US" sz="2800" b="1" dirty="0">
+                    <a:solidFill>
+                      <a:srgbClr val="660066"/>
+                    </a:solidFill>
+                  </a:rPr>
+                  <a:t>More Confident </a:t>
+                </a:r>
+                <a:r>
+                  <a:rPr lang="en-US" sz="2800" dirty="0">
+                    <a:solidFill>
+                      <a:srgbClr val="660066"/>
+                    </a:solidFill>
+                  </a:rPr>
+                  <a:t>in Making Predictions of </a:t>
+                </a:r>
+                <a14:m>
+                  <m:oMath xmlns:m="http://schemas.openxmlformats.org/officeDocument/2006/math">
+                    <m:sSub>
+                      <m:sSubPr>
+                        <m:ctrlPr>
+                          <a:rPr lang="en-US" sz="2800" b="0" i="1" smtClean="0">
+                            <a:solidFill>
+                              <a:srgbClr val="660066"/>
+                            </a:solidFill>
+                            <a:latin typeface="Cambria Math" panose="02040503050406030204" pitchFamily="18" charset="0"/>
+                          </a:rPr>
+                        </m:ctrlPr>
+                      </m:sSubPr>
+                      <m:e>
+                        <m:r>
+                          <a:rPr lang="en-US" sz="2800" b="0" i="1" smtClean="0">
+                            <a:solidFill>
+                              <a:srgbClr val="660066"/>
+                            </a:solidFill>
+                            <a:latin typeface="Cambria Math" panose="02040503050406030204" pitchFamily="18" charset="0"/>
+                          </a:rPr>
+                          <m:t>𝜇</m:t>
+                        </m:r>
+                      </m:e>
+                      <m:sub>
+                        <m:r>
+                          <a:rPr lang="en-US" sz="2800" b="0" i="1" smtClean="0">
+                            <a:solidFill>
+                              <a:srgbClr val="660066"/>
+                            </a:solidFill>
+                            <a:latin typeface="Cambria Math" panose="02040503050406030204" pitchFamily="18" charset="0"/>
+                          </a:rPr>
+                          <m:t>𝑌</m:t>
+                        </m:r>
+                      </m:sub>
+                    </m:sSub>
+                  </m:oMath>
+                </a14:m>
+                <a:r>
+                  <a:rPr lang="en-US" sz="2800" dirty="0">
+                    <a:solidFill>
+                      <a:srgbClr val="660066"/>
+                    </a:solidFill>
+                  </a:rPr>
+                  <a:t> for   </a:t>
+                </a:r>
+                <a:r>
+                  <a:rPr lang="en-US" sz="2800" b="1" dirty="0">
+                    <a:solidFill>
+                      <a:srgbClr val="660066"/>
+                    </a:solidFill>
+                  </a:rPr>
+                  <a:t>Typical</a:t>
+                </a:r>
+                <a:r>
+                  <a:rPr lang="en-US" sz="2800" dirty="0">
+                    <a:solidFill>
+                      <a:srgbClr val="660066"/>
+                    </a:solidFill>
+                  </a:rPr>
+                  <a:t> Values of </a:t>
+                </a:r>
+                <a:r>
+                  <a:rPr lang="en-US" sz="2800" i="1" dirty="0">
+                    <a:solidFill>
+                      <a:srgbClr val="660066"/>
+                    </a:solidFill>
+                  </a:rPr>
+                  <a:t>X</a:t>
+                </a:r>
+                <a:endParaRPr lang="en-US" sz="2800" dirty="0">
+                  <a:solidFill>
+                    <a:srgbClr val="660066"/>
+                  </a:solidFill>
+                </a:endParaRPr>
+              </a:p>
+            </p:txBody>
+          </p:sp>
+        </mc:Choice>
+        <mc:Fallback>
+          <p:sp>
+            <p:nvSpPr>
+              <p:cNvPr id="7" name="TextBox 6">
+                <a:extLst>
+                  <a:ext uri="{FF2B5EF4-FFF2-40B4-BE49-F238E27FC236}">
+                    <a16:creationId xmlns:a16="http://schemas.microsoft.com/office/drawing/2014/main" id="{D9B238EA-D04E-3255-7509-F990F1A8F309}"/>
+                  </a:ext>
+                </a:extLst>
+              </p:cNvPr>
+              <p:cNvSpPr txBox="1">
+                <a:spLocks noRot="1" noChangeAspect="1" noMove="1" noResize="1" noEditPoints="1" noAdjustHandles="1" noChangeArrowheads="1" noChangeShapeType="1" noTextEdit="1"/>
+              </p:cNvSpPr>
+              <p:nvPr/>
+            </p:nvSpPr>
+            <p:spPr>
+              <a:xfrm>
+                <a:off x="457200" y="1981200"/>
+                <a:ext cx="11201400" cy="4869418"/>
+              </a:xfrm>
+              <a:prstGeom prst="roundRect">
+                <a:avLst/>
+              </a:prstGeom>
+              <a:blipFill>
+                <a:blip r:embed="rId3"/>
+                <a:stretch>
+                  <a:fillRect/>
+                </a:stretch>
+              </a:blipFill>
+              <a:ln w="76200">
+                <a:solidFill>
+                  <a:srgbClr val="FFC416"/>
+                </a:solidFill>
+              </a:ln>
+            </p:spPr>
+            <p:txBody>
+              <a:bodyPr/>
+              <a:lstStyle/>
+              <a:p>
+                <a:r>
+                  <a:rPr lang="en-US">
+                    <a:noFill/>
+                  </a:rPr>
+                  <a:t> </a:t>
+                </a:r>
+              </a:p>
+            </p:txBody>
+          </p:sp>
+        </mc:Fallback>
+      </mc:AlternateContent>
+    </p:spTree>
+    <p:extLst>
+      <p:ext uri="{BB962C8B-B14F-4D97-AF65-F5344CB8AC3E}">
+        <p14:creationId xmlns:p14="http://schemas.microsoft.com/office/powerpoint/2010/main" val="1192571538"/>
+      </p:ext>
+    </p:extLst>
+  </p:cSld>
+  <p:clrMapOvr>
+    <a:masterClrMapping/>
+  </p:clrMapOvr>
+</p:sld>
+</file>
+
+<file path=ppt/slides/slide5.xml><?xml version="1.0" encoding="utf-8"?>
+<p:sld xmlns:a="http://schemas.openxmlformats.org/drawingml/2006/main" xmlns:r="http://schemas.openxmlformats.org/officeDocument/2006/relationships" xmlns:p="http://schemas.openxmlformats.org/presentationml/2006/main">
+  <p:cSld>
+    <p:spTree>
+      <p:nvGrpSpPr>
+        <p:cNvPr id="1" name=""/>
+        <p:cNvGrpSpPr/>
+        <p:nvPr/>
+      </p:nvGrpSpPr>
+      <p:grpSpPr>
+        <a:xfrm>
+          <a:off x="0" y="0"/>
+          <a:ext cx="0" cy="0"/>
+          <a:chOff x="0" y="0"/>
+          <a:chExt cx="0" cy="0"/>
+        </a:xfrm>
+      </p:grpSpPr>
+      <p:pic>
+        <p:nvPicPr>
+          <p:cNvPr id="2" name="Picture 10" descr="Mario Pattern">
+            <a:extLst>
+              <a:ext uri="{FF2B5EF4-FFF2-40B4-BE49-F238E27FC236}">
+                <a16:creationId xmlns:a16="http://schemas.microsoft.com/office/drawing/2014/main" id="{8F84FFD9-23AF-75F7-6DAA-904525952142}"/>
+              </a:ext>
+            </a:extLst>
+          </p:cNvPr>
+          <p:cNvPicPr>
+            <a:picLocks noChangeAspect="1" noChangeArrowheads="1"/>
+          </p:cNvPicPr>
+          <p:nvPr/>
+        </p:nvPicPr>
+        <p:blipFill rotWithShape="1">
+          <a:blip r:embed="rId2">
+            <a:alphaModFix amt="47000"/>
+            <a:extLst>
+              <a:ext uri="{28A0092B-C50C-407E-A947-70E740481C1C}">
+                <a14:useLocalDpi xmlns:a14="http://schemas.microsoft.com/office/drawing/2010/main" val="0"/>
+              </a:ext>
+            </a:extLst>
+          </a:blip>
+          <a:srcRect l="4595" r="6699"/>
+          <a:stretch/>
+        </p:blipFill>
+        <p:spPr bwMode="auto">
+          <a:xfrm>
+            <a:off x="0" y="-2057400"/>
+            <a:ext cx="12192000" cy="10308201"/>
+          </a:xfrm>
+          <a:prstGeom prst="rect">
+            <a:avLst/>
+          </a:prstGeom>
+          <a:noFill/>
+          <a:extLst>
+            <a:ext uri="{909E8E84-426E-40DD-AFC4-6F175D3DCCD1}">
+              <a14:hiddenFill xmlns:a14="http://schemas.microsoft.com/office/drawing/2010/main">
+                <a:solidFill>
+                  <a:srgbClr val="FFFFFF"/>
+                </a:solidFill>
+              </a14:hiddenFill>
+            </a:ext>
+          </a:extLst>
+        </p:spPr>
+      </p:pic>
+      <p:sp>
+        <p:nvSpPr>
+          <p:cNvPr id="12" name="Line 11"/>
+          <p:cNvSpPr>
+            <a:spLocks noChangeShapeType="1"/>
+          </p:cNvSpPr>
+          <p:nvPr/>
+        </p:nvSpPr>
+        <p:spPr bwMode="auto">
+          <a:xfrm flipV="1">
+            <a:off x="6972300" y="5109836"/>
+            <a:ext cx="609600" cy="533400"/>
+          </a:xfrm>
+          <a:prstGeom prst="line">
+            <a:avLst/>
+          </a:prstGeom>
+          <a:noFill/>
+          <a:ln w="38100">
+            <a:solidFill>
+              <a:srgbClr val="FFFF66"/>
+            </a:solidFill>
+            <a:round/>
+            <a:headEnd/>
+            <a:tailEnd type="triangle" w="med" len="med"/>
+          </a:ln>
+          <a:extLst>
+            <a:ext uri="{909E8E84-426E-40DD-AFC4-6F175D3DCCD1}">
+              <a14:hiddenFill xmlns:a14="http://schemas.microsoft.com/office/drawing/2010/main">
+                <a:noFill/>
+              </a14:hiddenFill>
+            </a:ext>
+          </a:extLst>
+        </p:spPr>
+        <p:txBody>
+          <a:bodyPr wrap="square">
+            <a:spAutoFit/>
+          </a:bodyPr>
+          <a:lstStyle/>
+          <a:p>
+            <a:endParaRPr lang="en-US"/>
+          </a:p>
+        </p:txBody>
+      </p:sp>
+      <mc:AlternateContent xmlns:mc="http://schemas.openxmlformats.org/markup-compatibility/2006">
+        <mc:Choice xmlns:a14="http://schemas.microsoft.com/office/drawing/2010/main" Requires="a14">
+          <p:sp>
+            <p:nvSpPr>
+              <p:cNvPr id="6" name="TextBox 5">
+                <a:extLst>
+                  <a:ext uri="{FF2B5EF4-FFF2-40B4-BE49-F238E27FC236}">
+                    <a16:creationId xmlns:a16="http://schemas.microsoft.com/office/drawing/2014/main" id="{4F2DA592-D8EB-70BA-2112-6C13A4E7B393}"/>
+                  </a:ext>
+                </a:extLst>
+              </p:cNvPr>
+              <p:cNvSpPr txBox="1"/>
+              <p:nvPr/>
+            </p:nvSpPr>
+            <p:spPr>
+              <a:xfrm>
+                <a:off x="457200" y="609600"/>
+                <a:ext cx="11201400" cy="919401"/>
+              </a:xfrm>
+              <a:prstGeom prst="roundRect">
+                <a:avLst/>
+              </a:prstGeom>
+              <a:solidFill>
+                <a:schemeClr val="bg1">
+                  <a:alpha val="70000"/>
+                </a:schemeClr>
+              </a:solidFill>
+              <a:ln w="76200">
+                <a:solidFill>
+                  <a:srgbClr val="FFC416"/>
+                </a:solidFill>
+              </a:ln>
+            </p:spPr>
+            <p:style>
+              <a:lnRef idx="2">
+                <a:schemeClr val="dk1"/>
+              </a:lnRef>
+              <a:fillRef idx="1">
+                <a:schemeClr val="lt1"/>
+              </a:fillRef>
+              <a:effectRef idx="0">
+                <a:schemeClr val="dk1"/>
+              </a:effectRef>
+              <a:fontRef idx="minor">
+                <a:schemeClr val="dk1"/>
+              </a:fontRef>
+            </p:style>
+            <p:txBody>
+              <a:bodyPr wrap="square" rtlCol="0">
+                <a:spAutoFit/>
+              </a:bodyPr>
+              <a:lstStyle/>
+              <a:p>
+                <a:pPr algn="ctr"/>
+                <a:r>
+                  <a:rPr lang="en-US" sz="4800" b="1" dirty="0">
+                    <a:solidFill>
+                      <a:srgbClr val="2D3A37"/>
+                    </a:solidFill>
+                    <a:latin typeface="Adobe Devanagari" panose="02040503050201020203" pitchFamily="18" charset="0"/>
+                    <a:cs typeface="Adobe Devanagari" panose="02040503050201020203" pitchFamily="18" charset="0"/>
+                  </a:rPr>
+                  <a:t>Confidence Interval for </a:t>
+                </a:r>
+                <a14:m>
+                  <m:oMath xmlns:m="http://schemas.openxmlformats.org/officeDocument/2006/math">
+                    <m:sSub>
+                      <m:sSubPr>
+                        <m:ctrlPr>
+                          <a:rPr lang="en-US" sz="4800" i="1" smtClean="0">
+                            <a:solidFill>
+                              <a:schemeClr val="tx1"/>
+                            </a:solidFill>
+                            <a:latin typeface="Cambria Math" panose="02040503050406030204" pitchFamily="18" charset="0"/>
+                          </a:rPr>
+                        </m:ctrlPr>
+                      </m:sSubPr>
+                      <m:e>
+                        <m:r>
+                          <a:rPr lang="en-US" sz="4800" b="0" i="1" smtClean="0">
+                            <a:solidFill>
+                              <a:schemeClr val="tx1"/>
+                            </a:solidFill>
+                            <a:latin typeface="Cambria Math" panose="02040503050406030204" pitchFamily="18" charset="0"/>
+                          </a:rPr>
+                          <m:t>𝜇</m:t>
+                        </m:r>
+                      </m:e>
+                      <m:sub>
+                        <m:r>
+                          <a:rPr lang="en-US" sz="4800" b="0" i="1" smtClean="0">
+                            <a:solidFill>
+                              <a:schemeClr val="tx1"/>
+                            </a:solidFill>
+                            <a:latin typeface="Cambria Math" panose="02040503050406030204" pitchFamily="18" charset="0"/>
+                          </a:rPr>
+                          <m:t>𝑌</m:t>
+                        </m:r>
+                      </m:sub>
+                    </m:sSub>
+                  </m:oMath>
+                </a14:m>
+                <a:endParaRPr lang="en-US" sz="4800" dirty="0">
+                  <a:solidFill>
+                    <a:srgbClr val="2D3A37"/>
+                  </a:solidFill>
+                </a:endParaRPr>
+              </a:p>
+            </p:txBody>
+          </p:sp>
+        </mc:Choice>
+        <mc:Fallback>
+          <p:sp>
+            <p:nvSpPr>
+              <p:cNvPr id="6" name="TextBox 5">
+                <a:extLst>
+                  <a:ext uri="{FF2B5EF4-FFF2-40B4-BE49-F238E27FC236}">
+                    <a16:creationId xmlns:a16="http://schemas.microsoft.com/office/drawing/2014/main" id="{4F2DA592-D8EB-70BA-2112-6C13A4E7B393}"/>
+                  </a:ext>
+                </a:extLst>
+              </p:cNvPr>
+              <p:cNvSpPr txBox="1">
+                <a:spLocks noRot="1" noChangeAspect="1" noMove="1" noResize="1" noEditPoints="1" noAdjustHandles="1" noChangeArrowheads="1" noChangeShapeType="1" noTextEdit="1"/>
+              </p:cNvSpPr>
+              <p:nvPr/>
+            </p:nvSpPr>
+            <p:spPr>
+              <a:xfrm>
+                <a:off x="457200" y="609600"/>
+                <a:ext cx="11201400" cy="919401"/>
+              </a:xfrm>
+              <a:prstGeom prst="roundRect">
+                <a:avLst/>
+              </a:prstGeom>
+              <a:blipFill>
+                <a:blip r:embed="rId3"/>
+                <a:stretch>
+                  <a:fillRect t="-2439" b="-26220"/>
+                </a:stretch>
+              </a:blipFill>
+              <a:ln w="76200">
+                <a:solidFill>
+                  <a:srgbClr val="FFC416"/>
+                </a:solidFill>
+              </a:ln>
+            </p:spPr>
+            <p:txBody>
+              <a:bodyPr/>
+              <a:lstStyle/>
+              <a:p>
+                <a:r>
+                  <a:rPr lang="en-US">
+                    <a:noFill/>
+                  </a:rPr>
+                  <a:t> </a:t>
+                </a:r>
+              </a:p>
+            </p:txBody>
+          </p:sp>
+        </mc:Fallback>
+      </mc:AlternateContent>
       <p:sp>
         <p:nvSpPr>
           <p:cNvPr id="7" name="TextBox 6">
@@ -10070,8 +7428,8 @@
           </a:p>
         </p:txBody>
       </p:sp>
-      <mc:AlternateContent xmlns:mc="http://schemas.openxmlformats.org/markup-compatibility/2006">
-        <mc:Choice xmlns:a14="http://schemas.microsoft.com/office/drawing/2010/main" Requires="a14">
+      <mc:AlternateContent xmlns:mc="http://schemas.openxmlformats.org/markup-compatibility/2006" xmlns:a14="http://schemas.microsoft.com/office/drawing/2010/main">
+        <mc:Choice Requires="a14">
           <p:sp>
             <p:nvSpPr>
               <p:cNvPr id="11" name="TextBox 10">
@@ -10219,7 +7577,7 @@
             </p:txBody>
           </p:sp>
         </mc:Choice>
-        <mc:Fallback>
+        <mc:Fallback xmlns="">
           <p:sp>
             <p:nvSpPr>
               <p:cNvPr id="11" name="TextBox 10">
@@ -10243,7 +7601,7 @@
                 <a:avLst/>
               </a:prstGeom>
               <a:blipFill>
-                <a:blip r:embed="rId3"/>
+                <a:blip r:embed="rId4"/>
                 <a:stretch>
                   <a:fillRect/>
                 </a:stretch>
@@ -10264,8 +7622,8 @@
           </p:sp>
         </mc:Fallback>
       </mc:AlternateContent>
-      <mc:AlternateContent xmlns:mc="http://schemas.openxmlformats.org/markup-compatibility/2006">
-        <mc:Choice xmlns:a14="http://schemas.microsoft.com/office/drawing/2010/main" Requires="a14">
+      <mc:AlternateContent xmlns:mc="http://schemas.openxmlformats.org/markup-compatibility/2006" xmlns:a14="http://schemas.microsoft.com/office/drawing/2010/main">
+        <mc:Choice Requires="a14">
           <p:sp>
             <p:nvSpPr>
               <p:cNvPr id="3" name="TextBox 2">
@@ -10597,7 +7955,7 @@
             </p:txBody>
           </p:sp>
         </mc:Choice>
-        <mc:Fallback>
+        <mc:Fallback xmlns="">
           <p:sp>
             <p:nvSpPr>
               <p:cNvPr id="3" name="TextBox 2">
@@ -10621,7 +7979,7 @@
                 <a:avLst/>
               </a:prstGeom>
               <a:blipFill>
-                <a:blip r:embed="rId4"/>
+                <a:blip r:embed="rId5"/>
                 <a:stretch>
                   <a:fillRect/>
                 </a:stretch>
@@ -10655,7 +8013,7 @@
 </p:sld>
 </file>
 
-<file path=ppt/slides/slide5.xml><?xml version="1.0" encoding="utf-8"?>
+<file path=ppt/slides/slide6.xml><?xml version="1.0" encoding="utf-8"?>
 <p:sld xmlns:a="http://schemas.openxmlformats.org/drawingml/2006/main" xmlns:r="http://schemas.openxmlformats.org/officeDocument/2006/relationships" xmlns:p="http://schemas.openxmlformats.org/presentationml/2006/main">
   <p:cSld>
     <p:spTree>
@@ -10821,6 +8179,811 @@
                 <a:latin typeface="Adobe Devanagari" panose="02040503050201020203" pitchFamily="18" charset="0"/>
                 <a:cs typeface="Adobe Devanagari" panose="02040503050201020203" pitchFamily="18" charset="0"/>
               </a:rPr>
+              <a:t>Making Predictions for Single Observation</a:t>
+            </a:r>
+            <a:endParaRPr lang="en-US" sz="4800" dirty="0">
+              <a:solidFill>
+                <a:srgbClr val="2D3A37"/>
+              </a:solidFill>
+            </a:endParaRPr>
+          </a:p>
+        </p:txBody>
+      </p:sp>
+      <mc:AlternateContent xmlns:mc="http://schemas.openxmlformats.org/markup-compatibility/2006">
+        <mc:Choice xmlns:a14="http://schemas.microsoft.com/office/drawing/2010/main" Requires="a14">
+          <p:sp>
+            <p:nvSpPr>
+              <p:cNvPr id="7" name="TextBox 6">
+                <a:extLst>
+                  <a:ext uri="{FF2B5EF4-FFF2-40B4-BE49-F238E27FC236}">
+                    <a16:creationId xmlns:a16="http://schemas.microsoft.com/office/drawing/2014/main" id="{D9B238EA-D04E-3255-7509-F990F1A8F309}"/>
+                  </a:ext>
+                </a:extLst>
+              </p:cNvPr>
+              <p:cNvSpPr txBox="1"/>
+              <p:nvPr/>
+            </p:nvSpPr>
+            <p:spPr>
+              <a:xfrm>
+                <a:off x="457200" y="1981200"/>
+                <a:ext cx="11201400" cy="4869418"/>
+              </a:xfrm>
+              <a:prstGeom prst="roundRect">
+                <a:avLst/>
+              </a:prstGeom>
+              <a:solidFill>
+                <a:schemeClr val="bg1"/>
+              </a:solidFill>
+              <a:ln w="76200">
+                <a:solidFill>
+                  <a:srgbClr val="FFC416"/>
+                </a:solidFill>
+              </a:ln>
+            </p:spPr>
+            <p:style>
+              <a:lnRef idx="2">
+                <a:schemeClr val="dk1"/>
+              </a:lnRef>
+              <a:fillRef idx="1">
+                <a:schemeClr val="lt1"/>
+              </a:fillRef>
+              <a:effectRef idx="0">
+                <a:schemeClr val="dk1"/>
+              </a:effectRef>
+              <a:fontRef idx="minor">
+                <a:schemeClr val="dk1"/>
+              </a:fontRef>
+            </p:style>
+            <p:txBody>
+              <a:bodyPr wrap="square" rtlCol="0">
+                <a:spAutoFit/>
+              </a:bodyPr>
+              <a:lstStyle/>
+              <a:p>
+                <a:pPr marL="457200" indent="-457200">
+                  <a:buFont typeface="Arial" panose="020B0604020202020204" pitchFamily="34" charset="0"/>
+                  <a:buChar char="•"/>
+                </a:pPr>
+                <a:r>
+                  <a:rPr lang="en-US" sz="2800" dirty="0">
+                    <a:solidFill>
+                      <a:srgbClr val="660066"/>
+                    </a:solidFill>
+                  </a:rPr>
+                  <a:t>Suppose We Fit a Simple Linear Regression</a:t>
+                </a:r>
+              </a:p>
+              <a:p>
+                <a:endParaRPr lang="en-US" sz="2800" dirty="0">
+                  <a:solidFill>
+                    <a:srgbClr val="660066"/>
+                  </a:solidFill>
+                </a:endParaRPr>
+              </a:p>
+              <a:p>
+                <a:pPr marL="457200" indent="-457200">
+                  <a:buFont typeface="Arial" panose="020B0604020202020204" pitchFamily="34" charset="0"/>
+                  <a:buChar char="•"/>
+                </a:pPr>
+                <a:endParaRPr lang="en-US" sz="2800" dirty="0">
+                  <a:solidFill>
+                    <a:srgbClr val="660066"/>
+                  </a:solidFill>
+                </a:endParaRPr>
+              </a:p>
+              <a:p>
+                <a:pPr marL="457200" indent="-457200">
+                  <a:buFont typeface="Arial" panose="020B0604020202020204" pitchFamily="34" charset="0"/>
+                  <a:buChar char="•"/>
+                </a:pPr>
+                <a:r>
+                  <a:rPr lang="en-US" sz="2800" dirty="0">
+                    <a:solidFill>
+                      <a:srgbClr val="660066"/>
+                    </a:solidFill>
+                  </a:rPr>
+                  <a:t>You Studied 1 Hour But You May Not Be a </a:t>
+                </a:r>
+                <a:r>
+                  <a:rPr lang="en-US" sz="2800" b="1" dirty="0">
+                    <a:solidFill>
+                      <a:srgbClr val="660066"/>
+                    </a:solidFill>
+                  </a:rPr>
+                  <a:t>Typical/Average</a:t>
+                </a:r>
+                <a:r>
+                  <a:rPr lang="en-US" sz="2800" dirty="0">
+                    <a:solidFill>
+                      <a:srgbClr val="660066"/>
+                    </a:solidFill>
+                  </a:rPr>
+                  <a:t> Student</a:t>
+                </a:r>
+              </a:p>
+              <a:p>
+                <a:pPr marL="457200" indent="-457200">
+                  <a:buFont typeface="Arial" panose="020B0604020202020204" pitchFamily="34" charset="0"/>
+                  <a:buChar char="•"/>
+                </a:pPr>
+                <a:endParaRPr lang="en-US" sz="2800" dirty="0">
+                  <a:solidFill>
+                    <a:srgbClr val="660066"/>
+                  </a:solidFill>
+                </a:endParaRPr>
+              </a:p>
+              <a:p>
+                <a:pPr marL="457200" indent="-457200">
+                  <a:buFont typeface="Arial" panose="020B0604020202020204" pitchFamily="34" charset="0"/>
+                  <a:buChar char="•"/>
+                </a:pPr>
+                <a:r>
+                  <a:rPr lang="en-US" sz="2800" dirty="0">
+                    <a:solidFill>
+                      <a:srgbClr val="660066"/>
+                    </a:solidFill>
+                  </a:rPr>
+                  <a:t>I May Predict You to Get a 79%, but I Am </a:t>
+                </a:r>
+                <a:r>
+                  <a:rPr lang="en-US" sz="2800" b="1" dirty="0">
+                    <a:solidFill>
+                      <a:srgbClr val="660066"/>
+                    </a:solidFill>
+                  </a:rPr>
+                  <a:t>More Uncertain</a:t>
+                </a:r>
+              </a:p>
+              <a:p>
+                <a:pPr marL="457200" indent="-457200">
+                  <a:buFont typeface="Arial" panose="020B0604020202020204" pitchFamily="34" charset="0"/>
+                  <a:buChar char="•"/>
+                </a:pPr>
+                <a:endParaRPr lang="en-US" sz="2800" b="1" dirty="0">
+                  <a:solidFill>
+                    <a:srgbClr val="660066"/>
+                  </a:solidFill>
+                </a:endParaRPr>
+              </a:p>
+              <a:p>
+                <a:pPr marL="457200" indent="-457200">
+                  <a:buFont typeface="Arial" panose="020B0604020202020204" pitchFamily="34" charset="0"/>
+                  <a:buChar char="•"/>
+                </a:pPr>
+                <a:r>
+                  <a:rPr lang="en-US" sz="2800" dirty="0">
+                    <a:solidFill>
+                      <a:srgbClr val="660066"/>
+                    </a:solidFill>
+                  </a:rPr>
+                  <a:t>Why? Different Students Who Studied 1 Hour Will All Not Get the Same Grade Because of </a:t>
+                </a:r>
+                <a14:m>
+                  <m:oMath xmlns:m="http://schemas.openxmlformats.org/officeDocument/2006/math">
+                    <m:r>
+                      <a:rPr lang="en-US" sz="2800" b="0" i="1" smtClean="0">
+                        <a:solidFill>
+                          <a:srgbClr val="660066"/>
+                        </a:solidFill>
+                        <a:latin typeface="Cambria Math" panose="02040503050406030204" pitchFamily="18" charset="0"/>
+                      </a:rPr>
+                      <m:t>𝜖</m:t>
+                    </m:r>
+                  </m:oMath>
+                </a14:m>
+                <a:r>
+                  <a:rPr lang="en-US" sz="2800" dirty="0">
+                    <a:solidFill>
+                      <a:srgbClr val="660066"/>
+                    </a:solidFill>
+                  </a:rPr>
+                  <a:t> in the Population Model</a:t>
+                </a:r>
+              </a:p>
+              <a:p>
+                <a:pPr marL="457200" indent="-457200">
+                  <a:buFont typeface="Arial" panose="020B0604020202020204" pitchFamily="34" charset="0"/>
+                  <a:buChar char="•"/>
+                </a:pPr>
+                <a:endParaRPr lang="en-US" sz="2800" dirty="0">
+                  <a:solidFill>
+                    <a:srgbClr val="660066"/>
+                  </a:solidFill>
+                </a:endParaRPr>
+              </a:p>
+            </p:txBody>
+          </p:sp>
+        </mc:Choice>
+        <mc:Fallback>
+          <p:sp>
+            <p:nvSpPr>
+              <p:cNvPr id="7" name="TextBox 6">
+                <a:extLst>
+                  <a:ext uri="{FF2B5EF4-FFF2-40B4-BE49-F238E27FC236}">
+                    <a16:creationId xmlns:a16="http://schemas.microsoft.com/office/drawing/2014/main" id="{D9B238EA-D04E-3255-7509-F990F1A8F309}"/>
+                  </a:ext>
+                </a:extLst>
+              </p:cNvPr>
+              <p:cNvSpPr txBox="1">
+                <a:spLocks noRot="1" noChangeAspect="1" noMove="1" noResize="1" noEditPoints="1" noAdjustHandles="1" noChangeArrowheads="1" noChangeShapeType="1" noTextEdit="1"/>
+              </p:cNvSpPr>
+              <p:nvPr/>
+            </p:nvSpPr>
+            <p:spPr>
+              <a:xfrm>
+                <a:off x="457200" y="1981200"/>
+                <a:ext cx="11201400" cy="4869418"/>
+              </a:xfrm>
+              <a:prstGeom prst="roundRect">
+                <a:avLst/>
+              </a:prstGeom>
+              <a:blipFill>
+                <a:blip r:embed="rId3"/>
+                <a:stretch>
+                  <a:fillRect/>
+                </a:stretch>
+              </a:blipFill>
+              <a:ln w="76200">
+                <a:solidFill>
+                  <a:srgbClr val="FFC416"/>
+                </a:solidFill>
+              </a:ln>
+            </p:spPr>
+            <p:txBody>
+              <a:bodyPr/>
+              <a:lstStyle/>
+              <a:p>
+                <a:r>
+                  <a:rPr lang="en-US">
+                    <a:noFill/>
+                  </a:rPr>
+                  <a:t> </a:t>
+                </a:r>
+              </a:p>
+            </p:txBody>
+          </p:sp>
+        </mc:Fallback>
+      </mc:AlternateContent>
+      <mc:AlternateContent xmlns:mc="http://schemas.openxmlformats.org/markup-compatibility/2006">
+        <mc:Choice xmlns:a14="http://schemas.microsoft.com/office/drawing/2010/main" Requires="a14">
+          <p:sp>
+            <p:nvSpPr>
+              <p:cNvPr id="3" name="TextBox 2">
+                <a:extLst>
+                  <a:ext uri="{FF2B5EF4-FFF2-40B4-BE49-F238E27FC236}">
+                    <a16:creationId xmlns:a16="http://schemas.microsoft.com/office/drawing/2014/main" id="{FAB272A7-118A-A7D8-7986-619E1E08234F}"/>
+                  </a:ext>
+                </a:extLst>
+              </p:cNvPr>
+              <p:cNvSpPr txBox="1"/>
+              <p:nvPr/>
+            </p:nvSpPr>
+            <p:spPr>
+              <a:xfrm>
+                <a:off x="2057400" y="2823612"/>
+                <a:ext cx="6858000" cy="546175"/>
+              </a:xfrm>
+              <a:prstGeom prst="rect">
+                <a:avLst/>
+              </a:prstGeom>
+              <a:noFill/>
+            </p:spPr>
+            <p:txBody>
+              <a:bodyPr wrap="square" rtlCol="0">
+                <a:spAutoFit/>
+              </a:bodyPr>
+              <a:lstStyle/>
+              <a:p>
+                <a:pPr/>
+                <a14:m>
+                  <m:oMathPara xmlns:m="http://schemas.openxmlformats.org/officeDocument/2006/math">
+                    <m:oMathParaPr>
+                      <m:jc m:val="centerGroup"/>
+                    </m:oMathParaPr>
+                    <m:oMath xmlns:m="http://schemas.openxmlformats.org/officeDocument/2006/math">
+                      <m:acc>
+                        <m:accPr>
+                          <m:chr m:val="̂"/>
+                          <m:ctrlPr>
+                            <a:rPr lang="en-US" sz="2800" b="0" i="1" smtClean="0">
+                              <a:latin typeface="Cambria Math" panose="02040503050406030204" pitchFamily="18" charset="0"/>
+                            </a:rPr>
+                          </m:ctrlPr>
+                        </m:accPr>
+                        <m:e>
+                          <m:r>
+                            <a:rPr lang="en-US" sz="2800" b="0" i="1" smtClean="0">
+                              <a:latin typeface="Cambria Math" panose="02040503050406030204" pitchFamily="18" charset="0"/>
+                            </a:rPr>
+                            <m:t>𝐺𝑟𝑎𝑑𝑒</m:t>
+                          </m:r>
+                        </m:e>
+                      </m:acc>
+                      <m:r>
+                        <a:rPr lang="en-US" sz="2800" b="0" i="1" smtClean="0">
+                          <a:latin typeface="Cambria Math" panose="02040503050406030204" pitchFamily="18" charset="0"/>
+                        </a:rPr>
+                        <m:t>=75+4(</m:t>
+                      </m:r>
+                      <m:r>
+                        <a:rPr lang="en-US" sz="2800" b="0" i="1" smtClean="0">
+                          <a:latin typeface="Cambria Math" panose="02040503050406030204" pitchFamily="18" charset="0"/>
+                        </a:rPr>
+                        <m:t>𝐻𝑜𝑢𝑟𝑠</m:t>
+                      </m:r>
+                      <m:r>
+                        <a:rPr lang="en-US" sz="2800" b="0" i="1" smtClean="0">
+                          <a:latin typeface="Cambria Math" panose="02040503050406030204" pitchFamily="18" charset="0"/>
+                        </a:rPr>
+                        <m:t> </m:t>
+                      </m:r>
+                      <m:r>
+                        <a:rPr lang="en-US" sz="2800" b="0" i="1" smtClean="0">
+                          <a:latin typeface="Cambria Math" panose="02040503050406030204" pitchFamily="18" charset="0"/>
+                        </a:rPr>
+                        <m:t>𝑆𝑝𝑒𝑛𝑡</m:t>
+                      </m:r>
+                      <m:r>
+                        <a:rPr lang="en-US" sz="2800" b="0" i="1" smtClean="0">
+                          <a:latin typeface="Cambria Math" panose="02040503050406030204" pitchFamily="18" charset="0"/>
+                        </a:rPr>
+                        <m:t> </m:t>
+                      </m:r>
+                      <m:r>
+                        <a:rPr lang="en-US" sz="2800" b="0" i="1" smtClean="0">
+                          <a:latin typeface="Cambria Math" panose="02040503050406030204" pitchFamily="18" charset="0"/>
+                        </a:rPr>
+                        <m:t>𝑆𝑡𝑢𝑑𝑦𝑖𝑛𝑔</m:t>
+                      </m:r>
+                      <m:r>
+                        <a:rPr lang="en-US" sz="2800" b="0" i="1" smtClean="0">
+                          <a:latin typeface="Cambria Math" panose="02040503050406030204" pitchFamily="18" charset="0"/>
+                        </a:rPr>
+                        <m:t>)</m:t>
+                      </m:r>
+                    </m:oMath>
+                  </m:oMathPara>
+                </a14:m>
+                <a:endParaRPr lang="en-US" sz="2800" dirty="0"/>
+              </a:p>
+            </p:txBody>
+          </p:sp>
+        </mc:Choice>
+        <mc:Fallback>
+          <p:sp>
+            <p:nvSpPr>
+              <p:cNvPr id="3" name="TextBox 2">
+                <a:extLst>
+                  <a:ext uri="{FF2B5EF4-FFF2-40B4-BE49-F238E27FC236}">
+                    <a16:creationId xmlns:a16="http://schemas.microsoft.com/office/drawing/2014/main" id="{FAB272A7-118A-A7D8-7986-619E1E08234F}"/>
+                  </a:ext>
+                </a:extLst>
+              </p:cNvPr>
+              <p:cNvSpPr txBox="1">
+                <a:spLocks noRot="1" noChangeAspect="1" noMove="1" noResize="1" noEditPoints="1" noAdjustHandles="1" noChangeArrowheads="1" noChangeShapeType="1" noTextEdit="1"/>
+              </p:cNvSpPr>
+              <p:nvPr/>
+            </p:nvSpPr>
+            <p:spPr>
+              <a:xfrm>
+                <a:off x="2057400" y="2823612"/>
+                <a:ext cx="6858000" cy="546175"/>
+              </a:xfrm>
+              <a:prstGeom prst="rect">
+                <a:avLst/>
+              </a:prstGeom>
+              <a:blipFill>
+                <a:blip r:embed="rId4"/>
+                <a:stretch>
+                  <a:fillRect/>
+                </a:stretch>
+              </a:blipFill>
+            </p:spPr>
+            <p:txBody>
+              <a:bodyPr/>
+              <a:lstStyle/>
+              <a:p>
+                <a:r>
+                  <a:rPr lang="en-US">
+                    <a:noFill/>
+                  </a:rPr>
+                  <a:t> </a:t>
+                </a:r>
+              </a:p>
+            </p:txBody>
+          </p:sp>
+        </mc:Fallback>
+      </mc:AlternateContent>
+      <mc:AlternateContent xmlns:mc="http://schemas.openxmlformats.org/markup-compatibility/2006">
+        <mc:Choice xmlns:a14="http://schemas.microsoft.com/office/drawing/2010/main" Requires="a14">
+          <p:sp>
+            <p:nvSpPr>
+              <p:cNvPr id="4" name="TextBox 3">
+                <a:extLst>
+                  <a:ext uri="{FF2B5EF4-FFF2-40B4-BE49-F238E27FC236}">
+                    <a16:creationId xmlns:a16="http://schemas.microsoft.com/office/drawing/2014/main" id="{3729A173-339D-D278-0F1A-87F24A019138}"/>
+                  </a:ext>
+                </a:extLst>
+              </p:cNvPr>
+              <p:cNvSpPr txBox="1"/>
+              <p:nvPr/>
+            </p:nvSpPr>
+            <p:spPr>
+              <a:xfrm>
+                <a:off x="1562100" y="6130071"/>
+                <a:ext cx="7848600" cy="523220"/>
+              </a:xfrm>
+              <a:prstGeom prst="rect">
+                <a:avLst/>
+              </a:prstGeom>
+              <a:noFill/>
+            </p:spPr>
+            <p:txBody>
+              <a:bodyPr wrap="square" rtlCol="0">
+                <a:spAutoFit/>
+              </a:bodyPr>
+              <a:lstStyle/>
+              <a:p>
+                <a:pPr/>
+                <a14:m>
+                  <m:oMathPara xmlns:m="http://schemas.openxmlformats.org/officeDocument/2006/math">
+                    <m:oMathParaPr>
+                      <m:jc m:val="centerGroup"/>
+                    </m:oMathParaPr>
+                    <m:oMath xmlns:m="http://schemas.openxmlformats.org/officeDocument/2006/math">
+                      <m:r>
+                        <a:rPr lang="en-US" sz="2800" b="0" i="1" smtClean="0">
+                          <a:latin typeface="Cambria Math" panose="02040503050406030204" pitchFamily="18" charset="0"/>
+                        </a:rPr>
+                        <m:t>𝐺𝑟𝑎𝑑𝑒</m:t>
+                      </m:r>
+                      <m:r>
+                        <a:rPr lang="en-US" sz="2800" b="0" i="1" smtClean="0">
+                          <a:latin typeface="Cambria Math" panose="02040503050406030204" pitchFamily="18" charset="0"/>
+                        </a:rPr>
+                        <m:t>=</m:t>
+                      </m:r>
+                      <m:sSub>
+                        <m:sSubPr>
+                          <m:ctrlPr>
+                            <a:rPr lang="en-US" sz="2800" b="0" i="1" smtClean="0">
+                              <a:latin typeface="Cambria Math" panose="02040503050406030204" pitchFamily="18" charset="0"/>
+                            </a:rPr>
+                          </m:ctrlPr>
+                        </m:sSubPr>
+                        <m:e>
+                          <m:r>
+                            <a:rPr lang="en-US" sz="2800" b="0" i="1" smtClean="0">
+                              <a:latin typeface="Cambria Math" panose="02040503050406030204" pitchFamily="18" charset="0"/>
+                            </a:rPr>
+                            <m:t>𝛽</m:t>
+                          </m:r>
+                        </m:e>
+                        <m:sub>
+                          <m:r>
+                            <a:rPr lang="en-US" sz="2800" b="0" i="1" smtClean="0">
+                              <a:latin typeface="Cambria Math" panose="02040503050406030204" pitchFamily="18" charset="0"/>
+                            </a:rPr>
+                            <m:t>0</m:t>
+                          </m:r>
+                        </m:sub>
+                      </m:sSub>
+                      <m:r>
+                        <a:rPr lang="en-US" sz="2800" b="0" i="1" smtClean="0">
+                          <a:latin typeface="Cambria Math" panose="02040503050406030204" pitchFamily="18" charset="0"/>
+                        </a:rPr>
+                        <m:t>+</m:t>
+                      </m:r>
+                      <m:sSub>
+                        <m:sSubPr>
+                          <m:ctrlPr>
+                            <a:rPr lang="en-US" sz="2800" b="0" i="1" smtClean="0">
+                              <a:latin typeface="Cambria Math" panose="02040503050406030204" pitchFamily="18" charset="0"/>
+                            </a:rPr>
+                          </m:ctrlPr>
+                        </m:sSubPr>
+                        <m:e>
+                          <m:r>
+                            <a:rPr lang="en-US" sz="2800" b="0" i="1" smtClean="0">
+                              <a:latin typeface="Cambria Math" panose="02040503050406030204" pitchFamily="18" charset="0"/>
+                            </a:rPr>
+                            <m:t>𝛽</m:t>
+                          </m:r>
+                        </m:e>
+                        <m:sub>
+                          <m:r>
+                            <a:rPr lang="en-US" sz="2800" b="0" i="1" smtClean="0">
+                              <a:latin typeface="Cambria Math" panose="02040503050406030204" pitchFamily="18" charset="0"/>
+                            </a:rPr>
+                            <m:t>1</m:t>
+                          </m:r>
+                        </m:sub>
+                      </m:sSub>
+                      <m:d>
+                        <m:dPr>
+                          <m:ctrlPr>
+                            <a:rPr lang="en-US" sz="2800" b="0" i="1" smtClean="0">
+                              <a:latin typeface="Cambria Math" panose="02040503050406030204" pitchFamily="18" charset="0"/>
+                            </a:rPr>
+                          </m:ctrlPr>
+                        </m:dPr>
+                        <m:e>
+                          <m:r>
+                            <a:rPr lang="en-US" sz="2800" b="0" i="1" smtClean="0">
+                              <a:latin typeface="Cambria Math" panose="02040503050406030204" pitchFamily="18" charset="0"/>
+                            </a:rPr>
+                            <m:t>𝐻𝑜𝑢𝑟𝑠</m:t>
+                          </m:r>
+                          <m:r>
+                            <a:rPr lang="en-US" sz="2800" b="0" i="1" smtClean="0">
+                              <a:latin typeface="Cambria Math" panose="02040503050406030204" pitchFamily="18" charset="0"/>
+                            </a:rPr>
+                            <m:t> </m:t>
+                          </m:r>
+                          <m:r>
+                            <a:rPr lang="en-US" sz="2800" b="0" i="1" smtClean="0">
+                              <a:latin typeface="Cambria Math" panose="02040503050406030204" pitchFamily="18" charset="0"/>
+                            </a:rPr>
+                            <m:t>𝑆𝑝𝑒𝑛𝑡</m:t>
+                          </m:r>
+                          <m:r>
+                            <a:rPr lang="en-US" sz="2800" b="0" i="1" smtClean="0">
+                              <a:latin typeface="Cambria Math" panose="02040503050406030204" pitchFamily="18" charset="0"/>
+                            </a:rPr>
+                            <m:t> </m:t>
+                          </m:r>
+                          <m:r>
+                            <a:rPr lang="en-US" sz="2800" b="0" i="1" smtClean="0">
+                              <a:latin typeface="Cambria Math" panose="02040503050406030204" pitchFamily="18" charset="0"/>
+                            </a:rPr>
+                            <m:t>𝑆𝑡𝑢𝑑𝑦𝑖𝑛𝑔</m:t>
+                          </m:r>
+                        </m:e>
+                      </m:d>
+                      <m:r>
+                        <a:rPr lang="en-US" sz="2800" b="0" i="1" smtClean="0">
+                          <a:latin typeface="Cambria Math" panose="02040503050406030204" pitchFamily="18" charset="0"/>
+                        </a:rPr>
+                        <m:t>+</m:t>
+                      </m:r>
+                      <m:r>
+                        <a:rPr lang="en-US" sz="2800" b="0" i="1" smtClean="0">
+                          <a:latin typeface="Cambria Math" panose="02040503050406030204" pitchFamily="18" charset="0"/>
+                        </a:rPr>
+                        <m:t>𝜖</m:t>
+                      </m:r>
+                    </m:oMath>
+                  </m:oMathPara>
+                </a14:m>
+                <a:endParaRPr lang="en-US" sz="2800" dirty="0"/>
+              </a:p>
+            </p:txBody>
+          </p:sp>
+        </mc:Choice>
+        <mc:Fallback>
+          <p:sp>
+            <p:nvSpPr>
+              <p:cNvPr id="4" name="TextBox 3">
+                <a:extLst>
+                  <a:ext uri="{FF2B5EF4-FFF2-40B4-BE49-F238E27FC236}">
+                    <a16:creationId xmlns:a16="http://schemas.microsoft.com/office/drawing/2014/main" id="{3729A173-339D-D278-0F1A-87F24A019138}"/>
+                  </a:ext>
+                </a:extLst>
+              </p:cNvPr>
+              <p:cNvSpPr txBox="1">
+                <a:spLocks noRot="1" noChangeAspect="1" noMove="1" noResize="1" noEditPoints="1" noAdjustHandles="1" noChangeArrowheads="1" noChangeShapeType="1" noTextEdit="1"/>
+              </p:cNvSpPr>
+              <p:nvPr/>
+            </p:nvSpPr>
+            <p:spPr>
+              <a:xfrm>
+                <a:off x="1562100" y="6130071"/>
+                <a:ext cx="7848600" cy="523220"/>
+              </a:xfrm>
+              <a:prstGeom prst="rect">
+                <a:avLst/>
+              </a:prstGeom>
+              <a:blipFill>
+                <a:blip r:embed="rId5"/>
+                <a:stretch>
+                  <a:fillRect/>
+                </a:stretch>
+              </a:blipFill>
+            </p:spPr>
+            <p:txBody>
+              <a:bodyPr/>
+              <a:lstStyle/>
+              <a:p>
+                <a:r>
+                  <a:rPr lang="en-US">
+                    <a:noFill/>
+                  </a:rPr>
+                  <a:t> </a:t>
+                </a:r>
+              </a:p>
+            </p:txBody>
+          </p:sp>
+        </mc:Fallback>
+      </mc:AlternateContent>
+    </p:spTree>
+    <p:extLst>
+      <p:ext uri="{BB962C8B-B14F-4D97-AF65-F5344CB8AC3E}">
+        <p14:creationId xmlns:p14="http://schemas.microsoft.com/office/powerpoint/2010/main" val="452751779"/>
+      </p:ext>
+    </p:extLst>
+  </p:cSld>
+  <p:clrMapOvr>
+    <a:masterClrMapping/>
+  </p:clrMapOvr>
+</p:sld>
+</file>
+
+<file path=ppt/slides/slide7.xml><?xml version="1.0" encoding="utf-8"?>
+<p:sld xmlns:a="http://schemas.openxmlformats.org/drawingml/2006/main" xmlns:r="http://schemas.openxmlformats.org/officeDocument/2006/relationships" xmlns:p="http://schemas.openxmlformats.org/presentationml/2006/main">
+  <p:cSld>
+    <p:spTree>
+      <p:nvGrpSpPr>
+        <p:cNvPr id="1" name=""/>
+        <p:cNvGrpSpPr/>
+        <p:nvPr/>
+      </p:nvGrpSpPr>
+      <p:grpSpPr>
+        <a:xfrm>
+          <a:off x="0" y="0"/>
+          <a:ext cx="0" cy="0"/>
+          <a:chOff x="0" y="0"/>
+          <a:chExt cx="0" cy="0"/>
+        </a:xfrm>
+      </p:grpSpPr>
+      <p:pic>
+        <p:nvPicPr>
+          <p:cNvPr id="2" name="Picture 10" descr="Mario Pattern">
+            <a:extLst>
+              <a:ext uri="{FF2B5EF4-FFF2-40B4-BE49-F238E27FC236}">
+                <a16:creationId xmlns:a16="http://schemas.microsoft.com/office/drawing/2014/main" id="{8F84FFD9-23AF-75F7-6DAA-904525952142}"/>
+              </a:ext>
+            </a:extLst>
+          </p:cNvPr>
+          <p:cNvPicPr>
+            <a:picLocks noChangeAspect="1" noChangeArrowheads="1"/>
+          </p:cNvPicPr>
+          <p:nvPr/>
+        </p:nvPicPr>
+        <p:blipFill rotWithShape="1">
+          <a:blip r:embed="rId2">
+            <a:alphaModFix amt="47000"/>
+            <a:extLst>
+              <a:ext uri="{28A0092B-C50C-407E-A947-70E740481C1C}">
+                <a14:useLocalDpi xmlns:a14="http://schemas.microsoft.com/office/drawing/2010/main" val="0"/>
+              </a:ext>
+            </a:extLst>
+          </a:blip>
+          <a:srcRect l="4595" r="6699"/>
+          <a:stretch/>
+        </p:blipFill>
+        <p:spPr bwMode="auto">
+          <a:xfrm>
+            <a:off x="0" y="-2057400"/>
+            <a:ext cx="12192000" cy="10308201"/>
+          </a:xfrm>
+          <a:prstGeom prst="rect">
+            <a:avLst/>
+          </a:prstGeom>
+          <a:noFill/>
+          <a:extLst>
+            <a:ext uri="{909E8E84-426E-40DD-AFC4-6F175D3DCCD1}">
+              <a14:hiddenFill xmlns:a14="http://schemas.microsoft.com/office/drawing/2010/main">
+                <a:solidFill>
+                  <a:srgbClr val="FFFFFF"/>
+                </a:solidFill>
+              </a14:hiddenFill>
+            </a:ext>
+          </a:extLst>
+        </p:spPr>
+      </p:pic>
+      <p:sp>
+        <p:nvSpPr>
+          <p:cNvPr id="12" name="Line 11"/>
+          <p:cNvSpPr>
+            <a:spLocks noChangeShapeType="1"/>
+          </p:cNvSpPr>
+          <p:nvPr/>
+        </p:nvSpPr>
+        <p:spPr bwMode="auto">
+          <a:xfrm flipV="1">
+            <a:off x="6972300" y="5109836"/>
+            <a:ext cx="609600" cy="533400"/>
+          </a:xfrm>
+          <a:prstGeom prst="line">
+            <a:avLst/>
+          </a:prstGeom>
+          <a:noFill/>
+          <a:ln w="38100">
+            <a:solidFill>
+              <a:srgbClr val="FFFF66"/>
+            </a:solidFill>
+            <a:round/>
+            <a:headEnd/>
+            <a:tailEnd type="triangle" w="med" len="med"/>
+          </a:ln>
+          <a:extLst>
+            <a:ext uri="{909E8E84-426E-40DD-AFC4-6F175D3DCCD1}">
+              <a14:hiddenFill xmlns:a14="http://schemas.microsoft.com/office/drawing/2010/main">
+                <a:noFill/>
+              </a14:hiddenFill>
+            </a:ext>
+          </a:extLst>
+        </p:spPr>
+        <p:txBody>
+          <a:bodyPr wrap="square">
+            <a:spAutoFit/>
+          </a:bodyPr>
+          <a:lstStyle/>
+          <a:p>
+            <a:endParaRPr lang="en-US"/>
+          </a:p>
+        </p:txBody>
+      </p:sp>
+      <p:sp>
+        <p:nvSpPr>
+          <p:cNvPr id="6" name="TextBox 5">
+            <a:extLst>
+              <a:ext uri="{FF2B5EF4-FFF2-40B4-BE49-F238E27FC236}">
+                <a16:creationId xmlns:a16="http://schemas.microsoft.com/office/drawing/2014/main" id="{4F2DA592-D8EB-70BA-2112-6C13A4E7B393}"/>
+              </a:ext>
+            </a:extLst>
+          </p:cNvPr>
+          <p:cNvSpPr txBox="1"/>
+          <p:nvPr/>
+        </p:nvSpPr>
+        <p:spPr>
+          <a:xfrm>
+            <a:off x="457200" y="609600"/>
+            <a:ext cx="11201400" cy="919401"/>
+          </a:xfrm>
+          <a:prstGeom prst="roundRect">
+            <a:avLst/>
+          </a:prstGeom>
+          <a:solidFill>
+            <a:schemeClr val="bg1">
+              <a:alpha val="70000"/>
+            </a:schemeClr>
+          </a:solidFill>
+          <a:ln w="76200">
+            <a:solidFill>
+              <a:srgbClr val="FFC416"/>
+            </a:solidFill>
+          </a:ln>
+        </p:spPr>
+        <p:style>
+          <a:lnRef idx="2">
+            <a:schemeClr val="dk1"/>
+          </a:lnRef>
+          <a:fillRef idx="1">
+            <a:schemeClr val="lt1"/>
+          </a:fillRef>
+          <a:effectRef idx="0">
+            <a:schemeClr val="dk1"/>
+          </a:effectRef>
+          <a:fontRef idx="minor">
+            <a:schemeClr val="dk1"/>
+          </a:fontRef>
+        </p:style>
+        <p:txBody>
+          <a:bodyPr wrap="square" rtlCol="0">
+            <a:spAutoFit/>
+          </a:bodyPr>
+          <a:lstStyle/>
+          <a:p>
+            <a:pPr algn="ctr"/>
+            <a:r>
+              <a:rPr lang="en-US" sz="4800" b="1" dirty="0">
+                <a:solidFill>
+                  <a:srgbClr val="2D3A37"/>
+                </a:solidFill>
+                <a:latin typeface="Adobe Devanagari" panose="02040503050201020203" pitchFamily="18" charset="0"/>
+                <a:cs typeface="Adobe Devanagari" panose="02040503050201020203" pitchFamily="18" charset="0"/>
+              </a:rPr>
               <a:t>Prediction Interval for Single Observation</a:t>
             </a:r>
             <a:endParaRPr lang="en-US" sz="4800" dirty="0">
@@ -10975,8 +9138,8 @@
           </a:p>
         </p:txBody>
       </p:sp>
-      <mc:AlternateContent xmlns:mc="http://schemas.openxmlformats.org/markup-compatibility/2006">
-        <mc:Choice xmlns:a14="http://schemas.microsoft.com/office/drawing/2010/main" Requires="a14">
+      <mc:AlternateContent xmlns:mc="http://schemas.openxmlformats.org/markup-compatibility/2006" xmlns:a14="http://schemas.microsoft.com/office/drawing/2010/main">
+        <mc:Choice Requires="a14">
           <p:sp>
             <p:nvSpPr>
               <p:cNvPr id="11" name="TextBox 10">
@@ -11057,7 +9220,25 @@
                             <a:rPr lang="en-US" sz="2800" b="0" i="1" smtClean="0">
                               <a:latin typeface="Cambria Math" panose="02040503050406030204" pitchFamily="18" charset="0"/>
                             </a:rPr>
-                            <m:t>0.025,</m:t>
+                            <m:t>0</m:t>
+                          </m:r>
+                          <m:r>
+                            <a:rPr lang="en-US" sz="2800" b="0" i="1" smtClean="0">
+                              <a:latin typeface="Cambria Math" panose="02040503050406030204" pitchFamily="18" charset="0"/>
+                            </a:rPr>
+                            <m:t>.</m:t>
+                          </m:r>
+                          <m:r>
+                            <a:rPr lang="en-US" sz="2800" b="0" i="1" smtClean="0">
+                              <a:latin typeface="Cambria Math" panose="02040503050406030204" pitchFamily="18" charset="0"/>
+                            </a:rPr>
+                            <m:t>025</m:t>
+                          </m:r>
+                          <m:r>
+                            <a:rPr lang="en-US" sz="2800" b="0" i="1" smtClean="0">
+                              <a:latin typeface="Cambria Math" panose="02040503050406030204" pitchFamily="18" charset="0"/>
+                            </a:rPr>
+                            <m:t>,</m:t>
                           </m:r>
                           <m:r>
                             <a:rPr lang="en-US" sz="2800" b="0" i="1" smtClean="0">
@@ -11069,7 +9250,13 @@
                             <a:rPr lang="en-US" sz="2800" b="0" i="1" smtClean="0">
                               <a:latin typeface="Cambria Math" panose="02040503050406030204" pitchFamily="18" charset="0"/>
                             </a:rPr>
-                            <m:t>−2</m:t>
+                            <m:t>−</m:t>
+                          </m:r>
+                          <m:r>
+                            <a:rPr lang="en-US" sz="2800" b="0" i="1" smtClean="0">
+                              <a:latin typeface="Cambria Math" panose="02040503050406030204" pitchFamily="18" charset="0"/>
+                            </a:rPr>
+                            <m:t>2</m:t>
                           </m:r>
                         </m:sub>
                       </m:sSub>
@@ -11124,7 +9311,7 @@
             </p:txBody>
           </p:sp>
         </mc:Choice>
-        <mc:Fallback>
+        <mc:Fallback xmlns="">
           <p:sp>
             <p:nvSpPr>
               <p:cNvPr id="11" name="TextBox 10">
@@ -11169,8 +9356,8 @@
           </p:sp>
         </mc:Fallback>
       </mc:AlternateContent>
-      <mc:AlternateContent xmlns:mc="http://schemas.openxmlformats.org/markup-compatibility/2006">
-        <mc:Choice xmlns:a14="http://schemas.microsoft.com/office/drawing/2010/main" Requires="a14">
+      <mc:AlternateContent xmlns:mc="http://schemas.openxmlformats.org/markup-compatibility/2006" xmlns:a14="http://schemas.microsoft.com/office/drawing/2010/main">
+        <mc:Choice Requires="a14">
           <p:sp>
             <p:nvSpPr>
               <p:cNvPr id="3" name="TextBox 2">
@@ -11307,7 +9494,13 @@
                             <a:rPr lang="en-US" sz="2800" b="0" i="1" smtClean="0">
                               <a:latin typeface="Cambria Math" panose="02040503050406030204" pitchFamily="18" charset="0"/>
                             </a:rPr>
-                            <m:t>1+</m:t>
+                            <m:t>1</m:t>
+                          </m:r>
+                          <m:r>
+                            <a:rPr lang="en-US" sz="2800" b="0" i="1" smtClean="0">
+                              <a:latin typeface="Cambria Math" panose="02040503050406030204" pitchFamily="18" charset="0"/>
+                            </a:rPr>
+                            <m:t>+</m:t>
                           </m:r>
                           <m:f>
                             <m:fPr>
@@ -11508,7 +9701,7 @@
             </p:txBody>
           </p:sp>
         </mc:Choice>
-        <mc:Fallback>
+        <mc:Fallback xmlns="">
           <p:sp>
             <p:nvSpPr>
               <p:cNvPr id="3" name="TextBox 2">
@@ -11557,959 +9750,6 @@
     <p:extLst>
       <p:ext uri="{BB962C8B-B14F-4D97-AF65-F5344CB8AC3E}">
         <p14:creationId xmlns:p14="http://schemas.microsoft.com/office/powerpoint/2010/main" val="1211883328"/>
-      </p:ext>
-    </p:extLst>
-  </p:cSld>
-  <p:clrMapOvr>
-    <a:masterClrMapping/>
-  </p:clrMapOvr>
-</p:sld>
-</file>
-
-<file path=ppt/slides/slide6.xml><?xml version="1.0" encoding="utf-8"?>
-<p:sld xmlns:a="http://schemas.openxmlformats.org/drawingml/2006/main" xmlns:r="http://schemas.openxmlformats.org/officeDocument/2006/relationships" xmlns:p="http://schemas.openxmlformats.org/presentationml/2006/main">
-  <p:cSld>
-    <p:spTree>
-      <p:nvGrpSpPr>
-        <p:cNvPr id="1" name=""/>
-        <p:cNvGrpSpPr/>
-        <p:nvPr/>
-      </p:nvGrpSpPr>
-      <p:grpSpPr>
-        <a:xfrm>
-          <a:off x="0" y="0"/>
-          <a:ext cx="0" cy="0"/>
-          <a:chOff x="0" y="0"/>
-          <a:chExt cx="0" cy="0"/>
-        </a:xfrm>
-      </p:grpSpPr>
-      <p:pic>
-        <p:nvPicPr>
-          <p:cNvPr id="2" name="Picture 10" descr="Mario Pattern">
-            <a:extLst>
-              <a:ext uri="{FF2B5EF4-FFF2-40B4-BE49-F238E27FC236}">
-                <a16:creationId xmlns:a16="http://schemas.microsoft.com/office/drawing/2014/main" id="{8F84FFD9-23AF-75F7-6DAA-904525952142}"/>
-              </a:ext>
-            </a:extLst>
-          </p:cNvPr>
-          <p:cNvPicPr>
-            <a:picLocks noChangeAspect="1" noChangeArrowheads="1"/>
-          </p:cNvPicPr>
-          <p:nvPr/>
-        </p:nvPicPr>
-        <p:blipFill rotWithShape="1">
-          <a:blip r:embed="rId2">
-            <a:alphaModFix amt="47000"/>
-            <a:extLst>
-              <a:ext uri="{28A0092B-C50C-407E-A947-70E740481C1C}">
-                <a14:useLocalDpi xmlns:a14="http://schemas.microsoft.com/office/drawing/2010/main" val="0"/>
-              </a:ext>
-            </a:extLst>
-          </a:blip>
-          <a:srcRect l="4595" r="6699"/>
-          <a:stretch/>
-        </p:blipFill>
-        <p:spPr bwMode="auto">
-          <a:xfrm>
-            <a:off x="0" y="-2057400"/>
-            <a:ext cx="12192000" cy="10308201"/>
-          </a:xfrm>
-          <a:prstGeom prst="rect">
-            <a:avLst/>
-          </a:prstGeom>
-          <a:noFill/>
-          <a:extLst>
-            <a:ext uri="{909E8E84-426E-40DD-AFC4-6F175D3DCCD1}">
-              <a14:hiddenFill xmlns:a14="http://schemas.microsoft.com/office/drawing/2010/main">
-                <a:solidFill>
-                  <a:srgbClr val="FFFFFF"/>
-                </a:solidFill>
-              </a14:hiddenFill>
-            </a:ext>
-          </a:extLst>
-        </p:spPr>
-      </p:pic>
-      <p:sp>
-        <p:nvSpPr>
-          <p:cNvPr id="12" name="Line 11"/>
-          <p:cNvSpPr>
-            <a:spLocks noChangeShapeType="1"/>
-          </p:cNvSpPr>
-          <p:nvPr/>
-        </p:nvSpPr>
-        <p:spPr bwMode="auto">
-          <a:xfrm flipV="1">
-            <a:off x="6972300" y="5109836"/>
-            <a:ext cx="609600" cy="533400"/>
-          </a:xfrm>
-          <a:prstGeom prst="line">
-            <a:avLst/>
-          </a:prstGeom>
-          <a:noFill/>
-          <a:ln w="38100">
-            <a:solidFill>
-              <a:srgbClr val="FFFF66"/>
-            </a:solidFill>
-            <a:round/>
-            <a:headEnd/>
-            <a:tailEnd type="triangle" w="med" len="med"/>
-          </a:ln>
-          <a:extLst>
-            <a:ext uri="{909E8E84-426E-40DD-AFC4-6F175D3DCCD1}">
-              <a14:hiddenFill xmlns:a14="http://schemas.microsoft.com/office/drawing/2010/main">
-                <a:noFill/>
-              </a14:hiddenFill>
-            </a:ext>
-          </a:extLst>
-        </p:spPr>
-        <p:txBody>
-          <a:bodyPr wrap="square">
-            <a:spAutoFit/>
-          </a:bodyPr>
-          <a:lstStyle/>
-          <a:p>
-            <a:endParaRPr lang="en-US"/>
-          </a:p>
-        </p:txBody>
-      </p:sp>
-      <p:sp>
-        <p:nvSpPr>
-          <p:cNvPr id="6" name="TextBox 5">
-            <a:extLst>
-              <a:ext uri="{FF2B5EF4-FFF2-40B4-BE49-F238E27FC236}">
-                <a16:creationId xmlns:a16="http://schemas.microsoft.com/office/drawing/2014/main" id="{4F2DA592-D8EB-70BA-2112-6C13A4E7B393}"/>
-              </a:ext>
-            </a:extLst>
-          </p:cNvPr>
-          <p:cNvSpPr txBox="1"/>
-          <p:nvPr/>
-        </p:nvSpPr>
-        <p:spPr>
-          <a:xfrm>
-            <a:off x="495300" y="606817"/>
-            <a:ext cx="11201400" cy="919401"/>
-          </a:xfrm>
-          <a:prstGeom prst="roundRect">
-            <a:avLst/>
-          </a:prstGeom>
-          <a:solidFill>
-            <a:schemeClr val="bg1">
-              <a:alpha val="70000"/>
-            </a:schemeClr>
-          </a:solidFill>
-          <a:ln w="76200">
-            <a:solidFill>
-              <a:srgbClr val="FFC416"/>
-            </a:solidFill>
-          </a:ln>
-        </p:spPr>
-        <p:style>
-          <a:lnRef idx="2">
-            <a:schemeClr val="dk1"/>
-          </a:lnRef>
-          <a:fillRef idx="1">
-            <a:schemeClr val="lt1"/>
-          </a:fillRef>
-          <a:effectRef idx="0">
-            <a:schemeClr val="dk1"/>
-          </a:effectRef>
-          <a:fontRef idx="minor">
-            <a:schemeClr val="dk1"/>
-          </a:fontRef>
-        </p:style>
-        <p:txBody>
-          <a:bodyPr wrap="square" rtlCol="0">
-            <a:spAutoFit/>
-          </a:bodyPr>
-          <a:lstStyle/>
-          <a:p>
-            <a:pPr algn="ctr"/>
-            <a:r>
-              <a:rPr lang="en-US" sz="4800" b="1" dirty="0">
-                <a:solidFill>
-                  <a:srgbClr val="2D3A37"/>
-                </a:solidFill>
-                <a:effectLst/>
-                <a:latin typeface="Adobe Devanagari" panose="02040503050201020203" pitchFamily="18" charset="0"/>
-                <a:cs typeface="Adobe Devanagari" panose="02040503050201020203" pitchFamily="18" charset="0"/>
-              </a:rPr>
-              <a:t>Example: Butterfly Ballots</a:t>
-            </a:r>
-            <a:endParaRPr lang="en-US" sz="4800" dirty="0">
-              <a:solidFill>
-                <a:srgbClr val="2D3A37"/>
-              </a:solidFill>
-            </a:endParaRPr>
-          </a:p>
-        </p:txBody>
-      </p:sp>
-      <p:sp>
-        <p:nvSpPr>
-          <p:cNvPr id="7" name="TextBox 6">
-            <a:extLst>
-              <a:ext uri="{FF2B5EF4-FFF2-40B4-BE49-F238E27FC236}">
-                <a16:creationId xmlns:a16="http://schemas.microsoft.com/office/drawing/2014/main" id="{D9B238EA-D04E-3255-7509-F990F1A8F309}"/>
-              </a:ext>
-            </a:extLst>
-          </p:cNvPr>
-          <p:cNvSpPr txBox="1"/>
-          <p:nvPr/>
-        </p:nvSpPr>
-        <p:spPr>
-          <a:xfrm>
-            <a:off x="495300" y="1974467"/>
-            <a:ext cx="11201400" cy="4801314"/>
-          </a:xfrm>
-          <a:prstGeom prst="roundRect">
-            <a:avLst/>
-          </a:prstGeom>
-          <a:solidFill>
-            <a:schemeClr val="bg1"/>
-          </a:solidFill>
-          <a:ln w="76200">
-            <a:solidFill>
-              <a:srgbClr val="FFC416"/>
-            </a:solidFill>
-          </a:ln>
-        </p:spPr>
-        <p:style>
-          <a:lnRef idx="2">
-            <a:schemeClr val="dk1"/>
-          </a:lnRef>
-          <a:fillRef idx="1">
-            <a:schemeClr val="lt1"/>
-          </a:fillRef>
-          <a:effectRef idx="0">
-            <a:schemeClr val="dk1"/>
-          </a:effectRef>
-          <a:fontRef idx="minor">
-            <a:schemeClr val="dk1"/>
-          </a:fontRef>
-        </p:style>
-        <p:txBody>
-          <a:bodyPr wrap="square" rtlCol="0">
-            <a:spAutoFit/>
-          </a:bodyPr>
-          <a:lstStyle/>
-          <a:p>
-            <a:pPr marL="457200" indent="-457200">
-              <a:buFont typeface="Arial" panose="020B0604020202020204" pitchFamily="34" charset="0"/>
-              <a:buChar char="•"/>
-            </a:pPr>
-            <a:r>
-              <a:rPr lang="en-US" sz="2800" dirty="0">
-                <a:solidFill>
-                  <a:srgbClr val="660066"/>
-                </a:solidFill>
-              </a:rPr>
-              <a:t>2000 Election</a:t>
-            </a:r>
-          </a:p>
-          <a:p>
-            <a:pPr marL="914400" lvl="1" indent="-457200">
-              <a:buFont typeface="Arial" panose="020B0604020202020204" pitchFamily="34" charset="0"/>
-              <a:buChar char="•"/>
-            </a:pPr>
-            <a:r>
-              <a:rPr lang="en-US" sz="2400" dirty="0">
-                <a:solidFill>
-                  <a:srgbClr val="660066"/>
-                </a:solidFill>
-              </a:rPr>
-              <a:t>Bush (Republican)</a:t>
-            </a:r>
-          </a:p>
-          <a:p>
-            <a:pPr marL="914400" lvl="1" indent="-457200">
-              <a:buFont typeface="Arial" panose="020B0604020202020204" pitchFamily="34" charset="0"/>
-              <a:buChar char="•"/>
-            </a:pPr>
-            <a:r>
-              <a:rPr lang="en-US" sz="2400" dirty="0">
-                <a:solidFill>
-                  <a:srgbClr val="660066"/>
-                </a:solidFill>
-              </a:rPr>
-              <a:t>Gore (Democrat)</a:t>
-            </a:r>
-          </a:p>
-          <a:p>
-            <a:pPr marL="914400" lvl="1" indent="-457200">
-              <a:buFont typeface="Arial" panose="020B0604020202020204" pitchFamily="34" charset="0"/>
-              <a:buChar char="•"/>
-            </a:pPr>
-            <a:r>
-              <a:rPr lang="en-US" sz="2400" dirty="0">
-                <a:solidFill>
-                  <a:srgbClr val="660066"/>
-                </a:solidFill>
-              </a:rPr>
-              <a:t>Buchanan (Third Party)</a:t>
-            </a:r>
-          </a:p>
-          <a:p>
-            <a:pPr marL="914400" lvl="1" indent="-457200">
-              <a:buFont typeface="Arial" panose="020B0604020202020204" pitchFamily="34" charset="0"/>
-              <a:buChar char="•"/>
-            </a:pPr>
-            <a:endParaRPr lang="en-US" sz="2400" dirty="0">
-              <a:solidFill>
-                <a:srgbClr val="660066"/>
-              </a:solidFill>
-            </a:endParaRPr>
-          </a:p>
-          <a:p>
-            <a:pPr marL="457200" indent="-457200">
-              <a:buFont typeface="Arial" panose="020B0604020202020204" pitchFamily="34" charset="0"/>
-              <a:buChar char="•"/>
-            </a:pPr>
-            <a:r>
-              <a:rPr lang="en-US" sz="2800" dirty="0">
-                <a:solidFill>
-                  <a:srgbClr val="660066"/>
-                </a:solidFill>
-              </a:rPr>
-              <a:t>Unusual Results in Palm Beach</a:t>
-            </a:r>
-          </a:p>
-          <a:p>
-            <a:pPr marL="914400" lvl="1" indent="-457200">
-              <a:buFont typeface="Arial" panose="020B0604020202020204" pitchFamily="34" charset="0"/>
-              <a:buChar char="•"/>
-            </a:pPr>
-            <a:r>
-              <a:rPr lang="en-US" sz="2400" dirty="0">
-                <a:solidFill>
-                  <a:srgbClr val="660066"/>
-                </a:solidFill>
-              </a:rPr>
-              <a:t>Nonstandard “Butterfly Ballot”</a:t>
-            </a:r>
-          </a:p>
-          <a:p>
-            <a:pPr marL="914400" lvl="1" indent="-457200">
-              <a:buFont typeface="Arial" panose="020B0604020202020204" pitchFamily="34" charset="0"/>
-              <a:buChar char="•"/>
-            </a:pPr>
-            <a:r>
-              <a:rPr lang="en-US" sz="2400" dirty="0">
-                <a:solidFill>
-                  <a:srgbClr val="660066"/>
-                </a:solidFill>
-              </a:rPr>
-              <a:t>Accidental Voting?</a:t>
-            </a:r>
-          </a:p>
-          <a:p>
-            <a:pPr marL="914400" lvl="1" indent="-457200">
-              <a:buFont typeface="Arial" panose="020B0604020202020204" pitchFamily="34" charset="0"/>
-              <a:buChar char="•"/>
-            </a:pPr>
-            <a:endParaRPr lang="en-US" sz="2400" b="1" dirty="0">
-              <a:solidFill>
-                <a:srgbClr val="660066"/>
-              </a:solidFill>
-            </a:endParaRPr>
-          </a:p>
-          <a:p>
-            <a:pPr marL="914400" lvl="1" indent="-457200">
-              <a:buFont typeface="Arial" panose="020B0604020202020204" pitchFamily="34" charset="0"/>
-              <a:buChar char="•"/>
-            </a:pPr>
-            <a:endParaRPr lang="en-US" sz="2400" b="1" dirty="0">
-              <a:solidFill>
-                <a:srgbClr val="660066"/>
-              </a:solidFill>
-            </a:endParaRPr>
-          </a:p>
-          <a:p>
-            <a:pPr lvl="1"/>
-            <a:endParaRPr lang="en-US" sz="2800" b="1" dirty="0">
-              <a:solidFill>
-                <a:srgbClr val="660066"/>
-              </a:solidFill>
-            </a:endParaRPr>
-          </a:p>
-        </p:txBody>
-      </p:sp>
-      <p:pic>
-        <p:nvPicPr>
-          <p:cNvPr id="9" name="Picture 2">
-            <a:extLst>
-              <a:ext uri="{FF2B5EF4-FFF2-40B4-BE49-F238E27FC236}">
-                <a16:creationId xmlns:a16="http://schemas.microsoft.com/office/drawing/2014/main" id="{3548924E-2296-F670-607B-89C58139F882}"/>
-              </a:ext>
-            </a:extLst>
-          </p:cNvPr>
-          <p:cNvPicPr>
-            <a:picLocks noChangeAspect="1" noChangeArrowheads="1"/>
-          </p:cNvPicPr>
-          <p:nvPr/>
-        </p:nvPicPr>
-        <p:blipFill>
-          <a:blip r:embed="rId3">
-            <a:extLst>
-              <a:ext uri="{28A0092B-C50C-407E-A947-70E740481C1C}">
-                <a14:useLocalDpi xmlns:a14="http://schemas.microsoft.com/office/drawing/2010/main" val="0"/>
-              </a:ext>
-            </a:extLst>
-          </a:blip>
-          <a:srcRect/>
-          <a:stretch>
-            <a:fillRect/>
-          </a:stretch>
-        </p:blipFill>
-        <p:spPr bwMode="auto">
-          <a:xfrm>
-            <a:off x="5943600" y="2209800"/>
-            <a:ext cx="5334000" cy="4267200"/>
-          </a:xfrm>
-          <a:prstGeom prst="rect">
-            <a:avLst/>
-          </a:prstGeom>
-          <a:noFill/>
-          <a:ln>
-            <a:noFill/>
-          </a:ln>
-          <a:effectLst/>
-          <a:extLst>
-            <a:ext uri="{909E8E84-426E-40DD-AFC4-6F175D3DCCD1}">
-              <a14:hiddenFill xmlns:a14="http://schemas.microsoft.com/office/drawing/2010/main">
-                <a:solidFill>
-                  <a:schemeClr val="accent1"/>
-                </a:solidFill>
-              </a14:hiddenFill>
-            </a:ext>
-            <a:ext uri="{91240B29-F687-4F45-9708-019B960494DF}">
-              <a14:hiddenLine xmlns:a14="http://schemas.microsoft.com/office/drawing/2010/main" w="9525">
-                <a:solidFill>
-                  <a:schemeClr val="tx1"/>
-                </a:solidFill>
-                <a:miter lim="800000"/>
-                <a:headEnd/>
-                <a:tailEnd/>
-              </a14:hiddenLine>
-            </a:ext>
-            <a:ext uri="{AF507438-7753-43E0-B8FC-AC1667EBCBE1}">
-              <a14:hiddenEffects xmlns:a14="http://schemas.microsoft.com/office/drawing/2010/main">
-                <a:effectLst>
-                  <a:outerShdw dist="35921" dir="2700000" algn="ctr" rotWithShape="0">
-                    <a:schemeClr val="bg2"/>
-                  </a:outerShdw>
-                </a:effectLst>
-              </a14:hiddenEffects>
-            </a:ext>
-          </a:extLst>
-        </p:spPr>
-      </p:pic>
-    </p:spTree>
-    <p:extLst>
-      <p:ext uri="{BB962C8B-B14F-4D97-AF65-F5344CB8AC3E}">
-        <p14:creationId xmlns:p14="http://schemas.microsoft.com/office/powerpoint/2010/main" val="2230185548"/>
-      </p:ext>
-    </p:extLst>
-  </p:cSld>
-  <p:clrMapOvr>
-    <a:masterClrMapping/>
-  </p:clrMapOvr>
-</p:sld>
-</file>
-
-<file path=ppt/slides/slide7.xml><?xml version="1.0" encoding="utf-8"?>
-<p:sld xmlns:a="http://schemas.openxmlformats.org/drawingml/2006/main" xmlns:r="http://schemas.openxmlformats.org/officeDocument/2006/relationships" xmlns:p="http://schemas.openxmlformats.org/presentationml/2006/main">
-  <p:cSld>
-    <p:spTree>
-      <p:nvGrpSpPr>
-        <p:cNvPr id="1" name=""/>
-        <p:cNvGrpSpPr/>
-        <p:nvPr/>
-      </p:nvGrpSpPr>
-      <p:grpSpPr>
-        <a:xfrm>
-          <a:off x="0" y="0"/>
-          <a:ext cx="0" cy="0"/>
-          <a:chOff x="0" y="0"/>
-          <a:chExt cx="0" cy="0"/>
-        </a:xfrm>
-      </p:grpSpPr>
-      <p:pic>
-        <p:nvPicPr>
-          <p:cNvPr id="2" name="Picture 10" descr="Mario Pattern">
-            <a:extLst>
-              <a:ext uri="{FF2B5EF4-FFF2-40B4-BE49-F238E27FC236}">
-                <a16:creationId xmlns:a16="http://schemas.microsoft.com/office/drawing/2014/main" id="{8F84FFD9-23AF-75F7-6DAA-904525952142}"/>
-              </a:ext>
-            </a:extLst>
-          </p:cNvPr>
-          <p:cNvPicPr>
-            <a:picLocks noChangeAspect="1" noChangeArrowheads="1"/>
-          </p:cNvPicPr>
-          <p:nvPr/>
-        </p:nvPicPr>
-        <p:blipFill rotWithShape="1">
-          <a:blip r:embed="rId2">
-            <a:alphaModFix amt="47000"/>
-            <a:extLst>
-              <a:ext uri="{28A0092B-C50C-407E-A947-70E740481C1C}">
-                <a14:useLocalDpi xmlns:a14="http://schemas.microsoft.com/office/drawing/2010/main" val="0"/>
-              </a:ext>
-            </a:extLst>
-          </a:blip>
-          <a:srcRect l="4595" r="6699"/>
-          <a:stretch/>
-        </p:blipFill>
-        <p:spPr bwMode="auto">
-          <a:xfrm>
-            <a:off x="0" y="-2057400"/>
-            <a:ext cx="12192000" cy="10308201"/>
-          </a:xfrm>
-          <a:prstGeom prst="rect">
-            <a:avLst/>
-          </a:prstGeom>
-          <a:noFill/>
-          <a:extLst>
-            <a:ext uri="{909E8E84-426E-40DD-AFC4-6F175D3DCCD1}">
-              <a14:hiddenFill xmlns:a14="http://schemas.microsoft.com/office/drawing/2010/main">
-                <a:solidFill>
-                  <a:srgbClr val="FFFFFF"/>
-                </a:solidFill>
-              </a14:hiddenFill>
-            </a:ext>
-          </a:extLst>
-        </p:spPr>
-      </p:pic>
-      <p:sp>
-        <p:nvSpPr>
-          <p:cNvPr id="12" name="Line 11"/>
-          <p:cNvSpPr>
-            <a:spLocks noChangeShapeType="1"/>
-          </p:cNvSpPr>
-          <p:nvPr/>
-        </p:nvSpPr>
-        <p:spPr bwMode="auto">
-          <a:xfrm flipV="1">
-            <a:off x="6972300" y="5109836"/>
-            <a:ext cx="609600" cy="533400"/>
-          </a:xfrm>
-          <a:prstGeom prst="line">
-            <a:avLst/>
-          </a:prstGeom>
-          <a:noFill/>
-          <a:ln w="38100">
-            <a:solidFill>
-              <a:srgbClr val="FFFF66"/>
-            </a:solidFill>
-            <a:round/>
-            <a:headEnd/>
-            <a:tailEnd type="triangle" w="med" len="med"/>
-          </a:ln>
-          <a:extLst>
-            <a:ext uri="{909E8E84-426E-40DD-AFC4-6F175D3DCCD1}">
-              <a14:hiddenFill xmlns:a14="http://schemas.microsoft.com/office/drawing/2010/main">
-                <a:noFill/>
-              </a14:hiddenFill>
-            </a:ext>
-          </a:extLst>
-        </p:spPr>
-        <p:txBody>
-          <a:bodyPr wrap="square">
-            <a:spAutoFit/>
-          </a:bodyPr>
-          <a:lstStyle/>
-          <a:p>
-            <a:endParaRPr lang="en-US"/>
-          </a:p>
-        </p:txBody>
-      </p:sp>
-      <p:sp>
-        <p:nvSpPr>
-          <p:cNvPr id="6" name="TextBox 5">
-            <a:extLst>
-              <a:ext uri="{FF2B5EF4-FFF2-40B4-BE49-F238E27FC236}">
-                <a16:creationId xmlns:a16="http://schemas.microsoft.com/office/drawing/2014/main" id="{4F2DA592-D8EB-70BA-2112-6C13A4E7B393}"/>
-              </a:ext>
-            </a:extLst>
-          </p:cNvPr>
-          <p:cNvSpPr txBox="1"/>
-          <p:nvPr/>
-        </p:nvSpPr>
-        <p:spPr>
-          <a:xfrm>
-            <a:off x="495300" y="606817"/>
-            <a:ext cx="11201400" cy="919401"/>
-          </a:xfrm>
-          <a:prstGeom prst="roundRect">
-            <a:avLst/>
-          </a:prstGeom>
-          <a:solidFill>
-            <a:schemeClr val="bg1">
-              <a:alpha val="70000"/>
-            </a:schemeClr>
-          </a:solidFill>
-          <a:ln w="76200">
-            <a:solidFill>
-              <a:srgbClr val="FFC416"/>
-            </a:solidFill>
-          </a:ln>
-        </p:spPr>
-        <p:style>
-          <a:lnRef idx="2">
-            <a:schemeClr val="dk1"/>
-          </a:lnRef>
-          <a:fillRef idx="1">
-            <a:schemeClr val="lt1"/>
-          </a:fillRef>
-          <a:effectRef idx="0">
-            <a:schemeClr val="dk1"/>
-          </a:effectRef>
-          <a:fontRef idx="minor">
-            <a:schemeClr val="dk1"/>
-          </a:fontRef>
-        </p:style>
-        <p:txBody>
-          <a:bodyPr wrap="square" rtlCol="0">
-            <a:spAutoFit/>
-          </a:bodyPr>
-          <a:lstStyle/>
-          <a:p>
-            <a:pPr algn="ctr"/>
-            <a:r>
-              <a:rPr lang="en-US" sz="4800" b="1" dirty="0">
-                <a:solidFill>
-                  <a:srgbClr val="2D3A37"/>
-                </a:solidFill>
-                <a:effectLst/>
-                <a:latin typeface="Adobe Devanagari" panose="02040503050201020203" pitchFamily="18" charset="0"/>
-                <a:cs typeface="Adobe Devanagari" panose="02040503050201020203" pitchFamily="18" charset="0"/>
-              </a:rPr>
-              <a:t>Example: Butterfly Ballots</a:t>
-            </a:r>
-            <a:endParaRPr lang="en-US" sz="4800" dirty="0">
-              <a:solidFill>
-                <a:srgbClr val="2D3A37"/>
-              </a:solidFill>
-            </a:endParaRPr>
-          </a:p>
-        </p:txBody>
-      </p:sp>
-      <p:sp>
-        <p:nvSpPr>
-          <p:cNvPr id="7" name="TextBox 6">
-            <a:extLst>
-              <a:ext uri="{FF2B5EF4-FFF2-40B4-BE49-F238E27FC236}">
-                <a16:creationId xmlns:a16="http://schemas.microsoft.com/office/drawing/2014/main" id="{D9B238EA-D04E-3255-7509-F990F1A8F309}"/>
-              </a:ext>
-            </a:extLst>
-          </p:cNvPr>
-          <p:cNvSpPr txBox="1"/>
-          <p:nvPr/>
-        </p:nvSpPr>
-        <p:spPr>
-          <a:xfrm>
-            <a:off x="495300" y="1974467"/>
-            <a:ext cx="11201400" cy="4733211"/>
-          </a:xfrm>
-          <a:prstGeom prst="roundRect">
-            <a:avLst/>
-          </a:prstGeom>
-          <a:solidFill>
-            <a:schemeClr val="bg1"/>
-          </a:solidFill>
-          <a:ln w="76200">
-            <a:solidFill>
-              <a:srgbClr val="FFC416"/>
-            </a:solidFill>
-          </a:ln>
-        </p:spPr>
-        <p:style>
-          <a:lnRef idx="2">
-            <a:schemeClr val="dk1"/>
-          </a:lnRef>
-          <a:fillRef idx="1">
-            <a:schemeClr val="lt1"/>
-          </a:fillRef>
-          <a:effectRef idx="0">
-            <a:schemeClr val="dk1"/>
-          </a:effectRef>
-          <a:fontRef idx="minor">
-            <a:schemeClr val="dk1"/>
-          </a:fontRef>
-        </p:style>
-        <p:txBody>
-          <a:bodyPr wrap="square" rtlCol="0">
-            <a:spAutoFit/>
-          </a:bodyPr>
-          <a:lstStyle/>
-          <a:p>
-            <a:pPr marL="914400" lvl="1" indent="-457200">
-              <a:buFont typeface="Arial" panose="020B0604020202020204" pitchFamily="34" charset="0"/>
-              <a:buChar char="•"/>
-            </a:pPr>
-            <a:endParaRPr lang="en-US" sz="2400" b="1" dirty="0">
-              <a:solidFill>
-                <a:srgbClr val="660066"/>
-              </a:solidFill>
-            </a:endParaRPr>
-          </a:p>
-          <a:p>
-            <a:pPr marL="914400" lvl="1" indent="-457200">
-              <a:buFont typeface="Arial" panose="020B0604020202020204" pitchFamily="34" charset="0"/>
-              <a:buChar char="•"/>
-            </a:pPr>
-            <a:endParaRPr lang="en-US" sz="2400" b="1" dirty="0">
-              <a:solidFill>
-                <a:srgbClr val="660066"/>
-              </a:solidFill>
-            </a:endParaRPr>
-          </a:p>
-          <a:p>
-            <a:pPr marL="914400" lvl="1" indent="-457200">
-              <a:buFont typeface="Arial" panose="020B0604020202020204" pitchFamily="34" charset="0"/>
-              <a:buChar char="•"/>
-            </a:pPr>
-            <a:endParaRPr lang="en-US" sz="2400" b="1" dirty="0">
-              <a:solidFill>
-                <a:srgbClr val="660066"/>
-              </a:solidFill>
-            </a:endParaRPr>
-          </a:p>
-          <a:p>
-            <a:pPr marL="914400" lvl="1" indent="-457200">
-              <a:buFont typeface="Arial" panose="020B0604020202020204" pitchFamily="34" charset="0"/>
-              <a:buChar char="•"/>
-            </a:pPr>
-            <a:endParaRPr lang="en-US" sz="2400" b="1" dirty="0">
-              <a:solidFill>
-                <a:srgbClr val="660066"/>
-              </a:solidFill>
-            </a:endParaRPr>
-          </a:p>
-          <a:p>
-            <a:pPr marL="914400" lvl="1" indent="-457200">
-              <a:buFont typeface="Arial" panose="020B0604020202020204" pitchFamily="34" charset="0"/>
-              <a:buChar char="•"/>
-            </a:pPr>
-            <a:endParaRPr lang="en-US" sz="2400" b="1" dirty="0">
-              <a:solidFill>
-                <a:srgbClr val="660066"/>
-              </a:solidFill>
-            </a:endParaRPr>
-          </a:p>
-          <a:p>
-            <a:pPr marL="914400" lvl="1" indent="-457200">
-              <a:buFont typeface="Arial" panose="020B0604020202020204" pitchFamily="34" charset="0"/>
-              <a:buChar char="•"/>
-            </a:pPr>
-            <a:endParaRPr lang="en-US" sz="2400" b="1" dirty="0">
-              <a:solidFill>
-                <a:srgbClr val="660066"/>
-              </a:solidFill>
-            </a:endParaRPr>
-          </a:p>
-          <a:p>
-            <a:pPr marL="914400" lvl="1" indent="-457200">
-              <a:buFont typeface="Arial" panose="020B0604020202020204" pitchFamily="34" charset="0"/>
-              <a:buChar char="•"/>
-            </a:pPr>
-            <a:endParaRPr lang="en-US" sz="2400" b="1" dirty="0">
-              <a:solidFill>
-                <a:srgbClr val="660066"/>
-              </a:solidFill>
-            </a:endParaRPr>
-          </a:p>
-          <a:p>
-            <a:pPr marL="914400" lvl="1" indent="-457200">
-              <a:buFont typeface="Arial" panose="020B0604020202020204" pitchFamily="34" charset="0"/>
-              <a:buChar char="•"/>
-            </a:pPr>
-            <a:endParaRPr lang="en-US" sz="2400" b="1" dirty="0">
-              <a:solidFill>
-                <a:srgbClr val="660066"/>
-              </a:solidFill>
-            </a:endParaRPr>
-          </a:p>
-          <a:p>
-            <a:pPr marL="914400" lvl="1" indent="-457200">
-              <a:buFont typeface="Arial" panose="020B0604020202020204" pitchFamily="34" charset="0"/>
-              <a:buChar char="•"/>
-            </a:pPr>
-            <a:endParaRPr lang="en-US" sz="2400" b="1" dirty="0">
-              <a:solidFill>
-                <a:srgbClr val="660066"/>
-              </a:solidFill>
-            </a:endParaRPr>
-          </a:p>
-          <a:p>
-            <a:pPr lvl="1"/>
-            <a:endParaRPr lang="en-US" sz="2800" b="1" dirty="0">
-              <a:solidFill>
-                <a:srgbClr val="660066"/>
-              </a:solidFill>
-            </a:endParaRPr>
-          </a:p>
-          <a:p>
-            <a:pPr marL="914400" lvl="1" indent="-457200">
-              <a:buFont typeface="Arial" panose="020B0604020202020204" pitchFamily="34" charset="0"/>
-              <a:buChar char="•"/>
-            </a:pPr>
-            <a:endParaRPr lang="en-US" sz="2800" b="1" dirty="0">
-              <a:solidFill>
-                <a:srgbClr val="660066"/>
-              </a:solidFill>
-            </a:endParaRPr>
-          </a:p>
-        </p:txBody>
-      </p:sp>
-      <p:pic>
-        <p:nvPicPr>
-          <p:cNvPr id="4" name="Picture 3">
-            <a:extLst>
-              <a:ext uri="{FF2B5EF4-FFF2-40B4-BE49-F238E27FC236}">
-                <a16:creationId xmlns:a16="http://schemas.microsoft.com/office/drawing/2014/main" id="{BAAAEB91-CC9A-6741-B38F-40BD8D5E1386}"/>
-              </a:ext>
-            </a:extLst>
-          </p:cNvPr>
-          <p:cNvPicPr>
-            <a:picLocks noChangeAspect="1"/>
-          </p:cNvPicPr>
-          <p:nvPr/>
-        </p:nvPicPr>
-        <p:blipFill>
-          <a:blip r:embed="rId3"/>
-          <a:stretch>
-            <a:fillRect/>
-          </a:stretch>
-        </p:blipFill>
-        <p:spPr>
-          <a:xfrm>
-            <a:off x="688172" y="2971800"/>
-            <a:ext cx="5408113" cy="2514600"/>
-          </a:xfrm>
-          <a:prstGeom prst="rect">
-            <a:avLst/>
-          </a:prstGeom>
-          <a:solidFill>
-            <a:srgbClr val="660066"/>
-          </a:solidFill>
-          <a:ln w="28575">
-            <a:solidFill>
-              <a:srgbClr val="660066"/>
-            </a:solidFill>
-          </a:ln>
-        </p:spPr>
-      </p:pic>
-      <p:pic>
-        <p:nvPicPr>
-          <p:cNvPr id="8" name="Picture 7">
-            <a:extLst>
-              <a:ext uri="{FF2B5EF4-FFF2-40B4-BE49-F238E27FC236}">
-                <a16:creationId xmlns:a16="http://schemas.microsoft.com/office/drawing/2014/main" id="{304E028C-77D2-EE89-01A9-9494F81D8CBB}"/>
-              </a:ext>
-            </a:extLst>
-          </p:cNvPr>
-          <p:cNvPicPr>
-            <a:picLocks noChangeAspect="1"/>
-          </p:cNvPicPr>
-          <p:nvPr/>
-        </p:nvPicPr>
-        <p:blipFill>
-          <a:blip r:embed="rId4"/>
-          <a:stretch>
-            <a:fillRect/>
-          </a:stretch>
-        </p:blipFill>
-        <p:spPr>
-          <a:xfrm>
-            <a:off x="6220976" y="2743200"/>
-            <a:ext cx="5331628" cy="3339710"/>
-          </a:xfrm>
-          <a:prstGeom prst="rect">
-            <a:avLst/>
-          </a:prstGeom>
-        </p:spPr>
-      </p:pic>
-      <p:sp>
-        <p:nvSpPr>
-          <p:cNvPr id="3" name="TextBox 2">
-            <a:extLst>
-              <a:ext uri="{FF2B5EF4-FFF2-40B4-BE49-F238E27FC236}">
-                <a16:creationId xmlns:a16="http://schemas.microsoft.com/office/drawing/2014/main" id="{40799D0F-6D28-63D6-E69B-ECDD6D69F6AC}"/>
-              </a:ext>
-            </a:extLst>
-          </p:cNvPr>
-          <p:cNvSpPr txBox="1"/>
-          <p:nvPr/>
-        </p:nvSpPr>
-        <p:spPr>
-          <a:xfrm>
-            <a:off x="8610600" y="2602468"/>
-            <a:ext cx="1371600" cy="369332"/>
-          </a:xfrm>
-          <a:prstGeom prst="rect">
-            <a:avLst/>
-          </a:prstGeom>
-          <a:noFill/>
-        </p:spPr>
-        <p:txBody>
-          <a:bodyPr wrap="square" rtlCol="0">
-            <a:spAutoFit/>
-          </a:bodyPr>
-          <a:lstStyle/>
-          <a:p>
-            <a:r>
-              <a:rPr lang="en-US" dirty="0">
-                <a:solidFill>
-                  <a:srgbClr val="660066"/>
-                </a:solidFill>
-              </a:rPr>
-              <a:t>Palm Beach</a:t>
-            </a:r>
-          </a:p>
-        </p:txBody>
-      </p:sp>
-      <p:sp>
-        <p:nvSpPr>
-          <p:cNvPr id="5" name="TextBox 4">
-            <a:extLst>
-              <a:ext uri="{FF2B5EF4-FFF2-40B4-BE49-F238E27FC236}">
-                <a16:creationId xmlns:a16="http://schemas.microsoft.com/office/drawing/2014/main" id="{C598F0C6-FFF1-7A2D-8E02-3F0B950E7629}"/>
-              </a:ext>
-            </a:extLst>
-          </p:cNvPr>
-          <p:cNvSpPr txBox="1"/>
-          <p:nvPr/>
-        </p:nvSpPr>
-        <p:spPr>
-          <a:xfrm>
-            <a:off x="10668000" y="5007204"/>
-            <a:ext cx="1371600" cy="369332"/>
-          </a:xfrm>
-          <a:prstGeom prst="rect">
-            <a:avLst/>
-          </a:prstGeom>
-          <a:noFill/>
-        </p:spPr>
-        <p:txBody>
-          <a:bodyPr wrap="square" rtlCol="0">
-            <a:spAutoFit/>
-          </a:bodyPr>
-          <a:lstStyle/>
-          <a:p>
-            <a:r>
-              <a:rPr lang="en-US" dirty="0">
-                <a:solidFill>
-                  <a:srgbClr val="660066"/>
-                </a:solidFill>
-              </a:rPr>
-              <a:t>Dade</a:t>
-            </a:r>
-          </a:p>
-        </p:txBody>
-      </p:sp>
-    </p:spTree>
-    <p:extLst>
-      <p:ext uri="{BB962C8B-B14F-4D97-AF65-F5344CB8AC3E}">
-        <p14:creationId xmlns:p14="http://schemas.microsoft.com/office/powerpoint/2010/main" val="1797597660"/>
       </p:ext>
     </p:extLst>
   </p:cSld>
@@ -12639,7 +9879,7 @@
         </p:nvSpPr>
         <p:spPr>
           <a:xfrm>
-            <a:off x="495300" y="606817"/>
+            <a:off x="457200" y="609600"/>
             <a:ext cx="11201400" cy="919401"/>
           </a:xfrm>
           <a:prstGeom prst="roundRect">
@@ -12682,11 +9922,10 @@
                 <a:solidFill>
                   <a:srgbClr val="2D3A37"/>
                 </a:solidFill>
-                <a:effectLst/>
                 <a:latin typeface="Adobe Devanagari" panose="02040503050201020203" pitchFamily="18" charset="0"/>
                 <a:cs typeface="Adobe Devanagari" panose="02040503050201020203" pitchFamily="18" charset="0"/>
               </a:rPr>
-              <a:t>Example: Butterfly Ballots</a:t>
+              <a:t>Supplement for Lecture 12</a:t>
             </a:r>
             <a:endParaRPr lang="en-US" sz="4800" dirty="0">
               <a:solidFill>
@@ -12696,217 +9935,14 @@
           </a:p>
         </p:txBody>
       </p:sp>
-      <p:sp>
-        <p:nvSpPr>
-          <p:cNvPr id="7" name="TextBox 6">
-            <a:extLst>
-              <a:ext uri="{FF2B5EF4-FFF2-40B4-BE49-F238E27FC236}">
-                <a16:creationId xmlns:a16="http://schemas.microsoft.com/office/drawing/2014/main" id="{D9B238EA-D04E-3255-7509-F990F1A8F309}"/>
-              </a:ext>
-            </a:extLst>
-          </p:cNvPr>
-          <p:cNvSpPr txBox="1"/>
-          <p:nvPr/>
-        </p:nvSpPr>
-        <p:spPr>
-          <a:xfrm>
-            <a:off x="495300" y="1974467"/>
-            <a:ext cx="11201400" cy="4665107"/>
-          </a:xfrm>
-          <a:prstGeom prst="roundRect">
-            <a:avLst/>
-          </a:prstGeom>
-          <a:solidFill>
-            <a:schemeClr val="bg1"/>
-          </a:solidFill>
-          <a:ln w="76200">
-            <a:solidFill>
-              <a:srgbClr val="FFC416"/>
-            </a:solidFill>
-          </a:ln>
-        </p:spPr>
-        <p:style>
-          <a:lnRef idx="2">
-            <a:schemeClr val="dk1"/>
-          </a:lnRef>
-          <a:fillRef idx="1">
-            <a:schemeClr val="lt1"/>
-          </a:fillRef>
-          <a:effectRef idx="0">
-            <a:schemeClr val="dk1"/>
-          </a:effectRef>
-          <a:fontRef idx="minor">
-            <a:schemeClr val="dk1"/>
-          </a:fontRef>
-        </p:style>
-        <p:txBody>
-          <a:bodyPr wrap="square" rtlCol="0">
-            <a:spAutoFit/>
-          </a:bodyPr>
-          <a:lstStyle/>
-          <a:p>
-            <a:pPr marL="914400" lvl="1" indent="-457200">
-              <a:buFont typeface="Arial" panose="020B0604020202020204" pitchFamily="34" charset="0"/>
-              <a:buChar char="•"/>
-            </a:pPr>
-            <a:endParaRPr lang="en-US" sz="2400" b="1" dirty="0">
-              <a:solidFill>
-                <a:srgbClr val="660066"/>
-              </a:solidFill>
-            </a:endParaRPr>
-          </a:p>
-          <a:p>
-            <a:pPr marL="914400" lvl="1" indent="-457200">
-              <a:buFont typeface="Arial" panose="020B0604020202020204" pitchFamily="34" charset="0"/>
-              <a:buChar char="•"/>
-            </a:pPr>
-            <a:endParaRPr lang="en-US" sz="2400" b="1" dirty="0">
-              <a:solidFill>
-                <a:srgbClr val="660066"/>
-              </a:solidFill>
-            </a:endParaRPr>
-          </a:p>
-          <a:p>
-            <a:pPr marL="914400" lvl="1" indent="-457200">
-              <a:buFont typeface="Arial" panose="020B0604020202020204" pitchFamily="34" charset="0"/>
-              <a:buChar char="•"/>
-            </a:pPr>
-            <a:endParaRPr lang="en-US" sz="2400" b="1" dirty="0">
-              <a:solidFill>
-                <a:srgbClr val="660066"/>
-              </a:solidFill>
-            </a:endParaRPr>
-          </a:p>
-          <a:p>
-            <a:pPr marL="914400" lvl="1" indent="-457200">
-              <a:buFont typeface="Arial" panose="020B0604020202020204" pitchFamily="34" charset="0"/>
-              <a:buChar char="•"/>
-            </a:pPr>
-            <a:endParaRPr lang="en-US" sz="2400" b="1" dirty="0">
-              <a:solidFill>
-                <a:srgbClr val="660066"/>
-              </a:solidFill>
-            </a:endParaRPr>
-          </a:p>
-          <a:p>
-            <a:pPr marL="914400" lvl="1" indent="-457200">
-              <a:buFont typeface="Arial" panose="020B0604020202020204" pitchFamily="34" charset="0"/>
-              <a:buChar char="•"/>
-            </a:pPr>
-            <a:endParaRPr lang="en-US" sz="2400" b="1" dirty="0">
-              <a:solidFill>
-                <a:srgbClr val="660066"/>
-              </a:solidFill>
-            </a:endParaRPr>
-          </a:p>
-          <a:p>
-            <a:pPr marL="914400" lvl="1" indent="-457200">
-              <a:buFont typeface="Arial" panose="020B0604020202020204" pitchFamily="34" charset="0"/>
-              <a:buChar char="•"/>
-            </a:pPr>
-            <a:endParaRPr lang="en-US" sz="2400" b="1" dirty="0">
-              <a:solidFill>
-                <a:srgbClr val="660066"/>
-              </a:solidFill>
-            </a:endParaRPr>
-          </a:p>
-          <a:p>
-            <a:pPr marL="914400" lvl="1" indent="-457200">
-              <a:buFont typeface="Arial" panose="020B0604020202020204" pitchFamily="34" charset="0"/>
-              <a:buChar char="•"/>
-            </a:pPr>
-            <a:endParaRPr lang="en-US" sz="2400" b="1" dirty="0">
-              <a:solidFill>
-                <a:srgbClr val="660066"/>
-              </a:solidFill>
-            </a:endParaRPr>
-          </a:p>
-          <a:p>
-            <a:pPr marL="914400" lvl="1" indent="-457200">
-              <a:buFont typeface="Arial" panose="020B0604020202020204" pitchFamily="34" charset="0"/>
-              <a:buChar char="•"/>
-            </a:pPr>
-            <a:endParaRPr lang="en-US" sz="2400" b="1" dirty="0">
-              <a:solidFill>
-                <a:srgbClr val="660066"/>
-              </a:solidFill>
-            </a:endParaRPr>
-          </a:p>
-          <a:p>
-            <a:pPr marL="914400" lvl="1" indent="-457200">
-              <a:buFont typeface="Arial" panose="020B0604020202020204" pitchFamily="34" charset="0"/>
-              <a:buChar char="•"/>
-            </a:pPr>
-            <a:endParaRPr lang="en-US" sz="2400" b="1" dirty="0">
-              <a:solidFill>
-                <a:srgbClr val="660066"/>
-              </a:solidFill>
-            </a:endParaRPr>
-          </a:p>
-          <a:p>
-            <a:pPr marL="914400" lvl="1" indent="-457200">
-              <a:buFont typeface="Arial" panose="020B0604020202020204" pitchFamily="34" charset="0"/>
-              <a:buChar char="•"/>
-            </a:pPr>
-            <a:endParaRPr lang="en-US" sz="2400" b="1" dirty="0">
-              <a:solidFill>
-                <a:srgbClr val="660066"/>
-              </a:solidFill>
-            </a:endParaRPr>
-          </a:p>
-          <a:p>
-            <a:pPr lvl="1"/>
-            <a:endParaRPr lang="en-US" sz="2800" b="1" dirty="0">
-              <a:solidFill>
-                <a:srgbClr val="660066"/>
-              </a:solidFill>
-            </a:endParaRPr>
-          </a:p>
-        </p:txBody>
-      </p:sp>
-      <p:pic>
-        <p:nvPicPr>
-          <p:cNvPr id="10" name="Picture 9">
-            <a:extLst>
-              <a:ext uri="{FF2B5EF4-FFF2-40B4-BE49-F238E27FC236}">
-                <a16:creationId xmlns:a16="http://schemas.microsoft.com/office/drawing/2014/main" id="{BB0691E5-672A-0A5D-C506-0EC3360C18AA}"/>
-              </a:ext>
-            </a:extLst>
-          </p:cNvPr>
-          <p:cNvPicPr>
-            <a:picLocks noChangeAspect="1"/>
-          </p:cNvPicPr>
-          <p:nvPr/>
-        </p:nvPicPr>
-        <p:blipFill>
-          <a:blip r:embed="rId3"/>
-          <a:stretch>
-            <a:fillRect/>
-          </a:stretch>
-        </p:blipFill>
-        <p:spPr>
-          <a:xfrm>
-            <a:off x="1143000" y="2101982"/>
-            <a:ext cx="6934200" cy="4410075"/>
-          </a:xfrm>
-          <a:prstGeom prst="rect">
-            <a:avLst/>
-          </a:prstGeom>
-          <a:ln w="28575">
-            <a:solidFill>
-              <a:srgbClr val="660066"/>
-            </a:solidFill>
-          </a:ln>
-        </p:spPr>
-      </p:pic>
-      <mc:AlternateContent xmlns:mc="http://schemas.openxmlformats.org/markup-compatibility/2006" xmlns:a14="http://schemas.microsoft.com/office/drawing/2010/main">
-        <mc:Choice Requires="a14">
+      <mc:AlternateContent xmlns:mc="http://schemas.openxmlformats.org/markup-compatibility/2006">
+        <mc:Choice xmlns:a14="http://schemas.microsoft.com/office/drawing/2010/main" Requires="a14">
           <p:sp>
             <p:nvSpPr>
-              <p:cNvPr id="11" name="TextBox 10">
+              <p:cNvPr id="7" name="TextBox 6">
                 <a:extLst>
                   <a:ext uri="{FF2B5EF4-FFF2-40B4-BE49-F238E27FC236}">
-                    <a16:creationId xmlns:a16="http://schemas.microsoft.com/office/drawing/2014/main" id="{30E42715-76D0-0003-AEC8-3C6F76ECB969}"/>
+                    <a16:creationId xmlns:a16="http://schemas.microsoft.com/office/drawing/2014/main" id="{D9B238EA-D04E-3255-7509-F990F1A8F309}"/>
                   </a:ext>
                 </a:extLst>
               </p:cNvPr>
@@ -12915,113 +9951,223 @@
             </p:nvSpPr>
             <p:spPr>
               <a:xfrm>
-                <a:off x="8894826" y="4085433"/>
-                <a:ext cx="2168029" cy="797398"/>
+                <a:off x="457200" y="1981200"/>
+                <a:ext cx="11201400" cy="4392692"/>
               </a:xfrm>
-              <a:prstGeom prst="rect">
+              <a:prstGeom prst="roundRect">
                 <a:avLst/>
               </a:prstGeom>
-              <a:noFill/>
+              <a:solidFill>
+                <a:schemeClr val="bg1"/>
+              </a:solidFill>
+              <a:ln w="76200">
+                <a:solidFill>
+                  <a:srgbClr val="FFC416"/>
+                </a:solidFill>
+              </a:ln>
             </p:spPr>
+            <p:style>
+              <a:lnRef idx="2">
+                <a:schemeClr val="dk1"/>
+              </a:lnRef>
+              <a:fillRef idx="1">
+                <a:schemeClr val="lt1"/>
+              </a:fillRef>
+              <a:effectRef idx="0">
+                <a:schemeClr val="dk1"/>
+              </a:effectRef>
+              <a:fontRef idx="minor">
+                <a:schemeClr val="dk1"/>
+              </a:fontRef>
+            </p:style>
             <p:txBody>
-              <a:bodyPr wrap="none" lIns="0" tIns="0" rIns="0" bIns="0" rtlCol="0">
+              <a:bodyPr wrap="square" rtlCol="0">
                 <a:spAutoFit/>
               </a:bodyPr>
               <a:lstStyle/>
               <a:p>
-                <a:pPr/>
+                <a:pPr marL="457200" indent="-457200">
+                  <a:buFont typeface="Arial" panose="020B0604020202020204" pitchFamily="34" charset="0"/>
+                  <a:buChar char="•"/>
+                </a:pPr>
+                <a:r>
+                  <a:rPr lang="en-US" sz="2800" dirty="0">
+                    <a:solidFill>
+                      <a:srgbClr val="660066"/>
+                    </a:solidFill>
+                  </a:rPr>
+                  <a:t>Predict for </a:t>
+                </a:r>
                 <a14:m>
-                  <m:oMathPara xmlns:m="http://schemas.openxmlformats.org/officeDocument/2006/math">
-                    <m:oMathParaPr>
-                      <m:jc m:val="centerGroup"/>
-                    </m:oMathParaPr>
-                    <m:oMath xmlns:m="http://schemas.openxmlformats.org/officeDocument/2006/math">
-                      <m:r>
-                        <a:rPr lang="en-US" b="0" i="1" smtClean="0">
-                          <a:latin typeface="Cambria Math" panose="02040503050406030204" pitchFamily="18" charset="0"/>
-                        </a:rPr>
-                        <m:t>3∗</m:t>
-                      </m:r>
-                      <m:f>
-                        <m:fPr>
-                          <m:ctrlPr>
-                            <a:rPr lang="en-US" b="0" i="1" smtClean="0">
-                              <a:latin typeface="Cambria Math" panose="02040503050406030204" pitchFamily="18" charset="0"/>
-                            </a:rPr>
-                          </m:ctrlPr>
-                        </m:fPr>
-                        <m:num>
-                          <m:r>
-                            <a:rPr lang="en-US" b="0" i="1" smtClean="0">
-                              <a:latin typeface="Cambria Math" panose="02040503050406030204" pitchFamily="18" charset="0"/>
-                            </a:rPr>
-                            <m:t>2</m:t>
-                          </m:r>
-                        </m:num>
-                        <m:den>
-                          <m:r>
-                            <a:rPr lang="en-US" b="0" i="1" smtClean="0">
-                              <a:latin typeface="Cambria Math" panose="02040503050406030204" pitchFamily="18" charset="0"/>
-                            </a:rPr>
-                            <m:t>𝑛</m:t>
-                          </m:r>
-                        </m:den>
-                      </m:f>
-                      <m:r>
-                        <a:rPr lang="en-US" b="0" i="1" smtClean="0">
-                          <a:latin typeface="Cambria Math" panose="02040503050406030204" pitchFamily="18" charset="0"/>
-                        </a:rPr>
-                        <m:t>=3∗</m:t>
-                      </m:r>
-                      <m:f>
-                        <m:fPr>
-                          <m:ctrlPr>
-                            <a:rPr lang="en-US" b="0" i="1" smtClean="0">
-                              <a:latin typeface="Cambria Math" panose="02040503050406030204" pitchFamily="18" charset="0"/>
-                            </a:rPr>
-                          </m:ctrlPr>
-                        </m:fPr>
-                        <m:num>
-                          <m:r>
-                            <a:rPr lang="en-US" b="0" i="1" smtClean="0">
-                              <a:latin typeface="Cambria Math" panose="02040503050406030204" pitchFamily="18" charset="0"/>
-                            </a:rPr>
-                            <m:t>2</m:t>
-                          </m:r>
-                        </m:num>
-                        <m:den>
-                          <m:r>
-                            <a:rPr lang="en-US" b="0" i="1" smtClean="0">
-                              <a:latin typeface="Cambria Math" panose="02040503050406030204" pitchFamily="18" charset="0"/>
-                            </a:rPr>
-                            <m:t>67</m:t>
-                          </m:r>
-                        </m:den>
-                      </m:f>
-                      <m:r>
-                        <a:rPr lang="en-US" b="0" i="0" smtClean="0">
-                          <a:latin typeface="Cambria Math" panose="02040503050406030204" pitchFamily="18" charset="0"/>
-                        </a:rPr>
-                        <m:t>=0.09</m:t>
-                      </m:r>
-                    </m:oMath>
-                  </m:oMathPara>
+                  <m:oMath xmlns:m="http://schemas.openxmlformats.org/officeDocument/2006/math">
+                    <m:sSup>
+                      <m:sSupPr>
+                        <m:ctrlPr>
+                          <a:rPr lang="en-US" sz="2800" b="0" i="1" smtClean="0">
+                            <a:solidFill>
+                              <a:srgbClr val="660066"/>
+                            </a:solidFill>
+                            <a:latin typeface="Cambria Math" panose="02040503050406030204" pitchFamily="18" charset="0"/>
+                          </a:rPr>
+                        </m:ctrlPr>
+                      </m:sSupPr>
+                      <m:e>
+                        <m:r>
+                          <a:rPr lang="en-US" sz="2800" b="0" i="1" smtClean="0">
+                            <a:solidFill>
+                              <a:srgbClr val="660066"/>
+                            </a:solidFill>
+                            <a:latin typeface="Cambria Math" panose="02040503050406030204" pitchFamily="18" charset="0"/>
+                          </a:rPr>
+                          <m:t>𝑥</m:t>
+                        </m:r>
+                      </m:e>
+                      <m:sup>
+                        <m:r>
+                          <a:rPr lang="en-US" sz="2800" b="0" i="1" smtClean="0">
+                            <a:solidFill>
+                              <a:srgbClr val="660066"/>
+                            </a:solidFill>
+                            <a:latin typeface="Cambria Math" panose="02040503050406030204" pitchFamily="18" charset="0"/>
+                          </a:rPr>
+                          <m:t>∗</m:t>
+                        </m:r>
+                      </m:sup>
+                    </m:sSup>
+                    <m:r>
+                      <a:rPr lang="en-US" sz="2800" b="0" i="1" smtClean="0">
+                        <a:solidFill>
+                          <a:srgbClr val="660066"/>
+                        </a:solidFill>
+                        <a:latin typeface="Cambria Math" panose="02040503050406030204" pitchFamily="18" charset="0"/>
+                      </a:rPr>
+                      <m:t>=20</m:t>
+                    </m:r>
+                  </m:oMath>
                 </a14:m>
-                <a:endParaRPr lang="en-US" b="0" dirty="0"/>
+                <a:endParaRPr lang="en-US" sz="2800" dirty="0">
+                  <a:solidFill>
+                    <a:srgbClr val="660066"/>
+                  </a:solidFill>
+                </a:endParaRPr>
               </a:p>
               <a:p>
-                <a:endParaRPr lang="en-US" dirty="0"/>
+                <a:pPr marL="914400" lvl="1" indent="-457200">
+                  <a:buFont typeface="Arial" panose="020B0604020202020204" pitchFamily="34" charset="0"/>
+                  <a:buChar char="•"/>
+                </a:pPr>
+                <a:r>
+                  <a:rPr lang="en-US" sz="2800" dirty="0">
+                    <a:solidFill>
+                      <a:srgbClr val="660066"/>
+                    </a:solidFill>
+                  </a:rPr>
+                  <a:t>Confidence Interval for Mean of </a:t>
+                </a:r>
+                <a:r>
+                  <a:rPr lang="en-US" sz="2800" i="1" dirty="0">
+                    <a:solidFill>
+                      <a:srgbClr val="660066"/>
+                    </a:solidFill>
+                  </a:rPr>
+                  <a:t>Y</a:t>
+                </a:r>
+              </a:p>
+              <a:p>
+                <a:pPr marL="914400" lvl="1" indent="-457200">
+                  <a:buFont typeface="Arial" panose="020B0604020202020204" pitchFamily="34" charset="0"/>
+                  <a:buChar char="•"/>
+                </a:pPr>
+                <a:r>
+                  <a:rPr lang="en-US" sz="2800" dirty="0">
+                    <a:solidFill>
+                      <a:srgbClr val="660066"/>
+                    </a:solidFill>
+                  </a:rPr>
+                  <a:t>Prediction Interval for Y for a Specific State</a:t>
+                </a:r>
+              </a:p>
+              <a:p>
+                <a:endParaRPr lang="en-US" sz="2800" dirty="0">
+                  <a:solidFill>
+                    <a:srgbClr val="660066"/>
+                  </a:solidFill>
+                </a:endParaRPr>
+              </a:p>
+              <a:p>
+                <a:pPr marL="457200" indent="-457200">
+                  <a:buFont typeface="Arial" panose="020B0604020202020204" pitchFamily="34" charset="0"/>
+                  <a:buChar char="•"/>
+                </a:pPr>
+                <a:r>
+                  <a:rPr lang="en-US" sz="2800" dirty="0">
+                    <a:solidFill>
+                      <a:srgbClr val="660066"/>
+                    </a:solidFill>
+                  </a:rPr>
+                  <a:t>Interpretation of 95% Confidence Interval</a:t>
+                </a:r>
+              </a:p>
+              <a:p>
+                <a:pPr marL="457200" indent="-457200">
+                  <a:buFont typeface="Arial" panose="020B0604020202020204" pitchFamily="34" charset="0"/>
+                  <a:buChar char="•"/>
+                </a:pPr>
+                <a:endParaRPr lang="en-US" sz="2800" dirty="0">
+                  <a:solidFill>
+                    <a:srgbClr val="660066"/>
+                  </a:solidFill>
+                </a:endParaRPr>
+              </a:p>
+              <a:p>
+                <a:pPr marL="457200" indent="-457200">
+                  <a:buFont typeface="Arial" panose="020B0604020202020204" pitchFamily="34" charset="0"/>
+                  <a:buChar char="•"/>
+                </a:pPr>
+                <a:r>
+                  <a:rPr lang="en-US" sz="2800" dirty="0">
+                    <a:solidFill>
+                      <a:srgbClr val="660066"/>
+                    </a:solidFill>
+                  </a:rPr>
+                  <a:t>Interpretation of 95% Prediction Interval</a:t>
+                </a:r>
+              </a:p>
+              <a:p>
+                <a:pPr marL="457200" indent="-457200">
+                  <a:buFont typeface="Arial" panose="020B0604020202020204" pitchFamily="34" charset="0"/>
+                  <a:buChar char="•"/>
+                </a:pPr>
+                <a:endParaRPr lang="en-US" sz="2800" dirty="0">
+                  <a:solidFill>
+                    <a:srgbClr val="660066"/>
+                  </a:solidFill>
+                </a:endParaRPr>
+              </a:p>
+              <a:p>
+                <a:pPr marL="457200" indent="-457200">
+                  <a:buFont typeface="Arial" panose="020B0604020202020204" pitchFamily="34" charset="0"/>
+                  <a:buChar char="•"/>
+                </a:pPr>
+                <a:r>
+                  <a:rPr lang="en-US" sz="2800" dirty="0">
+                    <a:solidFill>
+                      <a:srgbClr val="660066"/>
+                    </a:solidFill>
+                  </a:rPr>
+                  <a:t>Visual Comparing the Intervals Around the Fitted Regression Line</a:t>
+                </a:r>
               </a:p>
             </p:txBody>
           </p:sp>
         </mc:Choice>
-        <mc:Fallback xmlns="">
+        <mc:Fallback>
           <p:sp>
             <p:nvSpPr>
-              <p:cNvPr id="11" name="TextBox 10">
+              <p:cNvPr id="7" name="TextBox 6">
                 <a:extLst>
                   <a:ext uri="{FF2B5EF4-FFF2-40B4-BE49-F238E27FC236}">
-                    <a16:creationId xmlns:a16="http://schemas.microsoft.com/office/drawing/2014/main" id="{30E42715-76D0-0003-AEC8-3C6F76ECB969}"/>
+                    <a16:creationId xmlns:a16="http://schemas.microsoft.com/office/drawing/2014/main" id="{D9B238EA-D04E-3255-7509-F990F1A8F309}"/>
                   </a:ext>
                 </a:extLst>
               </p:cNvPr>
@@ -13032,18 +10178,23 @@
             </p:nvSpPr>
             <p:spPr>
               <a:xfrm>
-                <a:off x="8894826" y="4085433"/>
-                <a:ext cx="2168029" cy="797398"/>
+                <a:off x="457200" y="1981200"/>
+                <a:ext cx="11201400" cy="4392692"/>
               </a:xfrm>
-              <a:prstGeom prst="rect">
+              <a:prstGeom prst="roundRect">
                 <a:avLst/>
               </a:prstGeom>
               <a:blipFill>
-                <a:blip r:embed="rId4"/>
+                <a:blip r:embed="rId3"/>
                 <a:stretch>
                   <a:fillRect/>
                 </a:stretch>
               </a:blipFill>
+              <a:ln w="76200">
+                <a:solidFill>
+                  <a:srgbClr val="FFC416"/>
+                </a:solidFill>
+              </a:ln>
             </p:spPr>
             <p:txBody>
               <a:bodyPr/>
@@ -13060,53 +10211,10 @@
           </p:sp>
         </mc:Fallback>
       </mc:AlternateContent>
-      <p:sp>
-        <p:nvSpPr>
-          <p:cNvPr id="13" name="TextBox 12">
-            <a:extLst>
-              <a:ext uri="{FF2B5EF4-FFF2-40B4-BE49-F238E27FC236}">
-                <a16:creationId xmlns:a16="http://schemas.microsoft.com/office/drawing/2014/main" id="{8DF39A2D-88F1-6576-D4A4-819087DE8416}"/>
-              </a:ext>
-            </a:extLst>
-          </p:cNvPr>
-          <p:cNvSpPr txBox="1"/>
-          <p:nvPr/>
-        </p:nvSpPr>
-        <p:spPr>
-          <a:xfrm>
-            <a:off x="8510310" y="3394364"/>
-            <a:ext cx="2937060" cy="646331"/>
-          </a:xfrm>
-          <a:prstGeom prst="rect">
-            <a:avLst/>
-          </a:prstGeom>
-          <a:noFill/>
-        </p:spPr>
-        <p:txBody>
-          <a:bodyPr wrap="square" rtlCol="0">
-            <a:spAutoFit/>
-          </a:bodyPr>
-          <a:lstStyle/>
-          <a:p>
-            <a:pPr algn="ctr"/>
-            <a:r>
-              <a:rPr lang="en-US" b="1" dirty="0"/>
-              <a:t>Very Unusual Leverage</a:t>
-            </a:r>
-          </a:p>
-          <a:p>
-            <a:pPr algn="ctr"/>
-            <a:r>
-              <a:rPr lang="en-US" dirty="0"/>
-              <a:t>“Triple the Typical Leverage”</a:t>
-            </a:r>
-          </a:p>
-        </p:txBody>
-      </p:sp>
     </p:spTree>
     <p:extLst>
       <p:ext uri="{BB962C8B-B14F-4D97-AF65-F5344CB8AC3E}">
-        <p14:creationId xmlns:p14="http://schemas.microsoft.com/office/powerpoint/2010/main" val="3579237136"/>
+        <p14:creationId xmlns:p14="http://schemas.microsoft.com/office/powerpoint/2010/main" val="16830924"/>
       </p:ext>
     </p:extLst>
   </p:cSld>
@@ -13236,7 +10344,7 @@
         </p:nvSpPr>
         <p:spPr>
           <a:xfrm>
-            <a:off x="495300" y="606817"/>
+            <a:off x="457200" y="609600"/>
             <a:ext cx="11201400" cy="919401"/>
           </a:xfrm>
           <a:prstGeom prst="roundRect">
@@ -13279,11 +10387,10 @@
                 <a:solidFill>
                   <a:srgbClr val="2D3A37"/>
                 </a:solidFill>
-                <a:effectLst/>
                 <a:latin typeface="Adobe Devanagari" panose="02040503050201020203" pitchFamily="18" charset="0"/>
                 <a:cs typeface="Adobe Devanagari" panose="02040503050201020203" pitchFamily="18" charset="0"/>
               </a:rPr>
-              <a:t>Standardized Residual</a:t>
+              <a:t>Conclusions</a:t>
             </a:r>
             <a:endParaRPr lang="en-US" sz="4800" dirty="0">
               <a:solidFill>
@@ -13293,175 +10400,14 @@
           </a:p>
         </p:txBody>
       </p:sp>
-      <p:sp>
-        <p:nvSpPr>
-          <p:cNvPr id="7" name="TextBox 6">
-            <a:extLst>
-              <a:ext uri="{FF2B5EF4-FFF2-40B4-BE49-F238E27FC236}">
-                <a16:creationId xmlns:a16="http://schemas.microsoft.com/office/drawing/2014/main" id="{D9B238EA-D04E-3255-7509-F990F1A8F309}"/>
-              </a:ext>
-            </a:extLst>
-          </p:cNvPr>
-          <p:cNvSpPr txBox="1"/>
-          <p:nvPr/>
-        </p:nvSpPr>
-        <p:spPr>
-          <a:xfrm>
-            <a:off x="495300" y="1974467"/>
-            <a:ext cx="11201400" cy="4392692"/>
-          </a:xfrm>
-          <a:prstGeom prst="roundRect">
-            <a:avLst/>
-          </a:prstGeom>
-          <a:solidFill>
-            <a:schemeClr val="bg1"/>
-          </a:solidFill>
-          <a:ln w="76200">
-            <a:solidFill>
-              <a:srgbClr val="FFC416"/>
-            </a:solidFill>
-          </a:ln>
-        </p:spPr>
-        <p:style>
-          <a:lnRef idx="2">
-            <a:schemeClr val="dk1"/>
-          </a:lnRef>
-          <a:fillRef idx="1">
-            <a:schemeClr val="lt1"/>
-          </a:fillRef>
-          <a:effectRef idx="0">
-            <a:schemeClr val="dk1"/>
-          </a:effectRef>
-          <a:fontRef idx="minor">
-            <a:schemeClr val="dk1"/>
-          </a:fontRef>
-        </p:style>
-        <p:txBody>
-          <a:bodyPr wrap="square" rtlCol="0">
-            <a:spAutoFit/>
-          </a:bodyPr>
-          <a:lstStyle/>
-          <a:p>
-            <a:pPr marL="457200" indent="-457200">
-              <a:buFont typeface="Arial" panose="020B0604020202020204" pitchFamily="34" charset="0"/>
-              <a:buChar char="•"/>
-            </a:pPr>
-            <a:r>
-              <a:rPr lang="en-US" sz="2800" dirty="0">
-                <a:solidFill>
-                  <a:srgbClr val="660066"/>
-                </a:solidFill>
-              </a:rPr>
-              <a:t>Old Formula: </a:t>
-            </a:r>
-          </a:p>
-          <a:p>
-            <a:pPr marL="457200" indent="-457200">
-              <a:buFont typeface="Arial" panose="020B0604020202020204" pitchFamily="34" charset="0"/>
-              <a:buChar char="•"/>
-            </a:pPr>
-            <a:endParaRPr lang="en-US" sz="2800" dirty="0">
-              <a:solidFill>
-                <a:srgbClr val="660066"/>
-              </a:solidFill>
-            </a:endParaRPr>
-          </a:p>
-          <a:p>
-            <a:pPr marL="457200" indent="-457200">
-              <a:buFont typeface="Arial" panose="020B0604020202020204" pitchFamily="34" charset="0"/>
-              <a:buChar char="•"/>
-            </a:pPr>
-            <a:endParaRPr lang="en-US" sz="2800" dirty="0">
-              <a:solidFill>
-                <a:srgbClr val="660066"/>
-              </a:solidFill>
-            </a:endParaRPr>
-          </a:p>
-          <a:p>
-            <a:pPr marL="457200" indent="-457200">
-              <a:buFont typeface="Arial" panose="020B0604020202020204" pitchFamily="34" charset="0"/>
-              <a:buChar char="•"/>
-            </a:pPr>
-            <a:r>
-              <a:rPr lang="en-US" sz="2800" dirty="0">
-                <a:solidFill>
-                  <a:srgbClr val="660066"/>
-                </a:solidFill>
-              </a:rPr>
-              <a:t>New Formula:</a:t>
-            </a:r>
-          </a:p>
-          <a:p>
-            <a:pPr marL="457200" indent="-457200">
-              <a:buFont typeface="Arial" panose="020B0604020202020204" pitchFamily="34" charset="0"/>
-              <a:buChar char="•"/>
-            </a:pPr>
-            <a:endParaRPr lang="en-US" sz="2800" dirty="0">
-              <a:solidFill>
-                <a:srgbClr val="660066"/>
-              </a:solidFill>
-            </a:endParaRPr>
-          </a:p>
-          <a:p>
-            <a:pPr marL="457200" indent="-457200">
-              <a:buFont typeface="Arial" panose="020B0604020202020204" pitchFamily="34" charset="0"/>
-              <a:buChar char="•"/>
-            </a:pPr>
-            <a:endParaRPr lang="en-US" sz="2800" dirty="0">
-              <a:solidFill>
-                <a:srgbClr val="660066"/>
-              </a:solidFill>
-            </a:endParaRPr>
-          </a:p>
-          <a:p>
-            <a:pPr marL="457200" indent="-457200">
-              <a:buFont typeface="Arial" panose="020B0604020202020204" pitchFamily="34" charset="0"/>
-              <a:buChar char="•"/>
-            </a:pPr>
-            <a:r>
-              <a:rPr lang="en-US" sz="2800" dirty="0">
-                <a:solidFill>
-                  <a:srgbClr val="660066"/>
-                </a:solidFill>
-              </a:rPr>
-              <a:t>Further Adjust for Leverage Since Some Points Impact More</a:t>
-            </a:r>
-          </a:p>
-          <a:p>
-            <a:pPr marL="457200" indent="-457200">
-              <a:buFont typeface="Arial" panose="020B0604020202020204" pitchFamily="34" charset="0"/>
-              <a:buChar char="•"/>
-            </a:pPr>
-            <a:endParaRPr lang="en-US" sz="2800" dirty="0">
-              <a:solidFill>
-                <a:srgbClr val="660066"/>
-              </a:solidFill>
-            </a:endParaRPr>
-          </a:p>
-          <a:p>
-            <a:pPr marL="457200" indent="-457200">
-              <a:buFont typeface="Arial" panose="020B0604020202020204" pitchFamily="34" charset="0"/>
-              <a:buChar char="•"/>
-            </a:pPr>
-            <a:r>
-              <a:rPr lang="en-US" sz="2800" dirty="0">
-                <a:solidFill>
-                  <a:srgbClr val="660066"/>
-                </a:solidFill>
-              </a:rPr>
-              <a:t>Points with More Leverage Tend to Higher Standardized Residuals</a:t>
-            </a:r>
-          </a:p>
-        </p:txBody>
-      </p:sp>
-      <mc:AlternateContent xmlns:mc="http://schemas.openxmlformats.org/markup-compatibility/2006" xmlns:a14="http://schemas.microsoft.com/office/drawing/2010/main">
-        <mc:Choice Requires="a14">
+      <mc:AlternateContent xmlns:mc="http://schemas.openxmlformats.org/markup-compatibility/2006">
+        <mc:Choice xmlns:a14="http://schemas.microsoft.com/office/drawing/2010/main" Requires="a14">
           <p:sp>
             <p:nvSpPr>
-              <p:cNvPr id="3" name="TextBox 2">
+              <p:cNvPr id="7" name="TextBox 6">
                 <a:extLst>
                   <a:ext uri="{FF2B5EF4-FFF2-40B4-BE49-F238E27FC236}">
-                    <a16:creationId xmlns:a16="http://schemas.microsoft.com/office/drawing/2014/main" id="{4F8E225C-8F14-C448-CB6E-3441301C27E0}"/>
+                    <a16:creationId xmlns:a16="http://schemas.microsoft.com/office/drawing/2014/main" id="{D9B238EA-D04E-3255-7509-F990F1A8F309}"/>
                   </a:ext>
                 </a:extLst>
               </p:cNvPr>
@@ -13470,197 +10416,267 @@
             </p:nvSpPr>
             <p:spPr>
               <a:xfrm>
-                <a:off x="5791200" y="2439693"/>
-                <a:ext cx="1761060" cy="573940"/>
+                <a:off x="457200" y="1981200"/>
+                <a:ext cx="11201400" cy="3915966"/>
               </a:xfrm>
-              <a:prstGeom prst="rect">
+              <a:prstGeom prst="roundRect">
                 <a:avLst/>
               </a:prstGeom>
-              <a:noFill/>
+              <a:solidFill>
+                <a:schemeClr val="bg1"/>
+              </a:solidFill>
+              <a:ln w="76200">
+                <a:solidFill>
+                  <a:srgbClr val="FFC416"/>
+                </a:solidFill>
+              </a:ln>
             </p:spPr>
+            <p:style>
+              <a:lnRef idx="2">
+                <a:schemeClr val="dk1"/>
+              </a:lnRef>
+              <a:fillRef idx="1">
+                <a:schemeClr val="lt1"/>
+              </a:fillRef>
+              <a:effectRef idx="0">
+                <a:schemeClr val="dk1"/>
+              </a:effectRef>
+              <a:fontRef idx="minor">
+                <a:schemeClr val="dk1"/>
+              </a:fontRef>
+            </p:style>
             <p:txBody>
-              <a:bodyPr wrap="none" lIns="0" tIns="0" rIns="0" bIns="0" rtlCol="0">
+              <a:bodyPr wrap="square" rtlCol="0">
                 <a:spAutoFit/>
               </a:bodyPr>
               <a:lstStyle/>
               <a:p>
-                <a:pPr/>
+                <a:pPr marL="457200" indent="-457200">
+                  <a:buFont typeface="Arial" panose="020B0604020202020204" pitchFamily="34" charset="0"/>
+                  <a:buChar char="•"/>
+                </a:pPr>
+                <a:r>
+                  <a:rPr lang="en-US" sz="2800" dirty="0">
+                    <a:solidFill>
+                      <a:srgbClr val="660066"/>
+                    </a:solidFill>
+                  </a:rPr>
+                  <a:t>Confidence Intervals for </a:t>
+                </a:r>
                 <a14:m>
-                  <m:oMathPara xmlns:m="http://schemas.openxmlformats.org/officeDocument/2006/math">
-                    <m:oMathParaPr>
-                      <m:jc m:val="centerGroup"/>
-                    </m:oMathParaPr>
-                    <m:oMath xmlns:m="http://schemas.openxmlformats.org/officeDocument/2006/math">
-                      <m:r>
-                        <a:rPr lang="en-US" b="0" i="1" smtClean="0">
-                          <a:latin typeface="Cambria Math" panose="02040503050406030204" pitchFamily="18" charset="0"/>
-                        </a:rPr>
-                        <m:t>𝑠𝑡𝑑𝑟𝑒</m:t>
-                      </m:r>
-                      <m:sSub>
-                        <m:sSubPr>
-                          <m:ctrlPr>
-                            <a:rPr lang="en-US" b="0" i="1" smtClean="0">
-                              <a:latin typeface="Cambria Math" panose="02040503050406030204" pitchFamily="18" charset="0"/>
-                            </a:rPr>
-                          </m:ctrlPr>
-                        </m:sSubPr>
-                        <m:e>
-                          <m:r>
-                            <a:rPr lang="en-US" b="0" i="1" smtClean="0">
-                              <a:latin typeface="Cambria Math" panose="02040503050406030204" pitchFamily="18" charset="0"/>
-                            </a:rPr>
-                            <m:t>𝑠</m:t>
-                          </m:r>
-                        </m:e>
-                        <m:sub>
-                          <m:r>
-                            <a:rPr lang="en-US" b="0" i="1" smtClean="0">
-                              <a:latin typeface="Cambria Math" panose="02040503050406030204" pitchFamily="18" charset="0"/>
-                            </a:rPr>
-                            <m:t>𝑖</m:t>
-                          </m:r>
-                        </m:sub>
-                      </m:sSub>
-                      <m:r>
-                        <a:rPr lang="en-US" b="0" i="1" smtClean="0">
-                          <a:latin typeface="Cambria Math" panose="02040503050406030204" pitchFamily="18" charset="0"/>
-                        </a:rPr>
-                        <m:t>=</m:t>
-                      </m:r>
-                      <m:f>
-                        <m:fPr>
-                          <m:ctrlPr>
-                            <a:rPr lang="en-US" b="0" i="1" smtClean="0">
-                              <a:latin typeface="Cambria Math" panose="02040503050406030204" pitchFamily="18" charset="0"/>
-                            </a:rPr>
-                          </m:ctrlPr>
-                        </m:fPr>
-                        <m:num>
-                          <m:sSub>
-                            <m:sSubPr>
-                              <m:ctrlPr>
-                                <a:rPr lang="en-US" b="0" i="1" smtClean="0">
-                                  <a:latin typeface="Cambria Math" panose="02040503050406030204" pitchFamily="18" charset="0"/>
-                                </a:rPr>
-                              </m:ctrlPr>
-                            </m:sSubPr>
-                            <m:e>
-                              <m:r>
-                                <a:rPr lang="en-US" b="0" i="1" smtClean="0">
-                                  <a:latin typeface="Cambria Math" panose="02040503050406030204" pitchFamily="18" charset="0"/>
-                                </a:rPr>
-                                <m:t>𝑦</m:t>
-                              </m:r>
-                            </m:e>
-                            <m:sub>
-                              <m:r>
-                                <a:rPr lang="en-US" b="0" i="1" smtClean="0">
-                                  <a:latin typeface="Cambria Math" panose="02040503050406030204" pitchFamily="18" charset="0"/>
-                                </a:rPr>
-                                <m:t>𝑖</m:t>
-                              </m:r>
-                            </m:sub>
-                          </m:sSub>
-                          <m:r>
-                            <a:rPr lang="en-US" b="0" i="1" smtClean="0">
-                              <a:latin typeface="Cambria Math" panose="02040503050406030204" pitchFamily="18" charset="0"/>
-                            </a:rPr>
-                            <m:t>−</m:t>
-                          </m:r>
-                          <m:sSub>
-                            <m:sSubPr>
-                              <m:ctrlPr>
-                                <a:rPr lang="en-US" b="0" i="1" smtClean="0">
-                                  <a:latin typeface="Cambria Math" panose="02040503050406030204" pitchFamily="18" charset="0"/>
-                                </a:rPr>
-                              </m:ctrlPr>
-                            </m:sSubPr>
-                            <m:e>
-                              <m:acc>
-                                <m:accPr>
-                                  <m:chr m:val="̂"/>
-                                  <m:ctrlPr>
-                                    <a:rPr lang="en-US" b="0" i="1" smtClean="0">
-                                      <a:latin typeface="Cambria Math" panose="02040503050406030204" pitchFamily="18" charset="0"/>
-                                    </a:rPr>
-                                  </m:ctrlPr>
-                                </m:accPr>
-                                <m:e>
-                                  <m:r>
-                                    <a:rPr lang="en-US" b="0" i="1" smtClean="0">
-                                      <a:latin typeface="Cambria Math" panose="02040503050406030204" pitchFamily="18" charset="0"/>
-                                    </a:rPr>
-                                    <m:t>𝑦</m:t>
-                                  </m:r>
-                                </m:e>
-                              </m:acc>
-                            </m:e>
-                            <m:sub>
-                              <m:r>
-                                <a:rPr lang="en-US" b="0" i="1" smtClean="0">
-                                  <a:latin typeface="Cambria Math" panose="02040503050406030204" pitchFamily="18" charset="0"/>
-                                </a:rPr>
-                                <m:t>𝑖</m:t>
-                              </m:r>
-                            </m:sub>
-                          </m:sSub>
-                        </m:num>
-                        <m:den>
-                          <m:acc>
-                            <m:accPr>
-                              <m:chr m:val="̂"/>
-                              <m:ctrlPr>
-                                <a:rPr lang="en-US" b="0" i="1" smtClean="0">
-                                  <a:latin typeface="Cambria Math" panose="02040503050406030204" pitchFamily="18" charset="0"/>
-                                </a:rPr>
-                              </m:ctrlPr>
-                            </m:accPr>
-                            <m:e>
-                              <m:sSub>
-                                <m:sSubPr>
-                                  <m:ctrlPr>
-                                    <a:rPr lang="en-US" b="0" i="1" smtClean="0">
-                                      <a:latin typeface="Cambria Math" panose="02040503050406030204" pitchFamily="18" charset="0"/>
-                                    </a:rPr>
-                                  </m:ctrlPr>
-                                </m:sSubPr>
-                                <m:e>
-                                  <m:r>
-                                    <a:rPr lang="en-US" b="0" i="1" smtClean="0">
-                                      <a:latin typeface="Cambria Math" panose="02040503050406030204" pitchFamily="18" charset="0"/>
-                                    </a:rPr>
-                                    <m:t>𝜎</m:t>
-                                  </m:r>
-                                </m:e>
-                                <m:sub>
-                                  <m:r>
-                                    <a:rPr lang="en-US" b="0" i="1" smtClean="0">
-                                      <a:latin typeface="Cambria Math" panose="02040503050406030204" pitchFamily="18" charset="0"/>
-                                    </a:rPr>
-                                    <m:t>𝜖</m:t>
-                                  </m:r>
-                                </m:sub>
-                              </m:sSub>
-                            </m:e>
-                          </m:acc>
-                        </m:den>
-                      </m:f>
-                    </m:oMath>
-                  </m:oMathPara>
+                  <m:oMath xmlns:m="http://schemas.openxmlformats.org/officeDocument/2006/math">
+                    <m:sSub>
+                      <m:sSubPr>
+                        <m:ctrlPr>
+                          <a:rPr lang="en-US" sz="2800" i="1" smtClean="0">
+                            <a:solidFill>
+                              <a:srgbClr val="660066"/>
+                            </a:solidFill>
+                            <a:latin typeface="Cambria Math" panose="02040503050406030204" pitchFamily="18" charset="0"/>
+                          </a:rPr>
+                        </m:ctrlPr>
+                      </m:sSubPr>
+                      <m:e>
+                        <m:r>
+                          <a:rPr lang="en-US" sz="2800" b="0" i="1" smtClean="0">
+                            <a:solidFill>
+                              <a:srgbClr val="660066"/>
+                            </a:solidFill>
+                            <a:latin typeface="Cambria Math" panose="02040503050406030204" pitchFamily="18" charset="0"/>
+                          </a:rPr>
+                          <m:t>𝜇</m:t>
+                        </m:r>
+                      </m:e>
+                      <m:sub>
+                        <m:r>
+                          <a:rPr lang="en-US" sz="2800" b="0" i="1" smtClean="0">
+                            <a:solidFill>
+                              <a:srgbClr val="660066"/>
+                            </a:solidFill>
+                            <a:latin typeface="Cambria Math" panose="02040503050406030204" pitchFamily="18" charset="0"/>
+                          </a:rPr>
+                          <m:t>𝑌</m:t>
+                        </m:r>
+                      </m:sub>
+                    </m:sSub>
+                  </m:oMath>
                 </a14:m>
-                <a:endParaRPr lang="en-US" dirty="0"/>
+                <a:r>
+                  <a:rPr lang="en-US" sz="2800" dirty="0">
+                    <a:solidFill>
+                      <a:srgbClr val="660066"/>
+                    </a:solidFill>
+                  </a:rPr>
+                  <a:t> are Always Smaller Than Prediction Intervals for </a:t>
+                </a:r>
+                <a:r>
+                  <a:rPr lang="en-US" sz="2800" i="1" dirty="0">
+                    <a:solidFill>
+                      <a:srgbClr val="660066"/>
+                    </a:solidFill>
+                  </a:rPr>
+                  <a:t>Y</a:t>
+                </a:r>
+                <a:r>
+                  <a:rPr lang="en-US" sz="2800" dirty="0">
+                    <a:solidFill>
+                      <a:srgbClr val="660066"/>
+                    </a:solidFill>
+                  </a:rPr>
+                  <a:t> Assuming We are Predicting for the Same Value of </a:t>
+                </a:r>
+                <a:r>
+                  <a:rPr lang="en-US" sz="2800" i="1" dirty="0">
+                    <a:solidFill>
+                      <a:srgbClr val="660066"/>
+                    </a:solidFill>
+                  </a:rPr>
+                  <a:t>X</a:t>
+                </a:r>
+                <a:endParaRPr lang="en-US" sz="2800" dirty="0">
+                  <a:solidFill>
+                    <a:srgbClr val="660066"/>
+                  </a:solidFill>
+                </a:endParaRPr>
+              </a:p>
+              <a:p>
+                <a:pPr marL="457200" indent="-457200">
+                  <a:buFont typeface="Arial" panose="020B0604020202020204" pitchFamily="34" charset="0"/>
+                  <a:buChar char="•"/>
+                </a:pPr>
+                <a:endParaRPr lang="en-US" sz="2800" dirty="0">
+                  <a:solidFill>
+                    <a:srgbClr val="660066"/>
+                  </a:solidFill>
+                </a:endParaRPr>
+              </a:p>
+              <a:p>
+                <a:pPr marL="457200" indent="-457200">
+                  <a:buFont typeface="Arial" panose="020B0604020202020204" pitchFamily="34" charset="0"/>
+                  <a:buChar char="•"/>
+                </a:pPr>
+                <a:r>
+                  <a:rPr lang="en-US" sz="2800" dirty="0">
+                    <a:solidFill>
+                      <a:srgbClr val="660066"/>
+                    </a:solidFill>
+                  </a:rPr>
+                  <a:t>Confidence Intervals for </a:t>
+                </a:r>
+                <a14:m>
+                  <m:oMath xmlns:m="http://schemas.openxmlformats.org/officeDocument/2006/math">
+                    <m:sSub>
+                      <m:sSubPr>
+                        <m:ctrlPr>
+                          <a:rPr lang="en-US" sz="2800" i="1" smtClean="0">
+                            <a:solidFill>
+                              <a:srgbClr val="660066"/>
+                            </a:solidFill>
+                            <a:latin typeface="Cambria Math" panose="02040503050406030204" pitchFamily="18" charset="0"/>
+                          </a:rPr>
+                        </m:ctrlPr>
+                      </m:sSubPr>
+                      <m:e>
+                        <m:r>
+                          <a:rPr lang="en-US" sz="2800" b="0" i="1" smtClean="0">
+                            <a:solidFill>
+                              <a:srgbClr val="660066"/>
+                            </a:solidFill>
+                            <a:latin typeface="Cambria Math" panose="02040503050406030204" pitchFamily="18" charset="0"/>
+                          </a:rPr>
+                          <m:t>𝜇</m:t>
+                        </m:r>
+                      </m:e>
+                      <m:sub>
+                        <m:r>
+                          <a:rPr lang="en-US" sz="2800" b="0" i="1" smtClean="0">
+                            <a:solidFill>
+                              <a:srgbClr val="660066"/>
+                            </a:solidFill>
+                            <a:latin typeface="Cambria Math" panose="02040503050406030204" pitchFamily="18" charset="0"/>
+                          </a:rPr>
+                          <m:t>𝑌</m:t>
+                        </m:r>
+                      </m:sub>
+                    </m:sSub>
+                  </m:oMath>
+                </a14:m>
+                <a:r>
+                  <a:rPr lang="en-US" sz="2800" dirty="0">
+                    <a:solidFill>
+                      <a:srgbClr val="660066"/>
+                    </a:solidFill>
+                  </a:rPr>
+                  <a:t> Represent Where We Believe the True Line to be if Fitted to All the Data in the Population</a:t>
+                </a:r>
+              </a:p>
+              <a:p>
+                <a:pPr marL="457200" indent="-457200">
+                  <a:buFont typeface="Arial" panose="020B0604020202020204" pitchFamily="34" charset="0"/>
+                  <a:buChar char="•"/>
+                </a:pPr>
+                <a:endParaRPr lang="en-US" sz="2800" dirty="0">
+                  <a:solidFill>
+                    <a:srgbClr val="660066"/>
+                  </a:solidFill>
+                </a:endParaRPr>
+              </a:p>
+              <a:p>
+                <a:pPr marL="457200" indent="-457200">
+                  <a:buFont typeface="Arial" panose="020B0604020202020204" pitchFamily="34" charset="0"/>
+                  <a:buChar char="•"/>
+                </a:pPr>
+                <a:r>
+                  <a:rPr lang="en-US" sz="2800" dirty="0">
+                    <a:solidFill>
+                      <a:srgbClr val="660066"/>
+                    </a:solidFill>
+                  </a:rPr>
+                  <a:t>Prediction Intervals for </a:t>
+                </a:r>
+                <a:r>
+                  <a:rPr lang="en-US" sz="2800" i="1" dirty="0">
+                    <a:solidFill>
+                      <a:srgbClr val="660066"/>
+                    </a:solidFill>
+                  </a:rPr>
+                  <a:t>Y </a:t>
+                </a:r>
+                <a:r>
+                  <a:rPr lang="en-US" sz="2800" dirty="0">
+                    <a:solidFill>
+                      <a:srgbClr val="660066"/>
+                    </a:solidFill>
+                  </a:rPr>
+                  <a:t>Represent Where We Would Predict an Individual </a:t>
+                </a:r>
+                <a:r>
+                  <a:rPr lang="en-US" sz="2800" i="1" dirty="0">
+                    <a:solidFill>
+                      <a:srgbClr val="660066"/>
+                    </a:solidFill>
+                  </a:rPr>
+                  <a:t>Y</a:t>
+                </a:r>
+                <a:r>
+                  <a:rPr lang="en-US" sz="2800" dirty="0">
+                    <a:solidFill>
+                      <a:srgbClr val="660066"/>
+                    </a:solidFill>
+                  </a:rPr>
+                  <a:t> Value to be for Different Values of X</a:t>
+                </a:r>
               </a:p>
             </p:txBody>
           </p:sp>
         </mc:Choice>
-        <mc:Fallback xmlns="">
+        <mc:Fallback>
           <p:sp>
             <p:nvSpPr>
-              <p:cNvPr id="3" name="TextBox 2">
+              <p:cNvPr id="7" name="TextBox 6">
                 <a:extLst>
                   <a:ext uri="{FF2B5EF4-FFF2-40B4-BE49-F238E27FC236}">
-                    <a16:creationId xmlns:a16="http://schemas.microsoft.com/office/drawing/2014/main" id="{4F8E225C-8F14-C448-CB6E-3441301C27E0}"/>
+                    <a16:creationId xmlns:a16="http://schemas.microsoft.com/office/drawing/2014/main" id="{D9B238EA-D04E-3255-7509-F990F1A8F309}"/>
                   </a:ext>
                 </a:extLst>
               </p:cNvPr>
@@ -13671,10 +10687,10 @@
             </p:nvSpPr>
             <p:spPr>
               <a:xfrm>
-                <a:off x="5791200" y="2439693"/>
-                <a:ext cx="1761060" cy="573940"/>
+                <a:off x="457200" y="1981200"/>
+                <a:ext cx="11201400" cy="3915966"/>
               </a:xfrm>
-              <a:prstGeom prst="rect">
+              <a:prstGeom prst="roundRect">
                 <a:avLst/>
               </a:prstGeom>
               <a:blipFill>
@@ -13683,295 +10699,11 @@
                   <a:fillRect/>
                 </a:stretch>
               </a:blipFill>
-            </p:spPr>
-            <p:txBody>
-              <a:bodyPr/>
-              <a:lstStyle/>
-              <a:p>
-                <a:r>
-                  <a:rPr lang="en-US">
-                    <a:noFill/>
-                  </a:rPr>
-                  <a:t> </a:t>
-                </a:r>
-              </a:p>
-            </p:txBody>
-          </p:sp>
-        </mc:Fallback>
-      </mc:AlternateContent>
-      <mc:AlternateContent xmlns:mc="http://schemas.openxmlformats.org/markup-compatibility/2006" xmlns:a14="http://schemas.microsoft.com/office/drawing/2010/main">
-        <mc:Choice Requires="a14">
-          <p:sp>
-            <p:nvSpPr>
-              <p:cNvPr id="5" name="TextBox 4">
-                <a:extLst>
-                  <a:ext uri="{FF2B5EF4-FFF2-40B4-BE49-F238E27FC236}">
-                    <a16:creationId xmlns:a16="http://schemas.microsoft.com/office/drawing/2014/main" id="{B9F5EEF3-1A9F-36BD-4D39-0B230625BB08}"/>
-                  </a:ext>
-                </a:extLst>
-              </p:cNvPr>
-              <p:cNvSpPr txBox="1"/>
-              <p:nvPr/>
-            </p:nvSpPr>
-            <p:spPr>
-              <a:xfrm>
-                <a:off x="5626444" y="3946036"/>
-                <a:ext cx="2090572" cy="643574"/>
-              </a:xfrm>
-              <a:prstGeom prst="rect">
-                <a:avLst/>
-              </a:prstGeom>
-              <a:noFill/>
-            </p:spPr>
-            <p:txBody>
-              <a:bodyPr wrap="none" lIns="0" tIns="0" rIns="0" bIns="0" rtlCol="0">
-                <a:spAutoFit/>
-              </a:bodyPr>
-              <a:lstStyle/>
-              <a:p>
-                <a:pPr/>
-                <a14:m>
-                  <m:oMathPara xmlns:m="http://schemas.openxmlformats.org/officeDocument/2006/math">
-                    <m:oMathParaPr>
-                      <m:jc m:val="centerGroup"/>
-                    </m:oMathParaPr>
-                    <m:oMath xmlns:m="http://schemas.openxmlformats.org/officeDocument/2006/math">
-                      <m:r>
-                        <a:rPr lang="en-US" b="0" i="1" smtClean="0">
-                          <a:latin typeface="Cambria Math" panose="02040503050406030204" pitchFamily="18" charset="0"/>
-                        </a:rPr>
-                        <m:t>𝑠𝑡𝑑𝑟𝑒</m:t>
-                      </m:r>
-                      <m:sSub>
-                        <m:sSubPr>
-                          <m:ctrlPr>
-                            <a:rPr lang="en-US" b="0" i="1" smtClean="0">
-                              <a:latin typeface="Cambria Math" panose="02040503050406030204" pitchFamily="18" charset="0"/>
-                            </a:rPr>
-                          </m:ctrlPr>
-                        </m:sSubPr>
-                        <m:e>
-                          <m:r>
-                            <a:rPr lang="en-US" b="0" i="1" smtClean="0">
-                              <a:latin typeface="Cambria Math" panose="02040503050406030204" pitchFamily="18" charset="0"/>
-                            </a:rPr>
-                            <m:t>𝑠</m:t>
-                          </m:r>
-                        </m:e>
-                        <m:sub>
-                          <m:r>
-                            <a:rPr lang="en-US" b="0" i="1" smtClean="0">
-                              <a:latin typeface="Cambria Math" panose="02040503050406030204" pitchFamily="18" charset="0"/>
-                            </a:rPr>
-                            <m:t>𝑖</m:t>
-                          </m:r>
-                        </m:sub>
-                      </m:sSub>
-                      <m:r>
-                        <a:rPr lang="en-US" b="0" i="1" smtClean="0">
-                          <a:latin typeface="Cambria Math" panose="02040503050406030204" pitchFamily="18" charset="0"/>
-                        </a:rPr>
-                        <m:t>=</m:t>
-                      </m:r>
-                      <m:f>
-                        <m:fPr>
-                          <m:ctrlPr>
-                            <a:rPr lang="en-US" b="0" i="1" smtClean="0">
-                              <a:latin typeface="Cambria Math" panose="02040503050406030204" pitchFamily="18" charset="0"/>
-                            </a:rPr>
-                          </m:ctrlPr>
-                        </m:fPr>
-                        <m:num>
-                          <m:sSub>
-                            <m:sSubPr>
-                              <m:ctrlPr>
-                                <a:rPr lang="en-US" b="0" i="1" smtClean="0">
-                                  <a:latin typeface="Cambria Math" panose="02040503050406030204" pitchFamily="18" charset="0"/>
-                                </a:rPr>
-                              </m:ctrlPr>
-                            </m:sSubPr>
-                            <m:e>
-                              <m:r>
-                                <a:rPr lang="en-US" b="0" i="1" smtClean="0">
-                                  <a:latin typeface="Cambria Math" panose="02040503050406030204" pitchFamily="18" charset="0"/>
-                                </a:rPr>
-                                <m:t>𝑦</m:t>
-                              </m:r>
-                            </m:e>
-                            <m:sub>
-                              <m:r>
-                                <a:rPr lang="en-US" b="0" i="1" smtClean="0">
-                                  <a:latin typeface="Cambria Math" panose="02040503050406030204" pitchFamily="18" charset="0"/>
-                                </a:rPr>
-                                <m:t>𝑖</m:t>
-                              </m:r>
-                            </m:sub>
-                          </m:sSub>
-                          <m:r>
-                            <a:rPr lang="en-US" b="0" i="1" smtClean="0">
-                              <a:latin typeface="Cambria Math" panose="02040503050406030204" pitchFamily="18" charset="0"/>
-                            </a:rPr>
-                            <m:t>−</m:t>
-                          </m:r>
-                          <m:sSub>
-                            <m:sSubPr>
-                              <m:ctrlPr>
-                                <a:rPr lang="en-US" b="0" i="1" smtClean="0">
-                                  <a:latin typeface="Cambria Math" panose="02040503050406030204" pitchFamily="18" charset="0"/>
-                                </a:rPr>
-                              </m:ctrlPr>
-                            </m:sSubPr>
-                            <m:e>
-                              <m:acc>
-                                <m:accPr>
-                                  <m:chr m:val="̂"/>
-                                  <m:ctrlPr>
-                                    <a:rPr lang="en-US" b="0" i="1" smtClean="0">
-                                      <a:latin typeface="Cambria Math" panose="02040503050406030204" pitchFamily="18" charset="0"/>
-                                    </a:rPr>
-                                  </m:ctrlPr>
-                                </m:accPr>
-                                <m:e>
-                                  <m:r>
-                                    <a:rPr lang="en-US" b="0" i="1" smtClean="0">
-                                      <a:latin typeface="Cambria Math" panose="02040503050406030204" pitchFamily="18" charset="0"/>
-                                    </a:rPr>
-                                    <m:t>𝑦</m:t>
-                                  </m:r>
-                                </m:e>
-                              </m:acc>
-                            </m:e>
-                            <m:sub>
-                              <m:r>
-                                <a:rPr lang="en-US" b="0" i="1" smtClean="0">
-                                  <a:latin typeface="Cambria Math" panose="02040503050406030204" pitchFamily="18" charset="0"/>
-                                </a:rPr>
-                                <m:t>𝑖</m:t>
-                              </m:r>
-                            </m:sub>
-                          </m:sSub>
-                        </m:num>
-                        <m:den>
-                          <m:acc>
-                            <m:accPr>
-                              <m:chr m:val="̂"/>
-                              <m:ctrlPr>
-                                <a:rPr lang="en-US" b="0" i="1" smtClean="0">
-                                  <a:latin typeface="Cambria Math" panose="02040503050406030204" pitchFamily="18" charset="0"/>
-                                </a:rPr>
-                              </m:ctrlPr>
-                            </m:accPr>
-                            <m:e>
-                              <m:sSub>
-                                <m:sSubPr>
-                                  <m:ctrlPr>
-                                    <a:rPr lang="en-US" b="0" i="1" smtClean="0">
-                                      <a:latin typeface="Cambria Math" panose="02040503050406030204" pitchFamily="18" charset="0"/>
-                                    </a:rPr>
-                                  </m:ctrlPr>
-                                </m:sSubPr>
-                                <m:e>
-                                  <m:r>
-                                    <a:rPr lang="en-US" b="0" i="1" smtClean="0">
-                                      <a:latin typeface="Cambria Math" panose="02040503050406030204" pitchFamily="18" charset="0"/>
-                                    </a:rPr>
-                                    <m:t>𝜎</m:t>
-                                  </m:r>
-                                </m:e>
-                                <m:sub>
-                                  <m:r>
-                                    <a:rPr lang="en-US" b="0" i="1" smtClean="0">
-                                      <a:latin typeface="Cambria Math" panose="02040503050406030204" pitchFamily="18" charset="0"/>
-                                    </a:rPr>
-                                    <m:t>𝜖</m:t>
-                                  </m:r>
-                                </m:sub>
-                              </m:sSub>
-                            </m:e>
-                          </m:acc>
-                          <m:rad>
-                            <m:radPr>
-                              <m:degHide m:val="on"/>
-                              <m:ctrlPr>
-                                <a:rPr lang="en-US" b="0" i="1" smtClean="0">
-                                  <a:latin typeface="Cambria Math" panose="02040503050406030204" pitchFamily="18" charset="0"/>
-                                </a:rPr>
-                              </m:ctrlPr>
-                            </m:radPr>
-                            <m:deg/>
-                            <m:e>
-                              <m:r>
-                                <a:rPr lang="en-US" b="0" i="1" smtClean="0">
-                                  <a:latin typeface="Cambria Math" panose="02040503050406030204" pitchFamily="18" charset="0"/>
-                                </a:rPr>
-                                <m:t>1−</m:t>
-                              </m:r>
-                              <m:sSub>
-                                <m:sSubPr>
-                                  <m:ctrlPr>
-                                    <a:rPr lang="en-US" b="0" i="1" smtClean="0">
-                                      <a:latin typeface="Cambria Math" panose="02040503050406030204" pitchFamily="18" charset="0"/>
-                                    </a:rPr>
-                                  </m:ctrlPr>
-                                </m:sSubPr>
-                                <m:e>
-                                  <m:r>
-                                    <a:rPr lang="en-US" b="0" i="1" smtClean="0">
-                                      <a:latin typeface="Cambria Math" panose="02040503050406030204" pitchFamily="18" charset="0"/>
-                                    </a:rPr>
-                                    <m:t>h</m:t>
-                                  </m:r>
-                                </m:e>
-                                <m:sub>
-                                  <m:r>
-                                    <a:rPr lang="en-US" b="0" i="1" smtClean="0">
-                                      <a:latin typeface="Cambria Math" panose="02040503050406030204" pitchFamily="18" charset="0"/>
-                                    </a:rPr>
-                                    <m:t>𝑖</m:t>
-                                  </m:r>
-                                </m:sub>
-                              </m:sSub>
-                            </m:e>
-                          </m:rad>
-                        </m:den>
-                      </m:f>
-                    </m:oMath>
-                  </m:oMathPara>
-                </a14:m>
-                <a:endParaRPr lang="en-US" dirty="0"/>
-              </a:p>
-            </p:txBody>
-          </p:sp>
-        </mc:Choice>
-        <mc:Fallback xmlns="">
-          <p:sp>
-            <p:nvSpPr>
-              <p:cNvPr id="5" name="TextBox 4">
-                <a:extLst>
-                  <a:ext uri="{FF2B5EF4-FFF2-40B4-BE49-F238E27FC236}">
-                    <a16:creationId xmlns:a16="http://schemas.microsoft.com/office/drawing/2014/main" id="{B9F5EEF3-1A9F-36BD-4D39-0B230625BB08}"/>
-                  </a:ext>
-                </a:extLst>
-              </p:cNvPr>
-              <p:cNvSpPr txBox="1">
-                <a:spLocks noRot="1" noChangeAspect="1" noMove="1" noResize="1" noEditPoints="1" noAdjustHandles="1" noChangeArrowheads="1" noChangeShapeType="1" noTextEdit="1"/>
-              </p:cNvSpPr>
-              <p:nvPr/>
-            </p:nvSpPr>
-            <p:spPr>
-              <a:xfrm>
-                <a:off x="5626444" y="3946036"/>
-                <a:ext cx="2090572" cy="643574"/>
-              </a:xfrm>
-              <a:prstGeom prst="rect">
-                <a:avLst/>
-              </a:prstGeom>
-              <a:blipFill>
-                <a:blip r:embed="rId4"/>
-                <a:stretch>
-                  <a:fillRect/>
-                </a:stretch>
-              </a:blipFill>
+              <a:ln w="76200">
+                <a:solidFill>
+                  <a:srgbClr val="FFC416"/>
+                </a:solidFill>
+              </a:ln>
             </p:spPr>
             <p:txBody>
               <a:bodyPr/>
@@ -13991,7 +10723,7 @@
     </p:spTree>
     <p:extLst>
       <p:ext uri="{BB962C8B-B14F-4D97-AF65-F5344CB8AC3E}">
-        <p14:creationId xmlns:p14="http://schemas.microsoft.com/office/powerpoint/2010/main" val="212810162"/>
+        <p14:creationId xmlns:p14="http://schemas.microsoft.com/office/powerpoint/2010/main" val="1108080967"/>
       </p:ext>
     </p:extLst>
   </p:cSld>
